--- a/Documentos/Estrutura de Dados Trabalho.pptx
+++ b/Documentos/Estrutura de Dados Trabalho.pptx
@@ -3274,24 +3274,16 @@
             <a:avLst/>
           </a:prstGeom>
           <a:solidFill>
-            <a:schemeClr val="tx2"/>
+            <a:srgbClr val="675e47"/>
           </a:solidFill>
-          <a:ln>
+          <a:ln w="25560">
             <a:noFill/>
           </a:ln>
         </p:spPr>
         <p:style>
-          <a:lnRef idx="2">
-            <a:schemeClr val="accent1">
-              <a:shade val="50000"/>
-            </a:schemeClr>
-          </a:lnRef>
-          <a:fillRef idx="1">
-            <a:schemeClr val="accent1"/>
-          </a:fillRef>
-          <a:effectRef idx="0">
-            <a:schemeClr val="accent1"/>
-          </a:effectRef>
+          <a:lnRef idx="0"/>
+          <a:fillRef idx="0"/>
+          <a:effectRef idx="0"/>
           <a:fontRef idx="minor"/>
         </p:style>
       </p:sp>
@@ -3310,24 +3302,16 @@
             <a:avLst/>
           </a:prstGeom>
           <a:solidFill>
-            <a:schemeClr val="accent1"/>
+            <a:srgbClr val="a9a57c"/>
           </a:solidFill>
-          <a:ln>
+          <a:ln w="25560">
             <a:noFill/>
           </a:ln>
         </p:spPr>
         <p:style>
-          <a:lnRef idx="2">
-            <a:schemeClr val="accent1">
-              <a:shade val="50000"/>
-            </a:schemeClr>
-          </a:lnRef>
-          <a:fillRef idx="1">
-            <a:schemeClr val="accent1"/>
-          </a:fillRef>
-          <a:effectRef idx="0">
-            <a:schemeClr val="accent1"/>
-          </a:effectRef>
+          <a:lnRef idx="0"/>
+          <a:fillRef idx="0"/>
+          <a:effectRef idx="0"/>
           <a:fontRef idx="minor"/>
         </p:style>
       </p:sp>
@@ -3413,7 +3397,7 @@
                 <a:spcPct val="100000"/>
               </a:lnSpc>
             </a:pPr>
-            <a:fld id="{9E0BE89E-E446-4EDA-BCB6-2F4110FD4DAF}" type="datetime">
+            <a:fld id="{6D69CEAA-0F40-4713-B559-813B17A0EB3C}" type="datetime">
               <a:rPr b="0" lang="en-US" sz="1200" spc="-1" strike="noStrike">
                 <a:solidFill>
                   <a:srgbClr val="dfdcb7"/>
@@ -3504,7 +3488,7 @@
                 <a:spcPct val="100000"/>
               </a:lnSpc>
             </a:pPr>
-            <a:fld id="{A4C3A663-FBDC-48E9-B23D-2742D9A251AB}" type="slidenum">
+            <a:fld id="{BB5DA916-1AA2-48AB-8FDF-D52B3AB12F82}" type="slidenum">
               <a:rPr b="0" lang="en-US" sz="1800" spc="-1" strike="noStrike">
                 <a:solidFill>
                   <a:srgbClr val="ffffff"/>
@@ -3516,7 +3500,7 @@
                 </a:uFill>
                 <a:latin typeface="Calibri"/>
               </a:rPr>
-              <a:t>5</a:t>
+              <a:t>&lt;number&gt;</a:t>
             </a:fld>
             <a:endParaRPr b="0" lang="en-US" sz="1800" spc="-1" strike="noStrike">
               <a:solidFill>
@@ -3875,24 +3859,16 @@
             <a:avLst/>
           </a:prstGeom>
           <a:solidFill>
-            <a:schemeClr val="tx2"/>
+            <a:srgbClr val="675e47"/>
           </a:solidFill>
-          <a:ln>
+          <a:ln w="25560">
             <a:noFill/>
           </a:ln>
         </p:spPr>
         <p:style>
-          <a:lnRef idx="2">
-            <a:schemeClr val="accent1">
-              <a:shade val="50000"/>
-            </a:schemeClr>
-          </a:lnRef>
-          <a:fillRef idx="1">
-            <a:schemeClr val="accent1"/>
-          </a:fillRef>
-          <a:effectRef idx="0">
-            <a:schemeClr val="accent1"/>
-          </a:effectRef>
+          <a:lnRef idx="0"/>
+          <a:fillRef idx="0"/>
+          <a:effectRef idx="0"/>
           <a:fontRef idx="minor"/>
         </p:style>
       </p:sp>
@@ -3911,24 +3887,16 @@
             <a:avLst/>
           </a:prstGeom>
           <a:solidFill>
-            <a:schemeClr val="accent1"/>
+            <a:srgbClr val="a9a57c"/>
           </a:solidFill>
-          <a:ln>
+          <a:ln w="25560">
             <a:noFill/>
           </a:ln>
         </p:spPr>
         <p:style>
-          <a:lnRef idx="2">
-            <a:schemeClr val="accent1">
-              <a:shade val="50000"/>
-            </a:schemeClr>
-          </a:lnRef>
-          <a:fillRef idx="1">
-            <a:schemeClr val="accent1"/>
-          </a:fillRef>
-          <a:effectRef idx="0">
-            <a:schemeClr val="accent1"/>
-          </a:effectRef>
+          <a:lnRef idx="0"/>
+          <a:fillRef idx="0"/>
+          <a:effectRef idx="0"/>
           <a:fontRef idx="minor"/>
         </p:style>
       </p:sp>
@@ -4009,7 +3977,7 @@
         <p:txBody>
           <a:bodyPr/>
           <a:p>
-            <a:pPr marL="343080" indent="-228240">
+            <a:pPr marL="432000" indent="-324000">
               <a:lnSpc>
                 <a:spcPct val="100000"/>
               </a:lnSpc>
@@ -4017,10 +3985,11 @@
                 <a:spcPts val="439"/>
               </a:spcBef>
               <a:buClr>
-                <a:srgbClr val="a9a57c"/>
+                <a:srgbClr val="000000"/>
               </a:buClr>
-              <a:buFont typeface="Arial"/>
-              <a:buChar char="•"/>
+              <a:buSzPct val="45000"/>
+              <a:buFont typeface="Wingdings" charset="2"/>
+              <a:buChar char=""/>
             </a:pPr>
             <a:r>
               <a:rPr b="0" lang="pt-BR" sz="2200" spc="-1" strike="noStrike">
@@ -4049,7 +4018,7 @@
             </a:endParaRPr>
           </a:p>
           <a:p>
-            <a:pPr lvl="1" marL="640080" indent="-228240">
+            <a:pPr lvl="1" marL="864000" indent="-324000">
               <a:lnSpc>
                 <a:spcPct val="100000"/>
               </a:lnSpc>
@@ -4057,10 +4026,11 @@
                 <a:spcPts val="400"/>
               </a:spcBef>
               <a:buClr>
-                <a:srgbClr val="9cbebd"/>
+                <a:srgbClr val="000000"/>
               </a:buClr>
-              <a:buFont typeface="Arial"/>
-              <a:buChar char="•"/>
+              <a:buSzPct val="75000"/>
+              <a:buFont typeface="Symbol" charset="2"/>
+              <a:buChar char=""/>
             </a:pPr>
             <a:r>
               <a:rPr b="0" lang="pt-BR" sz="2000" spc="-1" strike="noStrike">
@@ -4089,7 +4059,7 @@
             </a:endParaRPr>
           </a:p>
           <a:p>
-            <a:pPr lvl="2" marL="1005840" indent="-228240">
+            <a:pPr lvl="2" marL="1296000" indent="-288000">
               <a:lnSpc>
                 <a:spcPct val="100000"/>
               </a:lnSpc>
@@ -4097,10 +4067,11 @@
                 <a:spcPts val="360"/>
               </a:spcBef>
               <a:buClr>
-                <a:srgbClr val="d2cb6c"/>
+                <a:srgbClr val="000000"/>
               </a:buClr>
-              <a:buFont typeface="Arial"/>
-              <a:buChar char="•"/>
+              <a:buSzPct val="45000"/>
+              <a:buFont typeface="Wingdings" charset="2"/>
+              <a:buChar char=""/>
             </a:pPr>
             <a:r>
               <a:rPr b="0" lang="pt-BR" sz="1800" spc="-1" strike="noStrike">
@@ -4129,7 +4100,7 @@
             </a:endParaRPr>
           </a:p>
           <a:p>
-            <a:pPr lvl="3" marL="1280160" indent="-228240">
+            <a:pPr lvl="3" marL="1728000" indent="-216000">
               <a:lnSpc>
                 <a:spcPct val="100000"/>
               </a:lnSpc>
@@ -4137,10 +4108,11 @@
                 <a:spcPts val="320"/>
               </a:spcBef>
               <a:buClr>
-                <a:srgbClr val="95a39d"/>
+                <a:srgbClr val="000000"/>
               </a:buClr>
-              <a:buFont typeface="Arial"/>
-              <a:buChar char="•"/>
+              <a:buSzPct val="75000"/>
+              <a:buFont typeface="Symbol" charset="2"/>
+              <a:buChar char=""/>
             </a:pPr>
             <a:r>
               <a:rPr b="0" lang="pt-BR" sz="1600" spc="-1" strike="noStrike">
@@ -4169,7 +4141,7 @@
             </a:endParaRPr>
           </a:p>
           <a:p>
-            <a:pPr lvl="4" marL="1554480" indent="-228240">
+            <a:pPr lvl="4" marL="2160000" indent="-216000">
               <a:lnSpc>
                 <a:spcPct val="100000"/>
               </a:lnSpc>
@@ -4177,10 +4149,11 @@
                 <a:spcPts val="281"/>
               </a:spcBef>
               <a:buClr>
-                <a:srgbClr val="c89f5d"/>
+                <a:srgbClr val="000000"/>
               </a:buClr>
-              <a:buFont typeface="Arial"/>
-              <a:buChar char="•"/>
+              <a:buSzPct val="45000"/>
+              <a:buFont typeface="Wingdings" charset="2"/>
+              <a:buChar char=""/>
             </a:pPr>
             <a:r>
               <a:rPr b="0" lang="pt-BR" sz="1400" spc="-1" strike="noStrike">
@@ -4237,7 +4210,7 @@
                 <a:spcPct val="100000"/>
               </a:lnSpc>
             </a:pPr>
-            <a:fld id="{09ECB952-DBAE-4117-AC01-3BD959E5CF57}" type="datetime">
+            <a:fld id="{90795D9C-6D18-4F30-92DB-9DAF94D9F6FF}" type="datetime">
               <a:rPr b="0" lang="en-US" sz="1200" spc="-1" strike="noStrike">
                 <a:solidFill>
                   <a:srgbClr val="dfdcb7"/>
@@ -4328,7 +4301,7 @@
                 <a:spcPct val="100000"/>
               </a:lnSpc>
             </a:pPr>
-            <a:fld id="{74031F7A-11A9-40CD-8FE3-4CD85FCABE0F}" type="slidenum">
+            <a:fld id="{F7A44154-56BA-4BED-A7C4-4C98366714C7}" type="slidenum">
               <a:rPr b="0" lang="en-US" sz="1800" spc="-1" strike="noStrike">
                 <a:solidFill>
                   <a:srgbClr val="ffffff"/>
@@ -4340,7 +4313,7 @@
                 </a:uFill>
                 <a:latin typeface="Calibri"/>
               </a:rPr>
-              <a:t>1</a:t>
+              <a:t>&lt;number&gt;</a:t>
             </a:fld>
             <a:endParaRPr b="0" lang="en-US" sz="1800" spc="-1" strike="noStrike">
               <a:solidFill>
@@ -4576,33 +4549,6 @@
       </p:sp>
     </p:spTree>
   </p:cSld>
-  <p:timing>
-    <p:tnLst>
-      <p:par>
-        <p:cTn id="1" dur="indefinite" restart="never" nodeType="tmRoot">
-          <p:childTnLst>
-            <p:seq>
-              <p:cTn id="2" nodeType="mainSeq"/>
-              <p:prevCondLst>
-                <p:cond delay="0" evt="onPrev">
-                  <p:tgtEl>
-                    <p:sldTgt/>
-                  </p:tgtEl>
-                </p:cond>
-              </p:prevCondLst>
-              <p:nextCondLst>
-                <p:cond delay="0" evt="onNext">
-                  <p:tgtEl>
-                    <p:sldTgt/>
-                  </p:tgtEl>
-                </p:cond>
-              </p:nextCondLst>
-            </p:seq>
-          </p:childTnLst>
-        </p:cTn>
-      </p:par>
-    </p:tnLst>
-  </p:timing>
 </p:sld>
 </file>
 
@@ -4625,7 +4571,7 @@
       </p:grpSpPr>
       <p:sp>
         <p:nvSpPr>
-          <p:cNvPr id="103" name="TextShape 1"/>
+          <p:cNvPr id="104" name="TextShape 1"/>
           <p:cNvSpPr txBox="1"/>
           <p:nvPr/>
         </p:nvSpPr>
@@ -5320,7 +5266,7 @@
       </p:sp>
       <p:sp>
         <p:nvSpPr>
-          <p:cNvPr id="104" name="CustomShape 2"/>
+          <p:cNvPr id="105" name="CustomShape 2"/>
           <p:cNvSpPr/>
           <p:nvPr/>
         </p:nvSpPr>
@@ -5334,20 +5280,20 @@
               <a:gd name="adj" fmla="val 16667"/>
             </a:avLst>
           </a:prstGeom>
-          <a:ln>
+          <a:solidFill>
+            <a:srgbClr val="ffffff"/>
+          </a:solidFill>
+          <a:ln w="25560">
+            <a:solidFill>
+              <a:srgbClr val="9cbebd"/>
+            </a:solidFill>
             <a:round/>
           </a:ln>
         </p:spPr>
         <p:style>
-          <a:lnRef idx="2">
-            <a:schemeClr val="accent2"/>
-          </a:lnRef>
-          <a:fillRef idx="1">
-            <a:schemeClr val="lt1"/>
-          </a:fillRef>
-          <a:effectRef idx="0">
-            <a:schemeClr val="accent2"/>
-          </a:effectRef>
+          <a:lnRef idx="0"/>
+          <a:fillRef idx="0"/>
+          <a:effectRef idx="0"/>
           <a:fontRef idx="minor"/>
         </p:style>
         <p:txBody>
@@ -5388,7 +5334,7 @@
       </p:sp>
       <p:sp>
         <p:nvSpPr>
-          <p:cNvPr id="105" name="CustomShape 3"/>
+          <p:cNvPr id="106" name="CustomShape 3"/>
           <p:cNvSpPr/>
           <p:nvPr/>
         </p:nvSpPr>
@@ -5402,20 +5348,20 @@
               <a:gd name="adj" fmla="val 16667"/>
             </a:avLst>
           </a:prstGeom>
-          <a:ln>
+          <a:solidFill>
+            <a:srgbClr val="ffffff"/>
+          </a:solidFill>
+          <a:ln w="25560">
+            <a:solidFill>
+              <a:srgbClr val="9cbebd"/>
+            </a:solidFill>
             <a:round/>
           </a:ln>
         </p:spPr>
         <p:style>
-          <a:lnRef idx="2">
-            <a:schemeClr val="accent2"/>
-          </a:lnRef>
-          <a:fillRef idx="1">
-            <a:schemeClr val="lt1"/>
-          </a:fillRef>
-          <a:effectRef idx="0">
-            <a:schemeClr val="accent2"/>
-          </a:effectRef>
+          <a:lnRef idx="0"/>
+          <a:fillRef idx="0"/>
+          <a:effectRef idx="0"/>
           <a:fontRef idx="minor"/>
         </p:style>
         <p:txBody>
@@ -5470,33 +5416,6 @@
       </p:sp>
     </p:spTree>
   </p:cSld>
-  <p:timing>
-    <p:tnLst>
-      <p:par>
-        <p:cTn id="19" dur="indefinite" restart="never" nodeType="tmRoot">
-          <p:childTnLst>
-            <p:seq>
-              <p:cTn id="20" nodeType="mainSeq"/>
-              <p:prevCondLst>
-                <p:cond delay="0" evt="onPrev">
-                  <p:tgtEl>
-                    <p:sldTgt/>
-                  </p:tgtEl>
-                </p:cond>
-              </p:prevCondLst>
-              <p:nextCondLst>
-                <p:cond delay="0" evt="onNext">
-                  <p:tgtEl>
-                    <p:sldTgt/>
-                  </p:tgtEl>
-                </p:cond>
-              </p:nextCondLst>
-            </p:seq>
-          </p:childTnLst>
-        </p:cTn>
-      </p:par>
-    </p:tnLst>
-  </p:timing>
 </p:sld>
 </file>
 
@@ -5639,33 +5558,6 @@
       </p:sp>
     </p:spTree>
   </p:cSld>
-  <p:timing>
-    <p:tnLst>
-      <p:par>
-        <p:cTn id="3" dur="indefinite" restart="never" nodeType="tmRoot">
-          <p:childTnLst>
-            <p:seq>
-              <p:cTn id="4" nodeType="mainSeq"/>
-              <p:prevCondLst>
-                <p:cond delay="0" evt="onPrev">
-                  <p:tgtEl>
-                    <p:sldTgt/>
-                  </p:tgtEl>
-                </p:cond>
-              </p:prevCondLst>
-              <p:nextCondLst>
-                <p:cond delay="0" evt="onNext">
-                  <p:tgtEl>
-                    <p:sldTgt/>
-                  </p:tgtEl>
-                </p:cond>
-              </p:nextCondLst>
-            </p:seq>
-          </p:childTnLst>
-        </p:cTn>
-      </p:par>
-    </p:tnLst>
-  </p:timing>
 </p:sld>
 </file>
 
@@ -5989,33 +5881,6 @@
       </p:sp>
     </p:spTree>
   </p:cSld>
-  <p:timing>
-    <p:tnLst>
-      <p:par>
-        <p:cTn id="5" dur="indefinite" restart="never" nodeType="tmRoot">
-          <p:childTnLst>
-            <p:seq>
-              <p:cTn id="6" nodeType="mainSeq"/>
-              <p:prevCondLst>
-                <p:cond delay="0" evt="onPrev">
-                  <p:tgtEl>
-                    <p:sldTgt/>
-                  </p:tgtEl>
-                </p:cond>
-              </p:prevCondLst>
-              <p:nextCondLst>
-                <p:cond delay="0" evt="onNext">
-                  <p:tgtEl>
-                    <p:sldTgt/>
-                  </p:tgtEl>
-                </p:cond>
-              </p:nextCondLst>
-            </p:seq>
-          </p:childTnLst>
-        </p:cTn>
-      </p:par>
-    </p:tnLst>
-  </p:timing>
 </p:sld>
 </file>
 
@@ -6599,33 +6464,6 @@
       </p:sp>
     </p:spTree>
   </p:cSld>
-  <p:timing>
-    <p:tnLst>
-      <p:par>
-        <p:cTn id="7" dur="indefinite" restart="never" nodeType="tmRoot">
-          <p:childTnLst>
-            <p:seq>
-              <p:cTn id="8" nodeType="mainSeq"/>
-              <p:prevCondLst>
-                <p:cond delay="0" evt="onPrev">
-                  <p:tgtEl>
-                    <p:sldTgt/>
-                  </p:tgtEl>
-                </p:cond>
-              </p:prevCondLst>
-              <p:nextCondLst>
-                <p:cond delay="0" evt="onNext">
-                  <p:tgtEl>
-                    <p:sldTgt/>
-                  </p:tgtEl>
-                </p:cond>
-              </p:nextCondLst>
-            </p:seq>
-          </p:childTnLst>
-        </p:cTn>
-      </p:par>
-    </p:tnLst>
-  </p:timing>
 </p:sld>
 </file>
 
@@ -6743,33 +6581,6 @@
       </p:pic>
     </p:spTree>
   </p:cSld>
-  <p:timing>
-    <p:tnLst>
-      <p:par>
-        <p:cTn id="9" dur="indefinite" restart="never" nodeType="tmRoot">
-          <p:childTnLst>
-            <p:seq>
-              <p:cTn id="10" nodeType="mainSeq"/>
-              <p:prevCondLst>
-                <p:cond delay="0" evt="onPrev">
-                  <p:tgtEl>
-                    <p:sldTgt/>
-                  </p:tgtEl>
-                </p:cond>
-              </p:prevCondLst>
-              <p:nextCondLst>
-                <p:cond delay="0" evt="onNext">
-                  <p:tgtEl>
-                    <p:sldTgt/>
-                  </p:tgtEl>
-                </p:cond>
-              </p:nextCondLst>
-            </p:seq>
-          </p:childTnLst>
-        </p:cTn>
-      </p:par>
-    </p:tnLst>
-  </p:timing>
 </p:sld>
 </file>
 
@@ -6859,35 +6670,31 @@
           </a:p>
         </p:txBody>
       </p:sp>
+      <p:pic>
+        <p:nvPicPr>
+          <p:cNvPr id="97" name="" descr=""/>
+          <p:cNvPicPr/>
+          <p:nvPr/>
+        </p:nvPicPr>
+        <p:blipFill>
+          <a:blip r:embed="rId1"/>
+          <a:stretch/>
+        </p:blipFill>
+        <p:spPr>
+          <a:xfrm>
+            <a:off x="0" y="1257840"/>
+            <a:ext cx="9143640" cy="5142960"/>
+          </a:xfrm>
+          <a:prstGeom prst="rect">
+            <a:avLst/>
+          </a:prstGeom>
+          <a:ln>
+            <a:noFill/>
+          </a:ln>
+        </p:spPr>
+      </p:pic>
     </p:spTree>
   </p:cSld>
-  <p:timing>
-    <p:tnLst>
-      <p:par>
-        <p:cTn id="11" dur="indefinite" restart="never" nodeType="tmRoot">
-          <p:childTnLst>
-            <p:seq>
-              <p:cTn id="12" nodeType="mainSeq"/>
-              <p:prevCondLst>
-                <p:cond delay="0" evt="onPrev">
-                  <p:tgtEl>
-                    <p:sldTgt/>
-                  </p:tgtEl>
-                </p:cond>
-              </p:prevCondLst>
-              <p:nextCondLst>
-                <p:cond delay="0" evt="onNext">
-                  <p:tgtEl>
-                    <p:sldTgt/>
-                  </p:tgtEl>
-                </p:cond>
-              </p:nextCondLst>
-            </p:seq>
-          </p:childTnLst>
-        </p:cTn>
-      </p:par>
-    </p:tnLst>
-  </p:timing>
 </p:sld>
 </file>
 
@@ -6910,7 +6717,7 @@
       </p:grpSpPr>
       <p:sp>
         <p:nvSpPr>
-          <p:cNvPr id="97" name="TextShape 1"/>
+          <p:cNvPr id="98" name="TextShape 1"/>
           <p:cNvSpPr txBox="1"/>
           <p:nvPr/>
         </p:nvSpPr>
@@ -6979,7 +6786,7 @@
       </p:sp>
       <p:sp>
         <p:nvSpPr>
-          <p:cNvPr id="98" name="TextShape 2"/>
+          <p:cNvPr id="99" name="TextShape 2"/>
           <p:cNvSpPr txBox="1"/>
           <p:nvPr/>
         </p:nvSpPr>
@@ -7463,33 +7270,6 @@
       </p:sp>
     </p:spTree>
   </p:cSld>
-  <p:timing>
-    <p:tnLst>
-      <p:par>
-        <p:cTn id="13" dur="indefinite" restart="never" nodeType="tmRoot">
-          <p:childTnLst>
-            <p:seq>
-              <p:cTn id="14" nodeType="mainSeq"/>
-              <p:prevCondLst>
-                <p:cond delay="0" evt="onPrev">
-                  <p:tgtEl>
-                    <p:sldTgt/>
-                  </p:tgtEl>
-                </p:cond>
-              </p:prevCondLst>
-              <p:nextCondLst>
-                <p:cond delay="0" evt="onNext">
-                  <p:tgtEl>
-                    <p:sldTgt/>
-                  </p:tgtEl>
-                </p:cond>
-              </p:nextCondLst>
-            </p:seq>
-          </p:childTnLst>
-        </p:cTn>
-      </p:par>
-    </p:tnLst>
-  </p:timing>
 </p:sld>
 </file>
 
@@ -7512,7 +7292,7 @@
       </p:grpSpPr>
       <p:sp>
         <p:nvSpPr>
-          <p:cNvPr id="99" name="TextShape 1"/>
+          <p:cNvPr id="100" name="TextShape 1"/>
           <p:cNvSpPr txBox="1"/>
           <p:nvPr/>
         </p:nvSpPr>
@@ -7581,33 +7361,6 @@
       </p:sp>
     </p:spTree>
   </p:cSld>
-  <p:timing>
-    <p:tnLst>
-      <p:par>
-        <p:cTn id="15" dur="indefinite" restart="never" nodeType="tmRoot">
-          <p:childTnLst>
-            <p:seq>
-              <p:cTn id="16" nodeType="mainSeq"/>
-              <p:prevCondLst>
-                <p:cond delay="0" evt="onPrev">
-                  <p:tgtEl>
-                    <p:sldTgt/>
-                  </p:tgtEl>
-                </p:cond>
-              </p:prevCondLst>
-              <p:nextCondLst>
-                <p:cond delay="0" evt="onNext">
-                  <p:tgtEl>
-                    <p:sldTgt/>
-                  </p:tgtEl>
-                </p:cond>
-              </p:nextCondLst>
-            </p:seq>
-          </p:childTnLst>
-        </p:cTn>
-      </p:par>
-    </p:tnLst>
-  </p:timing>
 </p:sld>
 </file>
 
@@ -7630,7 +7383,7 @@
       </p:grpSpPr>
       <p:sp>
         <p:nvSpPr>
-          <p:cNvPr id="100" name="TextShape 1"/>
+          <p:cNvPr id="101" name="TextShape 1"/>
           <p:cNvSpPr txBox="1"/>
           <p:nvPr/>
         </p:nvSpPr>
@@ -7687,7 +7440,7 @@
       </p:sp>
       <p:sp>
         <p:nvSpPr>
-          <p:cNvPr id="101" name="TextShape 2"/>
+          <p:cNvPr id="102" name="TextShape 2"/>
           <p:cNvSpPr txBox="1"/>
           <p:nvPr/>
         </p:nvSpPr>
@@ -8326,7 +8079,7 @@
       </p:sp>
       <p:sp>
         <p:nvSpPr>
-          <p:cNvPr id="102" name="CustomShape 3"/>
+          <p:cNvPr id="103" name="CustomShape 3"/>
           <p:cNvSpPr/>
           <p:nvPr/>
         </p:nvSpPr>
@@ -8340,20 +8093,20 @@
               <a:gd name="adj" fmla="val 16667"/>
             </a:avLst>
           </a:prstGeom>
-          <a:ln>
+          <a:solidFill>
+            <a:srgbClr val="ffffff"/>
+          </a:solidFill>
+          <a:ln w="25560">
+            <a:solidFill>
+              <a:srgbClr val="9cbebd"/>
+            </a:solidFill>
             <a:round/>
           </a:ln>
         </p:spPr>
         <p:style>
-          <a:lnRef idx="2">
-            <a:schemeClr val="accent2"/>
-          </a:lnRef>
-          <a:fillRef idx="1">
-            <a:schemeClr val="lt1"/>
-          </a:fillRef>
-          <a:effectRef idx="0">
-            <a:schemeClr val="accent2"/>
-          </a:effectRef>
+          <a:lnRef idx="0"/>
+          <a:fillRef idx="0"/>
+          <a:effectRef idx="0"/>
           <a:fontRef idx="minor"/>
         </p:style>
         <p:txBody>
@@ -8394,33 +8147,6 @@
       </p:sp>
     </p:spTree>
   </p:cSld>
-  <p:timing>
-    <p:tnLst>
-      <p:par>
-        <p:cTn id="17" dur="indefinite" restart="never" nodeType="tmRoot">
-          <p:childTnLst>
-            <p:seq>
-              <p:cTn id="18" nodeType="mainSeq"/>
-              <p:prevCondLst>
-                <p:cond delay="0" evt="onPrev">
-                  <p:tgtEl>
-                    <p:sldTgt/>
-                  </p:tgtEl>
-                </p:cond>
-              </p:prevCondLst>
-              <p:nextCondLst>
-                <p:cond delay="0" evt="onNext">
-                  <p:tgtEl>
-                    <p:sldTgt/>
-                  </p:tgtEl>
-                </p:cond>
-              </p:nextCondLst>
-            </p:seq>
-          </p:childTnLst>
-        </p:cTn>
-      </p:par>
-    </p:tnLst>
-  </p:timing>
 </p:sld>
 </file>
 

--- a/Documentos/Estrutura de Dados Trabalho.pptx
+++ b/Documentos/Estrutura de Dados Trabalho.pptx
@@ -63,7 +63,7 @@
       </p:grpSpPr>
       <p:sp>
         <p:nvSpPr>
-          <p:cNvPr id="28" name="PlaceHolder 1"/>
+          <p:cNvPr id="25" name="PlaceHolder 1"/>
           <p:cNvSpPr>
             <a:spLocks noGrp="1"/>
           </p:cNvSpPr>
@@ -73,8 +73,8 @@
         </p:nvSpPr>
         <p:spPr>
           <a:xfrm>
-            <a:off x="457200" y="274680"/>
-            <a:ext cx="7619760" cy="1142640"/>
+            <a:off x="457200" y="273600"/>
+            <a:ext cx="8229240" cy="1144800"/>
           </a:xfrm>
           <a:prstGeom prst="rect">
             <a:avLst/>
@@ -83,23 +83,24 @@
         <p:txBody>
           <a:bodyPr lIns="0" rIns="0" tIns="0" bIns="0" anchor="ctr"/>
           <a:p>
-            <a:endParaRPr b="0" lang="pt-BR" sz="1800" spc="-1" strike="noStrike">
-              <a:solidFill>
-                <a:srgbClr val="2f2b20"/>
-              </a:solidFill>
-              <a:uFill>
-                <a:solidFill>
-                  <a:srgbClr val="ffffff"/>
-                </a:solidFill>
-              </a:uFill>
-              <a:latin typeface="Calibri"/>
-            </a:endParaRPr>
-          </a:p>
-        </p:txBody>
-      </p:sp>
-      <p:sp>
-        <p:nvSpPr>
-          <p:cNvPr id="29" name="PlaceHolder 2"/>
+            <a:pPr algn="ctr"/>
+            <a:endParaRPr b="0" lang="en-US" sz="4400" spc="-1" strike="noStrike">
+              <a:solidFill>
+                <a:srgbClr val="000000"/>
+              </a:solidFill>
+              <a:uFill>
+                <a:solidFill>
+                  <a:srgbClr val="ffffff"/>
+                </a:solidFill>
+              </a:uFill>
+              <a:latin typeface="Arial"/>
+            </a:endParaRPr>
+          </a:p>
+        </p:txBody>
+      </p:sp>
+      <p:sp>
+        <p:nvSpPr>
+          <p:cNvPr id="26" name="PlaceHolder 2"/>
           <p:cNvSpPr>
             <a:spLocks noGrp="1"/>
           </p:cNvSpPr>
@@ -109,8 +110,8 @@
         </p:nvSpPr>
         <p:spPr>
           <a:xfrm>
-            <a:off x="457200" y="1600200"/>
-            <a:ext cx="7619760" cy="2289600"/>
+            <a:off x="457200" y="1604520"/>
+            <a:ext cx="8229240" cy="1896840"/>
           </a:xfrm>
           <a:prstGeom prst="rect">
             <a:avLst/>
@@ -121,23 +122,23 @@
             <a:normAutofit/>
           </a:bodyPr>
           <a:p>
-            <a:endParaRPr b="0" lang="pt-BR" sz="2200" spc="-1" strike="noStrike">
-              <a:solidFill>
-                <a:srgbClr val="2f2b20"/>
-              </a:solidFill>
-              <a:uFill>
-                <a:solidFill>
-                  <a:srgbClr val="ffffff"/>
-                </a:solidFill>
-              </a:uFill>
-              <a:latin typeface="Calibri"/>
-            </a:endParaRPr>
-          </a:p>
-        </p:txBody>
-      </p:sp>
-      <p:sp>
-        <p:nvSpPr>
-          <p:cNvPr id="30" name="PlaceHolder 3"/>
+            <a:endParaRPr b="0" lang="en-US" sz="3200" spc="-1" strike="noStrike">
+              <a:solidFill>
+                <a:srgbClr val="000000"/>
+              </a:solidFill>
+              <a:uFill>
+                <a:solidFill>
+                  <a:srgbClr val="ffffff"/>
+                </a:solidFill>
+              </a:uFill>
+              <a:latin typeface="Arial"/>
+            </a:endParaRPr>
+          </a:p>
+        </p:txBody>
+      </p:sp>
+      <p:sp>
+        <p:nvSpPr>
+          <p:cNvPr id="27" name="PlaceHolder 3"/>
           <p:cNvSpPr>
             <a:spLocks noGrp="1"/>
           </p:cNvSpPr>
@@ -147,8 +148,8 @@
         </p:nvSpPr>
         <p:spPr>
           <a:xfrm>
-            <a:off x="457200" y="4107600"/>
-            <a:ext cx="7619760" cy="2289600"/>
+            <a:off x="457200" y="3682080"/>
+            <a:ext cx="8229240" cy="1896840"/>
           </a:xfrm>
           <a:prstGeom prst="rect">
             <a:avLst/>
@@ -159,16 +160,16 @@
             <a:normAutofit/>
           </a:bodyPr>
           <a:p>
-            <a:endParaRPr b="0" lang="pt-BR" sz="2200" spc="-1" strike="noStrike">
-              <a:solidFill>
-                <a:srgbClr val="2f2b20"/>
-              </a:solidFill>
-              <a:uFill>
-                <a:solidFill>
-                  <a:srgbClr val="ffffff"/>
-                </a:solidFill>
-              </a:uFill>
-              <a:latin typeface="Calibri"/>
+            <a:endParaRPr b="0" lang="en-US" sz="3200" spc="-1" strike="noStrike">
+              <a:solidFill>
+                <a:srgbClr val="000000"/>
+              </a:solidFill>
+              <a:uFill>
+                <a:solidFill>
+                  <a:srgbClr val="ffffff"/>
+                </a:solidFill>
+              </a:uFill>
+              <a:latin typeface="Arial"/>
             </a:endParaRPr>
           </a:p>
         </p:txBody>
@@ -197,7 +198,7 @@
       </p:grpSpPr>
       <p:sp>
         <p:nvSpPr>
-          <p:cNvPr id="31" name="PlaceHolder 1"/>
+          <p:cNvPr id="28" name="PlaceHolder 1"/>
           <p:cNvSpPr>
             <a:spLocks noGrp="1"/>
           </p:cNvSpPr>
@@ -207,8 +208,8 @@
         </p:nvSpPr>
         <p:spPr>
           <a:xfrm>
-            <a:off x="457200" y="274680"/>
-            <a:ext cx="7619760" cy="1142640"/>
+            <a:off x="457200" y="273600"/>
+            <a:ext cx="8229240" cy="1144800"/>
           </a:xfrm>
           <a:prstGeom prst="rect">
             <a:avLst/>
@@ -217,23 +218,24 @@
         <p:txBody>
           <a:bodyPr lIns="0" rIns="0" tIns="0" bIns="0" anchor="ctr"/>
           <a:p>
-            <a:endParaRPr b="0" lang="pt-BR" sz="1800" spc="-1" strike="noStrike">
-              <a:solidFill>
-                <a:srgbClr val="2f2b20"/>
-              </a:solidFill>
-              <a:uFill>
-                <a:solidFill>
-                  <a:srgbClr val="ffffff"/>
-                </a:solidFill>
-              </a:uFill>
-              <a:latin typeface="Calibri"/>
-            </a:endParaRPr>
-          </a:p>
-        </p:txBody>
-      </p:sp>
-      <p:sp>
-        <p:nvSpPr>
-          <p:cNvPr id="32" name="PlaceHolder 2"/>
+            <a:pPr algn="ctr"/>
+            <a:endParaRPr b="0" lang="en-US" sz="4400" spc="-1" strike="noStrike">
+              <a:solidFill>
+                <a:srgbClr val="000000"/>
+              </a:solidFill>
+              <a:uFill>
+                <a:solidFill>
+                  <a:srgbClr val="ffffff"/>
+                </a:solidFill>
+              </a:uFill>
+              <a:latin typeface="Arial"/>
+            </a:endParaRPr>
+          </a:p>
+        </p:txBody>
+      </p:sp>
+      <p:sp>
+        <p:nvSpPr>
+          <p:cNvPr id="29" name="PlaceHolder 2"/>
           <p:cNvSpPr>
             <a:spLocks noGrp="1"/>
           </p:cNvSpPr>
@@ -243,8 +245,8 @@
         </p:nvSpPr>
         <p:spPr>
           <a:xfrm>
-            <a:off x="457200" y="1600200"/>
-            <a:ext cx="3718080" cy="2289600"/>
+            <a:off x="457200" y="1604520"/>
+            <a:ext cx="4015800" cy="1896840"/>
           </a:xfrm>
           <a:prstGeom prst="rect">
             <a:avLst/>
@@ -255,23 +257,23 @@
             <a:normAutofit/>
           </a:bodyPr>
           <a:p>
-            <a:endParaRPr b="0" lang="pt-BR" sz="2200" spc="-1" strike="noStrike">
-              <a:solidFill>
-                <a:srgbClr val="2f2b20"/>
-              </a:solidFill>
-              <a:uFill>
-                <a:solidFill>
-                  <a:srgbClr val="ffffff"/>
-                </a:solidFill>
-              </a:uFill>
-              <a:latin typeface="Calibri"/>
-            </a:endParaRPr>
-          </a:p>
-        </p:txBody>
-      </p:sp>
-      <p:sp>
-        <p:nvSpPr>
-          <p:cNvPr id="33" name="PlaceHolder 3"/>
+            <a:endParaRPr b="0" lang="en-US" sz="3200" spc="-1" strike="noStrike">
+              <a:solidFill>
+                <a:srgbClr val="000000"/>
+              </a:solidFill>
+              <a:uFill>
+                <a:solidFill>
+                  <a:srgbClr val="ffffff"/>
+                </a:solidFill>
+              </a:uFill>
+              <a:latin typeface="Arial"/>
+            </a:endParaRPr>
+          </a:p>
+        </p:txBody>
+      </p:sp>
+      <p:sp>
+        <p:nvSpPr>
+          <p:cNvPr id="30" name="PlaceHolder 3"/>
           <p:cNvSpPr>
             <a:spLocks noGrp="1"/>
           </p:cNvSpPr>
@@ -281,8 +283,8 @@
         </p:nvSpPr>
         <p:spPr>
           <a:xfrm>
-            <a:off x="4361400" y="1600200"/>
-            <a:ext cx="3718080" cy="2289600"/>
+            <a:off x="4674240" y="1604520"/>
+            <a:ext cx="4015800" cy="1896840"/>
           </a:xfrm>
           <a:prstGeom prst="rect">
             <a:avLst/>
@@ -293,23 +295,23 @@
             <a:normAutofit/>
           </a:bodyPr>
           <a:p>
-            <a:endParaRPr b="0" lang="pt-BR" sz="2200" spc="-1" strike="noStrike">
-              <a:solidFill>
-                <a:srgbClr val="2f2b20"/>
-              </a:solidFill>
-              <a:uFill>
-                <a:solidFill>
-                  <a:srgbClr val="ffffff"/>
-                </a:solidFill>
-              </a:uFill>
-              <a:latin typeface="Calibri"/>
-            </a:endParaRPr>
-          </a:p>
-        </p:txBody>
-      </p:sp>
-      <p:sp>
-        <p:nvSpPr>
-          <p:cNvPr id="34" name="PlaceHolder 4"/>
+            <a:endParaRPr b="0" lang="en-US" sz="3200" spc="-1" strike="noStrike">
+              <a:solidFill>
+                <a:srgbClr val="000000"/>
+              </a:solidFill>
+              <a:uFill>
+                <a:solidFill>
+                  <a:srgbClr val="ffffff"/>
+                </a:solidFill>
+              </a:uFill>
+              <a:latin typeface="Arial"/>
+            </a:endParaRPr>
+          </a:p>
+        </p:txBody>
+      </p:sp>
+      <p:sp>
+        <p:nvSpPr>
+          <p:cNvPr id="31" name="PlaceHolder 4"/>
           <p:cNvSpPr>
             <a:spLocks noGrp="1"/>
           </p:cNvSpPr>
@@ -319,8 +321,8 @@
         </p:nvSpPr>
         <p:spPr>
           <a:xfrm>
-            <a:off x="4361400" y="4107600"/>
-            <a:ext cx="3718080" cy="2289600"/>
+            <a:off x="4674240" y="3682080"/>
+            <a:ext cx="4015800" cy="1896840"/>
           </a:xfrm>
           <a:prstGeom prst="rect">
             <a:avLst/>
@@ -331,23 +333,23 @@
             <a:normAutofit/>
           </a:bodyPr>
           <a:p>
-            <a:endParaRPr b="0" lang="pt-BR" sz="2200" spc="-1" strike="noStrike">
-              <a:solidFill>
-                <a:srgbClr val="2f2b20"/>
-              </a:solidFill>
-              <a:uFill>
-                <a:solidFill>
-                  <a:srgbClr val="ffffff"/>
-                </a:solidFill>
-              </a:uFill>
-              <a:latin typeface="Calibri"/>
-            </a:endParaRPr>
-          </a:p>
-        </p:txBody>
-      </p:sp>
-      <p:sp>
-        <p:nvSpPr>
-          <p:cNvPr id="35" name="PlaceHolder 5"/>
+            <a:endParaRPr b="0" lang="en-US" sz="3200" spc="-1" strike="noStrike">
+              <a:solidFill>
+                <a:srgbClr val="000000"/>
+              </a:solidFill>
+              <a:uFill>
+                <a:solidFill>
+                  <a:srgbClr val="ffffff"/>
+                </a:solidFill>
+              </a:uFill>
+              <a:latin typeface="Arial"/>
+            </a:endParaRPr>
+          </a:p>
+        </p:txBody>
+      </p:sp>
+      <p:sp>
+        <p:nvSpPr>
+          <p:cNvPr id="32" name="PlaceHolder 5"/>
           <p:cNvSpPr>
             <a:spLocks noGrp="1"/>
           </p:cNvSpPr>
@@ -357,8 +359,8 @@
         </p:nvSpPr>
         <p:spPr>
           <a:xfrm>
-            <a:off x="457200" y="4107600"/>
-            <a:ext cx="3718080" cy="2289600"/>
+            <a:off x="457200" y="3682080"/>
+            <a:ext cx="4015800" cy="1896840"/>
           </a:xfrm>
           <a:prstGeom prst="rect">
             <a:avLst/>
@@ -369,16 +371,16 @@
             <a:normAutofit/>
           </a:bodyPr>
           <a:p>
-            <a:endParaRPr b="0" lang="pt-BR" sz="2200" spc="-1" strike="noStrike">
-              <a:solidFill>
-                <a:srgbClr val="2f2b20"/>
-              </a:solidFill>
-              <a:uFill>
-                <a:solidFill>
-                  <a:srgbClr val="ffffff"/>
-                </a:solidFill>
-              </a:uFill>
-              <a:latin typeface="Calibri"/>
+            <a:endParaRPr b="0" lang="en-US" sz="3200" spc="-1" strike="noStrike">
+              <a:solidFill>
+                <a:srgbClr val="000000"/>
+              </a:solidFill>
+              <a:uFill>
+                <a:solidFill>
+                  <a:srgbClr val="ffffff"/>
+                </a:solidFill>
+              </a:uFill>
+              <a:latin typeface="Arial"/>
             </a:endParaRPr>
           </a:p>
         </p:txBody>
@@ -407,7 +409,7 @@
       </p:grpSpPr>
       <p:sp>
         <p:nvSpPr>
-          <p:cNvPr id="36" name="PlaceHolder 1"/>
+          <p:cNvPr id="33" name="PlaceHolder 1"/>
           <p:cNvSpPr>
             <a:spLocks noGrp="1"/>
           </p:cNvSpPr>
@@ -417,8 +419,8 @@
         </p:nvSpPr>
         <p:spPr>
           <a:xfrm>
-            <a:off x="457200" y="274680"/>
-            <a:ext cx="7619760" cy="1142640"/>
+            <a:off x="457200" y="273600"/>
+            <a:ext cx="8229240" cy="1144800"/>
           </a:xfrm>
           <a:prstGeom prst="rect">
             <a:avLst/>
@@ -427,23 +429,24 @@
         <p:txBody>
           <a:bodyPr lIns="0" rIns="0" tIns="0" bIns="0" anchor="ctr"/>
           <a:p>
-            <a:endParaRPr b="0" lang="pt-BR" sz="1800" spc="-1" strike="noStrike">
-              <a:solidFill>
-                <a:srgbClr val="2f2b20"/>
-              </a:solidFill>
-              <a:uFill>
-                <a:solidFill>
-                  <a:srgbClr val="ffffff"/>
-                </a:solidFill>
-              </a:uFill>
-              <a:latin typeface="Calibri"/>
-            </a:endParaRPr>
-          </a:p>
-        </p:txBody>
-      </p:sp>
-      <p:sp>
-        <p:nvSpPr>
-          <p:cNvPr id="37" name="PlaceHolder 2"/>
+            <a:pPr algn="ctr"/>
+            <a:endParaRPr b="0" lang="en-US" sz="4400" spc="-1" strike="noStrike">
+              <a:solidFill>
+                <a:srgbClr val="000000"/>
+              </a:solidFill>
+              <a:uFill>
+                <a:solidFill>
+                  <a:srgbClr val="ffffff"/>
+                </a:solidFill>
+              </a:uFill>
+              <a:latin typeface="Arial"/>
+            </a:endParaRPr>
+          </a:p>
+        </p:txBody>
+      </p:sp>
+      <p:sp>
+        <p:nvSpPr>
+          <p:cNvPr id="34" name="PlaceHolder 2"/>
           <p:cNvSpPr>
             <a:spLocks noGrp="1"/>
           </p:cNvSpPr>
@@ -453,8 +456,8 @@
         </p:nvSpPr>
         <p:spPr>
           <a:xfrm>
-            <a:off x="457200" y="1600200"/>
-            <a:ext cx="2453400" cy="2289600"/>
+            <a:off x="457200" y="1604520"/>
+            <a:ext cx="2649600" cy="1896840"/>
           </a:xfrm>
           <a:prstGeom prst="rect">
             <a:avLst/>
@@ -465,23 +468,23 @@
             <a:normAutofit/>
           </a:bodyPr>
           <a:p>
-            <a:endParaRPr b="0" lang="pt-BR" sz="2200" spc="-1" strike="noStrike">
-              <a:solidFill>
-                <a:srgbClr val="2f2b20"/>
-              </a:solidFill>
-              <a:uFill>
-                <a:solidFill>
-                  <a:srgbClr val="ffffff"/>
-                </a:solidFill>
-              </a:uFill>
-              <a:latin typeface="Calibri"/>
-            </a:endParaRPr>
-          </a:p>
-        </p:txBody>
-      </p:sp>
-      <p:sp>
-        <p:nvSpPr>
-          <p:cNvPr id="38" name="PlaceHolder 3"/>
+            <a:endParaRPr b="0" lang="en-US" sz="3200" spc="-1" strike="noStrike">
+              <a:solidFill>
+                <a:srgbClr val="000000"/>
+              </a:solidFill>
+              <a:uFill>
+                <a:solidFill>
+                  <a:srgbClr val="ffffff"/>
+                </a:solidFill>
+              </a:uFill>
+              <a:latin typeface="Arial"/>
+            </a:endParaRPr>
+          </a:p>
+        </p:txBody>
+      </p:sp>
+      <p:sp>
+        <p:nvSpPr>
+          <p:cNvPr id="35" name="PlaceHolder 3"/>
           <p:cNvSpPr>
             <a:spLocks noGrp="1"/>
           </p:cNvSpPr>
@@ -491,8 +494,8 @@
         </p:nvSpPr>
         <p:spPr>
           <a:xfrm>
-            <a:off x="3033720" y="1600200"/>
-            <a:ext cx="2453400" cy="2289600"/>
+            <a:off x="3239640" y="1604520"/>
+            <a:ext cx="2649600" cy="1896840"/>
           </a:xfrm>
           <a:prstGeom prst="rect">
             <a:avLst/>
@@ -503,23 +506,23 @@
             <a:normAutofit/>
           </a:bodyPr>
           <a:p>
-            <a:endParaRPr b="0" lang="pt-BR" sz="2200" spc="-1" strike="noStrike">
-              <a:solidFill>
-                <a:srgbClr val="2f2b20"/>
-              </a:solidFill>
-              <a:uFill>
-                <a:solidFill>
-                  <a:srgbClr val="ffffff"/>
-                </a:solidFill>
-              </a:uFill>
-              <a:latin typeface="Calibri"/>
-            </a:endParaRPr>
-          </a:p>
-        </p:txBody>
-      </p:sp>
-      <p:sp>
-        <p:nvSpPr>
-          <p:cNvPr id="39" name="PlaceHolder 4"/>
+            <a:endParaRPr b="0" lang="en-US" sz="3200" spc="-1" strike="noStrike">
+              <a:solidFill>
+                <a:srgbClr val="000000"/>
+              </a:solidFill>
+              <a:uFill>
+                <a:solidFill>
+                  <a:srgbClr val="ffffff"/>
+                </a:solidFill>
+              </a:uFill>
+              <a:latin typeface="Arial"/>
+            </a:endParaRPr>
+          </a:p>
+        </p:txBody>
+      </p:sp>
+      <p:sp>
+        <p:nvSpPr>
+          <p:cNvPr id="36" name="PlaceHolder 4"/>
           <p:cNvSpPr>
             <a:spLocks noGrp="1"/>
           </p:cNvSpPr>
@@ -529,8 +532,8 @@
         </p:nvSpPr>
         <p:spPr>
           <a:xfrm>
-            <a:off x="5610240" y="1600200"/>
-            <a:ext cx="2453400" cy="2289600"/>
+            <a:off x="6022080" y="1604520"/>
+            <a:ext cx="2649600" cy="1896840"/>
           </a:xfrm>
           <a:prstGeom prst="rect">
             <a:avLst/>
@@ -541,23 +544,23 @@
             <a:normAutofit/>
           </a:bodyPr>
           <a:p>
-            <a:endParaRPr b="0" lang="pt-BR" sz="2200" spc="-1" strike="noStrike">
-              <a:solidFill>
-                <a:srgbClr val="2f2b20"/>
-              </a:solidFill>
-              <a:uFill>
-                <a:solidFill>
-                  <a:srgbClr val="ffffff"/>
-                </a:solidFill>
-              </a:uFill>
-              <a:latin typeface="Calibri"/>
-            </a:endParaRPr>
-          </a:p>
-        </p:txBody>
-      </p:sp>
-      <p:sp>
-        <p:nvSpPr>
-          <p:cNvPr id="40" name="PlaceHolder 5"/>
+            <a:endParaRPr b="0" lang="en-US" sz="3200" spc="-1" strike="noStrike">
+              <a:solidFill>
+                <a:srgbClr val="000000"/>
+              </a:solidFill>
+              <a:uFill>
+                <a:solidFill>
+                  <a:srgbClr val="ffffff"/>
+                </a:solidFill>
+              </a:uFill>
+              <a:latin typeface="Arial"/>
+            </a:endParaRPr>
+          </a:p>
+        </p:txBody>
+      </p:sp>
+      <p:sp>
+        <p:nvSpPr>
+          <p:cNvPr id="37" name="PlaceHolder 5"/>
           <p:cNvSpPr>
             <a:spLocks noGrp="1"/>
           </p:cNvSpPr>
@@ -567,8 +570,8 @@
         </p:nvSpPr>
         <p:spPr>
           <a:xfrm>
-            <a:off x="5610240" y="4107600"/>
-            <a:ext cx="2453400" cy="2289600"/>
+            <a:off x="6022080" y="3682080"/>
+            <a:ext cx="2649600" cy="1896840"/>
           </a:xfrm>
           <a:prstGeom prst="rect">
             <a:avLst/>
@@ -579,23 +582,23 @@
             <a:normAutofit/>
           </a:bodyPr>
           <a:p>
-            <a:endParaRPr b="0" lang="pt-BR" sz="2200" spc="-1" strike="noStrike">
-              <a:solidFill>
-                <a:srgbClr val="2f2b20"/>
-              </a:solidFill>
-              <a:uFill>
-                <a:solidFill>
-                  <a:srgbClr val="ffffff"/>
-                </a:solidFill>
-              </a:uFill>
-              <a:latin typeface="Calibri"/>
-            </a:endParaRPr>
-          </a:p>
-        </p:txBody>
-      </p:sp>
-      <p:sp>
-        <p:nvSpPr>
-          <p:cNvPr id="41" name="PlaceHolder 6"/>
+            <a:endParaRPr b="0" lang="en-US" sz="3200" spc="-1" strike="noStrike">
+              <a:solidFill>
+                <a:srgbClr val="000000"/>
+              </a:solidFill>
+              <a:uFill>
+                <a:solidFill>
+                  <a:srgbClr val="ffffff"/>
+                </a:solidFill>
+              </a:uFill>
+              <a:latin typeface="Arial"/>
+            </a:endParaRPr>
+          </a:p>
+        </p:txBody>
+      </p:sp>
+      <p:sp>
+        <p:nvSpPr>
+          <p:cNvPr id="38" name="PlaceHolder 6"/>
           <p:cNvSpPr>
             <a:spLocks noGrp="1"/>
           </p:cNvSpPr>
@@ -605,8 +608,8 @@
         </p:nvSpPr>
         <p:spPr>
           <a:xfrm>
-            <a:off x="3033720" y="4107600"/>
-            <a:ext cx="2453400" cy="2289600"/>
+            <a:off x="3239640" y="3682080"/>
+            <a:ext cx="2649600" cy="1896840"/>
           </a:xfrm>
           <a:prstGeom prst="rect">
             <a:avLst/>
@@ -617,23 +620,23 @@
             <a:normAutofit/>
           </a:bodyPr>
           <a:p>
-            <a:endParaRPr b="0" lang="pt-BR" sz="2200" spc="-1" strike="noStrike">
-              <a:solidFill>
-                <a:srgbClr val="2f2b20"/>
-              </a:solidFill>
-              <a:uFill>
-                <a:solidFill>
-                  <a:srgbClr val="ffffff"/>
-                </a:solidFill>
-              </a:uFill>
-              <a:latin typeface="Calibri"/>
-            </a:endParaRPr>
-          </a:p>
-        </p:txBody>
-      </p:sp>
-      <p:sp>
-        <p:nvSpPr>
-          <p:cNvPr id="42" name="PlaceHolder 7"/>
+            <a:endParaRPr b="0" lang="en-US" sz="3200" spc="-1" strike="noStrike">
+              <a:solidFill>
+                <a:srgbClr val="000000"/>
+              </a:solidFill>
+              <a:uFill>
+                <a:solidFill>
+                  <a:srgbClr val="ffffff"/>
+                </a:solidFill>
+              </a:uFill>
+              <a:latin typeface="Arial"/>
+            </a:endParaRPr>
+          </a:p>
+        </p:txBody>
+      </p:sp>
+      <p:sp>
+        <p:nvSpPr>
+          <p:cNvPr id="39" name="PlaceHolder 7"/>
           <p:cNvSpPr>
             <a:spLocks noGrp="1"/>
           </p:cNvSpPr>
@@ -643,8 +646,8 @@
         </p:nvSpPr>
         <p:spPr>
           <a:xfrm>
-            <a:off x="457200" y="4107600"/>
-            <a:ext cx="2453400" cy="2289600"/>
+            <a:off x="457200" y="3682080"/>
+            <a:ext cx="2649600" cy="1896840"/>
           </a:xfrm>
           <a:prstGeom prst="rect">
             <a:avLst/>
@@ -655,16 +658,16 @@
             <a:normAutofit/>
           </a:bodyPr>
           <a:p>
-            <a:endParaRPr b="0" lang="pt-BR" sz="2200" spc="-1" strike="noStrike">
-              <a:solidFill>
-                <a:srgbClr val="2f2b20"/>
-              </a:solidFill>
-              <a:uFill>
-                <a:solidFill>
-                  <a:srgbClr val="ffffff"/>
-                </a:solidFill>
-              </a:uFill>
-              <a:latin typeface="Calibri"/>
+            <a:endParaRPr b="0" lang="en-US" sz="3200" spc="-1" strike="noStrike">
+              <a:solidFill>
+                <a:srgbClr val="000000"/>
+              </a:solidFill>
+              <a:uFill>
+                <a:solidFill>
+                  <a:srgbClr val="ffffff"/>
+                </a:solidFill>
+              </a:uFill>
+              <a:latin typeface="Arial"/>
             </a:endParaRPr>
           </a:p>
         </p:txBody>
@@ -715,7 +718,7 @@
       </p:grpSpPr>
       <p:sp>
         <p:nvSpPr>
-          <p:cNvPr id="50" name="PlaceHolder 1"/>
+          <p:cNvPr id="44" name="PlaceHolder 1"/>
           <p:cNvSpPr>
             <a:spLocks noGrp="1"/>
           </p:cNvSpPr>
@@ -725,8 +728,8 @@
         </p:nvSpPr>
         <p:spPr>
           <a:xfrm>
-            <a:off x="457200" y="274680"/>
-            <a:ext cx="7619760" cy="1142640"/>
+            <a:off x="457200" y="273600"/>
+            <a:ext cx="8229240" cy="1144800"/>
           </a:xfrm>
           <a:prstGeom prst="rect">
             <a:avLst/>
@@ -735,23 +738,24 @@
         <p:txBody>
           <a:bodyPr lIns="0" rIns="0" tIns="0" bIns="0" anchor="ctr"/>
           <a:p>
-            <a:endParaRPr b="0" lang="pt-BR" sz="1800" spc="-1" strike="noStrike">
-              <a:solidFill>
-                <a:srgbClr val="2f2b20"/>
-              </a:solidFill>
-              <a:uFill>
-                <a:solidFill>
-                  <a:srgbClr val="ffffff"/>
-                </a:solidFill>
-              </a:uFill>
-              <a:latin typeface="Calibri"/>
-            </a:endParaRPr>
-          </a:p>
-        </p:txBody>
-      </p:sp>
-      <p:sp>
-        <p:nvSpPr>
-          <p:cNvPr id="51" name="PlaceHolder 2"/>
+            <a:pPr algn="ctr"/>
+            <a:endParaRPr b="0" lang="en-US" sz="4400" spc="-1" strike="noStrike">
+              <a:solidFill>
+                <a:srgbClr val="000000"/>
+              </a:solidFill>
+              <a:uFill>
+                <a:solidFill>
+                  <a:srgbClr val="ffffff"/>
+                </a:solidFill>
+              </a:uFill>
+              <a:latin typeface="Arial"/>
+            </a:endParaRPr>
+          </a:p>
+        </p:txBody>
+      </p:sp>
+      <p:sp>
+        <p:nvSpPr>
+          <p:cNvPr id="45" name="PlaceHolder 2"/>
           <p:cNvSpPr>
             <a:spLocks noGrp="1"/>
           </p:cNvSpPr>
@@ -761,8 +765,8 @@
         </p:nvSpPr>
         <p:spPr>
           <a:xfrm>
-            <a:off x="457200" y="1600200"/>
-            <a:ext cx="7619760" cy="4800240"/>
+            <a:off x="457200" y="1604520"/>
+            <a:ext cx="8229240" cy="3977280"/>
           </a:xfrm>
           <a:prstGeom prst="rect">
             <a:avLst/>
@@ -810,7 +814,7 @@
       </p:grpSpPr>
       <p:sp>
         <p:nvSpPr>
-          <p:cNvPr id="52" name="PlaceHolder 1"/>
+          <p:cNvPr id="46" name="PlaceHolder 1"/>
           <p:cNvSpPr>
             <a:spLocks noGrp="1"/>
           </p:cNvSpPr>
@@ -820,8 +824,8 @@
         </p:nvSpPr>
         <p:spPr>
           <a:xfrm>
-            <a:off x="457200" y="274680"/>
-            <a:ext cx="7619760" cy="1142640"/>
+            <a:off x="457200" y="273600"/>
+            <a:ext cx="8229240" cy="1144800"/>
           </a:xfrm>
           <a:prstGeom prst="rect">
             <a:avLst/>
@@ -830,23 +834,24 @@
         <p:txBody>
           <a:bodyPr lIns="0" rIns="0" tIns="0" bIns="0" anchor="ctr"/>
           <a:p>
-            <a:endParaRPr b="0" lang="pt-BR" sz="1800" spc="-1" strike="noStrike">
-              <a:solidFill>
-                <a:srgbClr val="2f2b20"/>
-              </a:solidFill>
-              <a:uFill>
-                <a:solidFill>
-                  <a:srgbClr val="ffffff"/>
-                </a:solidFill>
-              </a:uFill>
-              <a:latin typeface="Calibri"/>
-            </a:endParaRPr>
-          </a:p>
-        </p:txBody>
-      </p:sp>
-      <p:sp>
-        <p:nvSpPr>
-          <p:cNvPr id="53" name="PlaceHolder 2"/>
+            <a:pPr algn="ctr"/>
+            <a:endParaRPr b="0" lang="en-US" sz="4400" spc="-1" strike="noStrike">
+              <a:solidFill>
+                <a:srgbClr val="000000"/>
+              </a:solidFill>
+              <a:uFill>
+                <a:solidFill>
+                  <a:srgbClr val="ffffff"/>
+                </a:solidFill>
+              </a:uFill>
+              <a:latin typeface="Arial"/>
+            </a:endParaRPr>
+          </a:p>
+        </p:txBody>
+      </p:sp>
+      <p:sp>
+        <p:nvSpPr>
+          <p:cNvPr id="47" name="PlaceHolder 2"/>
           <p:cNvSpPr>
             <a:spLocks noGrp="1"/>
           </p:cNvSpPr>
@@ -856,8 +861,8 @@
         </p:nvSpPr>
         <p:spPr>
           <a:xfrm>
-            <a:off x="457200" y="1600200"/>
-            <a:ext cx="7619760" cy="4800240"/>
+            <a:off x="457200" y="1604520"/>
+            <a:ext cx="8229240" cy="3977280"/>
           </a:xfrm>
           <a:prstGeom prst="rect">
             <a:avLst/>
@@ -868,16 +873,16 @@
             <a:normAutofit/>
           </a:bodyPr>
           <a:p>
-            <a:endParaRPr b="0" lang="pt-BR" sz="2200" spc="-1" strike="noStrike">
-              <a:solidFill>
-                <a:srgbClr val="2f2b20"/>
-              </a:solidFill>
-              <a:uFill>
-                <a:solidFill>
-                  <a:srgbClr val="ffffff"/>
-                </a:solidFill>
-              </a:uFill>
-              <a:latin typeface="Calibri"/>
+            <a:endParaRPr b="0" lang="en-US" sz="3200" spc="-1" strike="noStrike">
+              <a:solidFill>
+                <a:srgbClr val="000000"/>
+              </a:solidFill>
+              <a:uFill>
+                <a:solidFill>
+                  <a:srgbClr val="ffffff"/>
+                </a:solidFill>
+              </a:uFill>
+              <a:latin typeface="Arial"/>
             </a:endParaRPr>
           </a:p>
         </p:txBody>
@@ -906,7 +911,7 @@
       </p:grpSpPr>
       <p:sp>
         <p:nvSpPr>
-          <p:cNvPr id="54" name="PlaceHolder 1"/>
+          <p:cNvPr id="48" name="PlaceHolder 1"/>
           <p:cNvSpPr>
             <a:spLocks noGrp="1"/>
           </p:cNvSpPr>
@@ -916,8 +921,8 @@
         </p:nvSpPr>
         <p:spPr>
           <a:xfrm>
-            <a:off x="457200" y="274680"/>
-            <a:ext cx="7619760" cy="1142640"/>
+            <a:off x="457200" y="273600"/>
+            <a:ext cx="8229240" cy="1144800"/>
           </a:xfrm>
           <a:prstGeom prst="rect">
             <a:avLst/>
@@ -926,23 +931,24 @@
         <p:txBody>
           <a:bodyPr lIns="0" rIns="0" tIns="0" bIns="0" anchor="ctr"/>
           <a:p>
-            <a:endParaRPr b="0" lang="pt-BR" sz="1800" spc="-1" strike="noStrike">
-              <a:solidFill>
-                <a:srgbClr val="2f2b20"/>
-              </a:solidFill>
-              <a:uFill>
-                <a:solidFill>
-                  <a:srgbClr val="ffffff"/>
-                </a:solidFill>
-              </a:uFill>
-              <a:latin typeface="Calibri"/>
-            </a:endParaRPr>
-          </a:p>
-        </p:txBody>
-      </p:sp>
-      <p:sp>
-        <p:nvSpPr>
-          <p:cNvPr id="55" name="PlaceHolder 2"/>
+            <a:pPr algn="ctr"/>
+            <a:endParaRPr b="0" lang="en-US" sz="4400" spc="-1" strike="noStrike">
+              <a:solidFill>
+                <a:srgbClr val="000000"/>
+              </a:solidFill>
+              <a:uFill>
+                <a:solidFill>
+                  <a:srgbClr val="ffffff"/>
+                </a:solidFill>
+              </a:uFill>
+              <a:latin typeface="Arial"/>
+            </a:endParaRPr>
+          </a:p>
+        </p:txBody>
+      </p:sp>
+      <p:sp>
+        <p:nvSpPr>
+          <p:cNvPr id="49" name="PlaceHolder 2"/>
           <p:cNvSpPr>
             <a:spLocks noGrp="1"/>
           </p:cNvSpPr>
@@ -952,8 +958,8 @@
         </p:nvSpPr>
         <p:spPr>
           <a:xfrm>
-            <a:off x="457200" y="1600200"/>
-            <a:ext cx="3718080" cy="4800240"/>
+            <a:off x="457200" y="1604520"/>
+            <a:ext cx="4015800" cy="3977280"/>
           </a:xfrm>
           <a:prstGeom prst="rect">
             <a:avLst/>
@@ -964,23 +970,23 @@
             <a:normAutofit/>
           </a:bodyPr>
           <a:p>
-            <a:endParaRPr b="0" lang="pt-BR" sz="2200" spc="-1" strike="noStrike">
-              <a:solidFill>
-                <a:srgbClr val="2f2b20"/>
-              </a:solidFill>
-              <a:uFill>
-                <a:solidFill>
-                  <a:srgbClr val="ffffff"/>
-                </a:solidFill>
-              </a:uFill>
-              <a:latin typeface="Calibri"/>
-            </a:endParaRPr>
-          </a:p>
-        </p:txBody>
-      </p:sp>
-      <p:sp>
-        <p:nvSpPr>
-          <p:cNvPr id="56" name="PlaceHolder 3"/>
+            <a:endParaRPr b="0" lang="en-US" sz="3200" spc="-1" strike="noStrike">
+              <a:solidFill>
+                <a:srgbClr val="000000"/>
+              </a:solidFill>
+              <a:uFill>
+                <a:solidFill>
+                  <a:srgbClr val="ffffff"/>
+                </a:solidFill>
+              </a:uFill>
+              <a:latin typeface="Arial"/>
+            </a:endParaRPr>
+          </a:p>
+        </p:txBody>
+      </p:sp>
+      <p:sp>
+        <p:nvSpPr>
+          <p:cNvPr id="50" name="PlaceHolder 3"/>
           <p:cNvSpPr>
             <a:spLocks noGrp="1"/>
           </p:cNvSpPr>
@@ -990,8 +996,8 @@
         </p:nvSpPr>
         <p:spPr>
           <a:xfrm>
-            <a:off x="4361400" y="1600200"/>
-            <a:ext cx="3718080" cy="4800240"/>
+            <a:off x="4674240" y="1604520"/>
+            <a:ext cx="4015800" cy="3977280"/>
           </a:xfrm>
           <a:prstGeom prst="rect">
             <a:avLst/>
@@ -1002,16 +1008,16 @@
             <a:normAutofit/>
           </a:bodyPr>
           <a:p>
-            <a:endParaRPr b="0" lang="pt-BR" sz="2200" spc="-1" strike="noStrike">
-              <a:solidFill>
-                <a:srgbClr val="2f2b20"/>
-              </a:solidFill>
-              <a:uFill>
-                <a:solidFill>
-                  <a:srgbClr val="ffffff"/>
-                </a:solidFill>
-              </a:uFill>
-              <a:latin typeface="Calibri"/>
+            <a:endParaRPr b="0" lang="en-US" sz="3200" spc="-1" strike="noStrike">
+              <a:solidFill>
+                <a:srgbClr val="000000"/>
+              </a:solidFill>
+              <a:uFill>
+                <a:solidFill>
+                  <a:srgbClr val="ffffff"/>
+                </a:solidFill>
+              </a:uFill>
+              <a:latin typeface="Arial"/>
             </a:endParaRPr>
           </a:p>
         </p:txBody>
@@ -1040,7 +1046,7 @@
       </p:grpSpPr>
       <p:sp>
         <p:nvSpPr>
-          <p:cNvPr id="57" name="PlaceHolder 1"/>
+          <p:cNvPr id="51" name="PlaceHolder 1"/>
           <p:cNvSpPr>
             <a:spLocks noGrp="1"/>
           </p:cNvSpPr>
@@ -1050,8 +1056,8 @@
         </p:nvSpPr>
         <p:spPr>
           <a:xfrm>
-            <a:off x="457200" y="274680"/>
-            <a:ext cx="7619760" cy="1142640"/>
+            <a:off x="457200" y="273600"/>
+            <a:ext cx="8229240" cy="1144800"/>
           </a:xfrm>
           <a:prstGeom prst="rect">
             <a:avLst/>
@@ -1060,16 +1066,17 @@
         <p:txBody>
           <a:bodyPr lIns="0" rIns="0" tIns="0" bIns="0" anchor="ctr"/>
           <a:p>
-            <a:endParaRPr b="0" lang="pt-BR" sz="1800" spc="-1" strike="noStrike">
-              <a:solidFill>
-                <a:srgbClr val="2f2b20"/>
-              </a:solidFill>
-              <a:uFill>
-                <a:solidFill>
-                  <a:srgbClr val="ffffff"/>
-                </a:solidFill>
-              </a:uFill>
-              <a:latin typeface="Calibri"/>
+            <a:pPr algn="ctr"/>
+            <a:endParaRPr b="0" lang="en-US" sz="4400" spc="-1" strike="noStrike">
+              <a:solidFill>
+                <a:srgbClr val="000000"/>
+              </a:solidFill>
+              <a:uFill>
+                <a:solidFill>
+                  <a:srgbClr val="ffffff"/>
+                </a:solidFill>
+              </a:uFill>
+              <a:latin typeface="Arial"/>
             </a:endParaRPr>
           </a:p>
         </p:txBody>
@@ -1098,7 +1105,7 @@
       </p:grpSpPr>
       <p:sp>
         <p:nvSpPr>
-          <p:cNvPr id="58" name="PlaceHolder 1"/>
+          <p:cNvPr id="52" name="PlaceHolder 1"/>
           <p:cNvSpPr>
             <a:spLocks noGrp="1"/>
           </p:cNvSpPr>
@@ -1108,8 +1115,8 @@
         </p:nvSpPr>
         <p:spPr>
           <a:xfrm>
-            <a:off x="457200" y="274680"/>
-            <a:ext cx="7619760" cy="5297760"/>
+            <a:off x="457200" y="273600"/>
+            <a:ext cx="8229240" cy="5307840"/>
           </a:xfrm>
           <a:prstGeom prst="rect">
             <a:avLst/>
@@ -1157,7 +1164,7 @@
       </p:grpSpPr>
       <p:sp>
         <p:nvSpPr>
-          <p:cNvPr id="59" name="PlaceHolder 1"/>
+          <p:cNvPr id="53" name="PlaceHolder 1"/>
           <p:cNvSpPr>
             <a:spLocks noGrp="1"/>
           </p:cNvSpPr>
@@ -1167,8 +1174,8 @@
         </p:nvSpPr>
         <p:spPr>
           <a:xfrm>
-            <a:off x="457200" y="274680"/>
-            <a:ext cx="7619760" cy="1142640"/>
+            <a:off x="457200" y="273600"/>
+            <a:ext cx="8229240" cy="1144800"/>
           </a:xfrm>
           <a:prstGeom prst="rect">
             <a:avLst/>
@@ -1177,23 +1184,24 @@
         <p:txBody>
           <a:bodyPr lIns="0" rIns="0" tIns="0" bIns="0" anchor="ctr"/>
           <a:p>
-            <a:endParaRPr b="0" lang="pt-BR" sz="1800" spc="-1" strike="noStrike">
-              <a:solidFill>
-                <a:srgbClr val="2f2b20"/>
-              </a:solidFill>
-              <a:uFill>
-                <a:solidFill>
-                  <a:srgbClr val="ffffff"/>
-                </a:solidFill>
-              </a:uFill>
-              <a:latin typeface="Calibri"/>
-            </a:endParaRPr>
-          </a:p>
-        </p:txBody>
-      </p:sp>
-      <p:sp>
-        <p:nvSpPr>
-          <p:cNvPr id="60" name="PlaceHolder 2"/>
+            <a:pPr algn="ctr"/>
+            <a:endParaRPr b="0" lang="en-US" sz="4400" spc="-1" strike="noStrike">
+              <a:solidFill>
+                <a:srgbClr val="000000"/>
+              </a:solidFill>
+              <a:uFill>
+                <a:solidFill>
+                  <a:srgbClr val="ffffff"/>
+                </a:solidFill>
+              </a:uFill>
+              <a:latin typeface="Arial"/>
+            </a:endParaRPr>
+          </a:p>
+        </p:txBody>
+      </p:sp>
+      <p:sp>
+        <p:nvSpPr>
+          <p:cNvPr id="54" name="PlaceHolder 2"/>
           <p:cNvSpPr>
             <a:spLocks noGrp="1"/>
           </p:cNvSpPr>
@@ -1203,8 +1211,8 @@
         </p:nvSpPr>
         <p:spPr>
           <a:xfrm>
-            <a:off x="457200" y="1600200"/>
-            <a:ext cx="3718080" cy="2289600"/>
+            <a:off x="457200" y="1604520"/>
+            <a:ext cx="4015800" cy="1896840"/>
           </a:xfrm>
           <a:prstGeom prst="rect">
             <a:avLst/>
@@ -1215,23 +1223,23 @@
             <a:normAutofit/>
           </a:bodyPr>
           <a:p>
-            <a:endParaRPr b="0" lang="pt-BR" sz="2200" spc="-1" strike="noStrike">
-              <a:solidFill>
-                <a:srgbClr val="2f2b20"/>
-              </a:solidFill>
-              <a:uFill>
-                <a:solidFill>
-                  <a:srgbClr val="ffffff"/>
-                </a:solidFill>
-              </a:uFill>
-              <a:latin typeface="Calibri"/>
-            </a:endParaRPr>
-          </a:p>
-        </p:txBody>
-      </p:sp>
-      <p:sp>
-        <p:nvSpPr>
-          <p:cNvPr id="61" name="PlaceHolder 3"/>
+            <a:endParaRPr b="0" lang="en-US" sz="3200" spc="-1" strike="noStrike">
+              <a:solidFill>
+                <a:srgbClr val="000000"/>
+              </a:solidFill>
+              <a:uFill>
+                <a:solidFill>
+                  <a:srgbClr val="ffffff"/>
+                </a:solidFill>
+              </a:uFill>
+              <a:latin typeface="Arial"/>
+            </a:endParaRPr>
+          </a:p>
+        </p:txBody>
+      </p:sp>
+      <p:sp>
+        <p:nvSpPr>
+          <p:cNvPr id="55" name="PlaceHolder 3"/>
           <p:cNvSpPr>
             <a:spLocks noGrp="1"/>
           </p:cNvSpPr>
@@ -1241,8 +1249,8 @@
         </p:nvSpPr>
         <p:spPr>
           <a:xfrm>
-            <a:off x="457200" y="4107600"/>
-            <a:ext cx="3718080" cy="2289600"/>
+            <a:off x="457200" y="3682080"/>
+            <a:ext cx="4015800" cy="1896840"/>
           </a:xfrm>
           <a:prstGeom prst="rect">
             <a:avLst/>
@@ -1253,23 +1261,23 @@
             <a:normAutofit/>
           </a:bodyPr>
           <a:p>
-            <a:endParaRPr b="0" lang="pt-BR" sz="2200" spc="-1" strike="noStrike">
-              <a:solidFill>
-                <a:srgbClr val="2f2b20"/>
-              </a:solidFill>
-              <a:uFill>
-                <a:solidFill>
-                  <a:srgbClr val="ffffff"/>
-                </a:solidFill>
-              </a:uFill>
-              <a:latin typeface="Calibri"/>
-            </a:endParaRPr>
-          </a:p>
-        </p:txBody>
-      </p:sp>
-      <p:sp>
-        <p:nvSpPr>
-          <p:cNvPr id="62" name="PlaceHolder 4"/>
+            <a:endParaRPr b="0" lang="en-US" sz="3200" spc="-1" strike="noStrike">
+              <a:solidFill>
+                <a:srgbClr val="000000"/>
+              </a:solidFill>
+              <a:uFill>
+                <a:solidFill>
+                  <a:srgbClr val="ffffff"/>
+                </a:solidFill>
+              </a:uFill>
+              <a:latin typeface="Arial"/>
+            </a:endParaRPr>
+          </a:p>
+        </p:txBody>
+      </p:sp>
+      <p:sp>
+        <p:nvSpPr>
+          <p:cNvPr id="56" name="PlaceHolder 4"/>
           <p:cNvSpPr>
             <a:spLocks noGrp="1"/>
           </p:cNvSpPr>
@@ -1279,8 +1287,8 @@
         </p:nvSpPr>
         <p:spPr>
           <a:xfrm>
-            <a:off x="4361400" y="1600200"/>
-            <a:ext cx="3718080" cy="4800240"/>
+            <a:off x="4674240" y="1604520"/>
+            <a:ext cx="4015800" cy="3977280"/>
           </a:xfrm>
           <a:prstGeom prst="rect">
             <a:avLst/>
@@ -1291,16 +1299,16 @@
             <a:normAutofit/>
           </a:bodyPr>
           <a:p>
-            <a:endParaRPr b="0" lang="pt-BR" sz="2200" spc="-1" strike="noStrike">
-              <a:solidFill>
-                <a:srgbClr val="2f2b20"/>
-              </a:solidFill>
-              <a:uFill>
-                <a:solidFill>
-                  <a:srgbClr val="ffffff"/>
-                </a:solidFill>
-              </a:uFill>
-              <a:latin typeface="Calibri"/>
+            <a:endParaRPr b="0" lang="en-US" sz="3200" spc="-1" strike="noStrike">
+              <a:solidFill>
+                <a:srgbClr val="000000"/>
+              </a:solidFill>
+              <a:uFill>
+                <a:solidFill>
+                  <a:srgbClr val="ffffff"/>
+                </a:solidFill>
+              </a:uFill>
+              <a:latin typeface="Arial"/>
             </a:endParaRPr>
           </a:p>
         </p:txBody>
@@ -1329,7 +1337,7 @@
       </p:grpSpPr>
       <p:sp>
         <p:nvSpPr>
-          <p:cNvPr id="7" name="PlaceHolder 1"/>
+          <p:cNvPr id="4" name="PlaceHolder 1"/>
           <p:cNvSpPr>
             <a:spLocks noGrp="1"/>
           </p:cNvSpPr>
@@ -1339,8 +1347,8 @@
         </p:nvSpPr>
         <p:spPr>
           <a:xfrm>
-            <a:off x="457200" y="274680"/>
-            <a:ext cx="7619760" cy="1142640"/>
+            <a:off x="457200" y="273600"/>
+            <a:ext cx="8229240" cy="1144800"/>
           </a:xfrm>
           <a:prstGeom prst="rect">
             <a:avLst/>
@@ -1349,23 +1357,24 @@
         <p:txBody>
           <a:bodyPr lIns="0" rIns="0" tIns="0" bIns="0" anchor="ctr"/>
           <a:p>
-            <a:endParaRPr b="0" lang="pt-BR" sz="1800" spc="-1" strike="noStrike">
-              <a:solidFill>
-                <a:srgbClr val="2f2b20"/>
-              </a:solidFill>
-              <a:uFill>
-                <a:solidFill>
-                  <a:srgbClr val="ffffff"/>
-                </a:solidFill>
-              </a:uFill>
-              <a:latin typeface="Calibri"/>
-            </a:endParaRPr>
-          </a:p>
-        </p:txBody>
-      </p:sp>
-      <p:sp>
-        <p:nvSpPr>
-          <p:cNvPr id="8" name="PlaceHolder 2"/>
+            <a:pPr algn="ctr"/>
+            <a:endParaRPr b="0" lang="en-US" sz="4400" spc="-1" strike="noStrike">
+              <a:solidFill>
+                <a:srgbClr val="000000"/>
+              </a:solidFill>
+              <a:uFill>
+                <a:solidFill>
+                  <a:srgbClr val="ffffff"/>
+                </a:solidFill>
+              </a:uFill>
+              <a:latin typeface="Arial"/>
+            </a:endParaRPr>
+          </a:p>
+        </p:txBody>
+      </p:sp>
+      <p:sp>
+        <p:nvSpPr>
+          <p:cNvPr id="5" name="PlaceHolder 2"/>
           <p:cNvSpPr>
             <a:spLocks noGrp="1"/>
           </p:cNvSpPr>
@@ -1375,8 +1384,8 @@
         </p:nvSpPr>
         <p:spPr>
           <a:xfrm>
-            <a:off x="457200" y="1600200"/>
-            <a:ext cx="7619760" cy="4800240"/>
+            <a:off x="457200" y="1604520"/>
+            <a:ext cx="8229240" cy="3977280"/>
           </a:xfrm>
           <a:prstGeom prst="rect">
             <a:avLst/>
@@ -1424,7 +1433,7 @@
       </p:grpSpPr>
       <p:sp>
         <p:nvSpPr>
-          <p:cNvPr id="63" name="PlaceHolder 1"/>
+          <p:cNvPr id="57" name="PlaceHolder 1"/>
           <p:cNvSpPr>
             <a:spLocks noGrp="1"/>
           </p:cNvSpPr>
@@ -1434,8 +1443,8 @@
         </p:nvSpPr>
         <p:spPr>
           <a:xfrm>
-            <a:off x="457200" y="274680"/>
-            <a:ext cx="7619760" cy="1142640"/>
+            <a:off x="457200" y="273600"/>
+            <a:ext cx="8229240" cy="1144800"/>
           </a:xfrm>
           <a:prstGeom prst="rect">
             <a:avLst/>
@@ -1444,23 +1453,24 @@
         <p:txBody>
           <a:bodyPr lIns="0" rIns="0" tIns="0" bIns="0" anchor="ctr"/>
           <a:p>
-            <a:endParaRPr b="0" lang="pt-BR" sz="1800" spc="-1" strike="noStrike">
-              <a:solidFill>
-                <a:srgbClr val="2f2b20"/>
-              </a:solidFill>
-              <a:uFill>
-                <a:solidFill>
-                  <a:srgbClr val="ffffff"/>
-                </a:solidFill>
-              </a:uFill>
-              <a:latin typeface="Calibri"/>
-            </a:endParaRPr>
-          </a:p>
-        </p:txBody>
-      </p:sp>
-      <p:sp>
-        <p:nvSpPr>
-          <p:cNvPr id="64" name="PlaceHolder 2"/>
+            <a:pPr algn="ctr"/>
+            <a:endParaRPr b="0" lang="en-US" sz="4400" spc="-1" strike="noStrike">
+              <a:solidFill>
+                <a:srgbClr val="000000"/>
+              </a:solidFill>
+              <a:uFill>
+                <a:solidFill>
+                  <a:srgbClr val="ffffff"/>
+                </a:solidFill>
+              </a:uFill>
+              <a:latin typeface="Arial"/>
+            </a:endParaRPr>
+          </a:p>
+        </p:txBody>
+      </p:sp>
+      <p:sp>
+        <p:nvSpPr>
+          <p:cNvPr id="58" name="PlaceHolder 2"/>
           <p:cNvSpPr>
             <a:spLocks noGrp="1"/>
           </p:cNvSpPr>
@@ -1470,8 +1480,8 @@
         </p:nvSpPr>
         <p:spPr>
           <a:xfrm>
-            <a:off x="457200" y="1600200"/>
-            <a:ext cx="3718080" cy="4800240"/>
+            <a:off x="457200" y="1604520"/>
+            <a:ext cx="4015800" cy="3977280"/>
           </a:xfrm>
           <a:prstGeom prst="rect">
             <a:avLst/>
@@ -1482,23 +1492,23 @@
             <a:normAutofit/>
           </a:bodyPr>
           <a:p>
-            <a:endParaRPr b="0" lang="pt-BR" sz="2200" spc="-1" strike="noStrike">
-              <a:solidFill>
-                <a:srgbClr val="2f2b20"/>
-              </a:solidFill>
-              <a:uFill>
-                <a:solidFill>
-                  <a:srgbClr val="ffffff"/>
-                </a:solidFill>
-              </a:uFill>
-              <a:latin typeface="Calibri"/>
-            </a:endParaRPr>
-          </a:p>
-        </p:txBody>
-      </p:sp>
-      <p:sp>
-        <p:nvSpPr>
-          <p:cNvPr id="65" name="PlaceHolder 3"/>
+            <a:endParaRPr b="0" lang="en-US" sz="3200" spc="-1" strike="noStrike">
+              <a:solidFill>
+                <a:srgbClr val="000000"/>
+              </a:solidFill>
+              <a:uFill>
+                <a:solidFill>
+                  <a:srgbClr val="ffffff"/>
+                </a:solidFill>
+              </a:uFill>
+              <a:latin typeface="Arial"/>
+            </a:endParaRPr>
+          </a:p>
+        </p:txBody>
+      </p:sp>
+      <p:sp>
+        <p:nvSpPr>
+          <p:cNvPr id="59" name="PlaceHolder 3"/>
           <p:cNvSpPr>
             <a:spLocks noGrp="1"/>
           </p:cNvSpPr>
@@ -1508,8 +1518,8 @@
         </p:nvSpPr>
         <p:spPr>
           <a:xfrm>
-            <a:off x="4361400" y="1600200"/>
-            <a:ext cx="3718080" cy="2289600"/>
+            <a:off x="4674240" y="1604520"/>
+            <a:ext cx="4015800" cy="1896840"/>
           </a:xfrm>
           <a:prstGeom prst="rect">
             <a:avLst/>
@@ -1520,23 +1530,23 @@
             <a:normAutofit/>
           </a:bodyPr>
           <a:p>
-            <a:endParaRPr b="0" lang="pt-BR" sz="2200" spc="-1" strike="noStrike">
-              <a:solidFill>
-                <a:srgbClr val="2f2b20"/>
-              </a:solidFill>
-              <a:uFill>
-                <a:solidFill>
-                  <a:srgbClr val="ffffff"/>
-                </a:solidFill>
-              </a:uFill>
-              <a:latin typeface="Calibri"/>
-            </a:endParaRPr>
-          </a:p>
-        </p:txBody>
-      </p:sp>
-      <p:sp>
-        <p:nvSpPr>
-          <p:cNvPr id="66" name="PlaceHolder 4"/>
+            <a:endParaRPr b="0" lang="en-US" sz="3200" spc="-1" strike="noStrike">
+              <a:solidFill>
+                <a:srgbClr val="000000"/>
+              </a:solidFill>
+              <a:uFill>
+                <a:solidFill>
+                  <a:srgbClr val="ffffff"/>
+                </a:solidFill>
+              </a:uFill>
+              <a:latin typeface="Arial"/>
+            </a:endParaRPr>
+          </a:p>
+        </p:txBody>
+      </p:sp>
+      <p:sp>
+        <p:nvSpPr>
+          <p:cNvPr id="60" name="PlaceHolder 4"/>
           <p:cNvSpPr>
             <a:spLocks noGrp="1"/>
           </p:cNvSpPr>
@@ -1546,8 +1556,8 @@
         </p:nvSpPr>
         <p:spPr>
           <a:xfrm>
-            <a:off x="4361400" y="4107600"/>
-            <a:ext cx="3718080" cy="2289600"/>
+            <a:off x="4674240" y="3682080"/>
+            <a:ext cx="4015800" cy="1896840"/>
           </a:xfrm>
           <a:prstGeom prst="rect">
             <a:avLst/>
@@ -1558,16 +1568,16 @@
             <a:normAutofit/>
           </a:bodyPr>
           <a:p>
-            <a:endParaRPr b="0" lang="pt-BR" sz="2200" spc="-1" strike="noStrike">
-              <a:solidFill>
-                <a:srgbClr val="2f2b20"/>
-              </a:solidFill>
-              <a:uFill>
-                <a:solidFill>
-                  <a:srgbClr val="ffffff"/>
-                </a:solidFill>
-              </a:uFill>
-              <a:latin typeface="Calibri"/>
+            <a:endParaRPr b="0" lang="en-US" sz="3200" spc="-1" strike="noStrike">
+              <a:solidFill>
+                <a:srgbClr val="000000"/>
+              </a:solidFill>
+              <a:uFill>
+                <a:solidFill>
+                  <a:srgbClr val="ffffff"/>
+                </a:solidFill>
+              </a:uFill>
+              <a:latin typeface="Arial"/>
             </a:endParaRPr>
           </a:p>
         </p:txBody>
@@ -1596,7 +1606,7 @@
       </p:grpSpPr>
       <p:sp>
         <p:nvSpPr>
-          <p:cNvPr id="67" name="PlaceHolder 1"/>
+          <p:cNvPr id="61" name="PlaceHolder 1"/>
           <p:cNvSpPr>
             <a:spLocks noGrp="1"/>
           </p:cNvSpPr>
@@ -1606,8 +1616,8 @@
         </p:nvSpPr>
         <p:spPr>
           <a:xfrm>
-            <a:off x="457200" y="274680"/>
-            <a:ext cx="7619760" cy="1142640"/>
+            <a:off x="457200" y="273600"/>
+            <a:ext cx="8229240" cy="1144800"/>
           </a:xfrm>
           <a:prstGeom prst="rect">
             <a:avLst/>
@@ -1616,23 +1626,24 @@
         <p:txBody>
           <a:bodyPr lIns="0" rIns="0" tIns="0" bIns="0" anchor="ctr"/>
           <a:p>
-            <a:endParaRPr b="0" lang="pt-BR" sz="1800" spc="-1" strike="noStrike">
-              <a:solidFill>
-                <a:srgbClr val="2f2b20"/>
-              </a:solidFill>
-              <a:uFill>
-                <a:solidFill>
-                  <a:srgbClr val="ffffff"/>
-                </a:solidFill>
-              </a:uFill>
-              <a:latin typeface="Calibri"/>
-            </a:endParaRPr>
-          </a:p>
-        </p:txBody>
-      </p:sp>
-      <p:sp>
-        <p:nvSpPr>
-          <p:cNvPr id="68" name="PlaceHolder 2"/>
+            <a:pPr algn="ctr"/>
+            <a:endParaRPr b="0" lang="en-US" sz="4400" spc="-1" strike="noStrike">
+              <a:solidFill>
+                <a:srgbClr val="000000"/>
+              </a:solidFill>
+              <a:uFill>
+                <a:solidFill>
+                  <a:srgbClr val="ffffff"/>
+                </a:solidFill>
+              </a:uFill>
+              <a:latin typeface="Arial"/>
+            </a:endParaRPr>
+          </a:p>
+        </p:txBody>
+      </p:sp>
+      <p:sp>
+        <p:nvSpPr>
+          <p:cNvPr id="62" name="PlaceHolder 2"/>
           <p:cNvSpPr>
             <a:spLocks noGrp="1"/>
           </p:cNvSpPr>
@@ -1642,8 +1653,8 @@
         </p:nvSpPr>
         <p:spPr>
           <a:xfrm>
-            <a:off x="457200" y="1600200"/>
-            <a:ext cx="3718080" cy="2289600"/>
+            <a:off x="457200" y="1604520"/>
+            <a:ext cx="4015800" cy="1896840"/>
           </a:xfrm>
           <a:prstGeom prst="rect">
             <a:avLst/>
@@ -1654,23 +1665,23 @@
             <a:normAutofit/>
           </a:bodyPr>
           <a:p>
-            <a:endParaRPr b="0" lang="pt-BR" sz="2200" spc="-1" strike="noStrike">
-              <a:solidFill>
-                <a:srgbClr val="2f2b20"/>
-              </a:solidFill>
-              <a:uFill>
-                <a:solidFill>
-                  <a:srgbClr val="ffffff"/>
-                </a:solidFill>
-              </a:uFill>
-              <a:latin typeface="Calibri"/>
-            </a:endParaRPr>
-          </a:p>
-        </p:txBody>
-      </p:sp>
-      <p:sp>
-        <p:nvSpPr>
-          <p:cNvPr id="69" name="PlaceHolder 3"/>
+            <a:endParaRPr b="0" lang="en-US" sz="3200" spc="-1" strike="noStrike">
+              <a:solidFill>
+                <a:srgbClr val="000000"/>
+              </a:solidFill>
+              <a:uFill>
+                <a:solidFill>
+                  <a:srgbClr val="ffffff"/>
+                </a:solidFill>
+              </a:uFill>
+              <a:latin typeface="Arial"/>
+            </a:endParaRPr>
+          </a:p>
+        </p:txBody>
+      </p:sp>
+      <p:sp>
+        <p:nvSpPr>
+          <p:cNvPr id="63" name="PlaceHolder 3"/>
           <p:cNvSpPr>
             <a:spLocks noGrp="1"/>
           </p:cNvSpPr>
@@ -1680,8 +1691,8 @@
         </p:nvSpPr>
         <p:spPr>
           <a:xfrm>
-            <a:off x="4361400" y="1600200"/>
-            <a:ext cx="3718080" cy="2289600"/>
+            <a:off x="4674240" y="1604520"/>
+            <a:ext cx="4015800" cy="1896840"/>
           </a:xfrm>
           <a:prstGeom prst="rect">
             <a:avLst/>
@@ -1692,23 +1703,23 @@
             <a:normAutofit/>
           </a:bodyPr>
           <a:p>
-            <a:endParaRPr b="0" lang="pt-BR" sz="2200" spc="-1" strike="noStrike">
-              <a:solidFill>
-                <a:srgbClr val="2f2b20"/>
-              </a:solidFill>
-              <a:uFill>
-                <a:solidFill>
-                  <a:srgbClr val="ffffff"/>
-                </a:solidFill>
-              </a:uFill>
-              <a:latin typeface="Calibri"/>
-            </a:endParaRPr>
-          </a:p>
-        </p:txBody>
-      </p:sp>
-      <p:sp>
-        <p:nvSpPr>
-          <p:cNvPr id="70" name="PlaceHolder 4"/>
+            <a:endParaRPr b="0" lang="en-US" sz="3200" spc="-1" strike="noStrike">
+              <a:solidFill>
+                <a:srgbClr val="000000"/>
+              </a:solidFill>
+              <a:uFill>
+                <a:solidFill>
+                  <a:srgbClr val="ffffff"/>
+                </a:solidFill>
+              </a:uFill>
+              <a:latin typeface="Arial"/>
+            </a:endParaRPr>
+          </a:p>
+        </p:txBody>
+      </p:sp>
+      <p:sp>
+        <p:nvSpPr>
+          <p:cNvPr id="64" name="PlaceHolder 4"/>
           <p:cNvSpPr>
             <a:spLocks noGrp="1"/>
           </p:cNvSpPr>
@@ -1718,8 +1729,8 @@
         </p:nvSpPr>
         <p:spPr>
           <a:xfrm>
-            <a:off x="457200" y="4107600"/>
-            <a:ext cx="7619760" cy="2289600"/>
+            <a:off x="457200" y="3682080"/>
+            <a:ext cx="8229240" cy="1896840"/>
           </a:xfrm>
           <a:prstGeom prst="rect">
             <a:avLst/>
@@ -1730,16 +1741,16 @@
             <a:normAutofit/>
           </a:bodyPr>
           <a:p>
-            <a:endParaRPr b="0" lang="pt-BR" sz="2200" spc="-1" strike="noStrike">
-              <a:solidFill>
-                <a:srgbClr val="2f2b20"/>
-              </a:solidFill>
-              <a:uFill>
-                <a:solidFill>
-                  <a:srgbClr val="ffffff"/>
-                </a:solidFill>
-              </a:uFill>
-              <a:latin typeface="Calibri"/>
+            <a:endParaRPr b="0" lang="en-US" sz="3200" spc="-1" strike="noStrike">
+              <a:solidFill>
+                <a:srgbClr val="000000"/>
+              </a:solidFill>
+              <a:uFill>
+                <a:solidFill>
+                  <a:srgbClr val="ffffff"/>
+                </a:solidFill>
+              </a:uFill>
+              <a:latin typeface="Arial"/>
             </a:endParaRPr>
           </a:p>
         </p:txBody>
@@ -1768,7 +1779,7 @@
       </p:grpSpPr>
       <p:sp>
         <p:nvSpPr>
-          <p:cNvPr id="71" name="PlaceHolder 1"/>
+          <p:cNvPr id="65" name="PlaceHolder 1"/>
           <p:cNvSpPr>
             <a:spLocks noGrp="1"/>
           </p:cNvSpPr>
@@ -1778,8 +1789,8 @@
         </p:nvSpPr>
         <p:spPr>
           <a:xfrm>
-            <a:off x="457200" y="274680"/>
-            <a:ext cx="7619760" cy="1142640"/>
+            <a:off x="457200" y="273600"/>
+            <a:ext cx="8229240" cy="1144800"/>
           </a:xfrm>
           <a:prstGeom prst="rect">
             <a:avLst/>
@@ -1788,23 +1799,24 @@
         <p:txBody>
           <a:bodyPr lIns="0" rIns="0" tIns="0" bIns="0" anchor="ctr"/>
           <a:p>
-            <a:endParaRPr b="0" lang="pt-BR" sz="1800" spc="-1" strike="noStrike">
-              <a:solidFill>
-                <a:srgbClr val="2f2b20"/>
-              </a:solidFill>
-              <a:uFill>
-                <a:solidFill>
-                  <a:srgbClr val="ffffff"/>
-                </a:solidFill>
-              </a:uFill>
-              <a:latin typeface="Calibri"/>
-            </a:endParaRPr>
-          </a:p>
-        </p:txBody>
-      </p:sp>
-      <p:sp>
-        <p:nvSpPr>
-          <p:cNvPr id="72" name="PlaceHolder 2"/>
+            <a:pPr algn="ctr"/>
+            <a:endParaRPr b="0" lang="en-US" sz="4400" spc="-1" strike="noStrike">
+              <a:solidFill>
+                <a:srgbClr val="000000"/>
+              </a:solidFill>
+              <a:uFill>
+                <a:solidFill>
+                  <a:srgbClr val="ffffff"/>
+                </a:solidFill>
+              </a:uFill>
+              <a:latin typeface="Arial"/>
+            </a:endParaRPr>
+          </a:p>
+        </p:txBody>
+      </p:sp>
+      <p:sp>
+        <p:nvSpPr>
+          <p:cNvPr id="66" name="PlaceHolder 2"/>
           <p:cNvSpPr>
             <a:spLocks noGrp="1"/>
           </p:cNvSpPr>
@@ -1814,8 +1826,8 @@
         </p:nvSpPr>
         <p:spPr>
           <a:xfrm>
-            <a:off x="457200" y="1600200"/>
-            <a:ext cx="7619760" cy="2289600"/>
+            <a:off x="457200" y="1604520"/>
+            <a:ext cx="8229240" cy="1896840"/>
           </a:xfrm>
           <a:prstGeom prst="rect">
             <a:avLst/>
@@ -1826,23 +1838,23 @@
             <a:normAutofit/>
           </a:bodyPr>
           <a:p>
-            <a:endParaRPr b="0" lang="pt-BR" sz="2200" spc="-1" strike="noStrike">
-              <a:solidFill>
-                <a:srgbClr val="2f2b20"/>
-              </a:solidFill>
-              <a:uFill>
-                <a:solidFill>
-                  <a:srgbClr val="ffffff"/>
-                </a:solidFill>
-              </a:uFill>
-              <a:latin typeface="Calibri"/>
-            </a:endParaRPr>
-          </a:p>
-        </p:txBody>
-      </p:sp>
-      <p:sp>
-        <p:nvSpPr>
-          <p:cNvPr id="73" name="PlaceHolder 3"/>
+            <a:endParaRPr b="0" lang="en-US" sz="3200" spc="-1" strike="noStrike">
+              <a:solidFill>
+                <a:srgbClr val="000000"/>
+              </a:solidFill>
+              <a:uFill>
+                <a:solidFill>
+                  <a:srgbClr val="ffffff"/>
+                </a:solidFill>
+              </a:uFill>
+              <a:latin typeface="Arial"/>
+            </a:endParaRPr>
+          </a:p>
+        </p:txBody>
+      </p:sp>
+      <p:sp>
+        <p:nvSpPr>
+          <p:cNvPr id="67" name="PlaceHolder 3"/>
           <p:cNvSpPr>
             <a:spLocks noGrp="1"/>
           </p:cNvSpPr>
@@ -1852,8 +1864,8 @@
         </p:nvSpPr>
         <p:spPr>
           <a:xfrm>
-            <a:off x="457200" y="4107600"/>
-            <a:ext cx="7619760" cy="2289600"/>
+            <a:off x="457200" y="3682080"/>
+            <a:ext cx="8229240" cy="1896840"/>
           </a:xfrm>
           <a:prstGeom prst="rect">
             <a:avLst/>
@@ -1864,16 +1876,16 @@
             <a:normAutofit/>
           </a:bodyPr>
           <a:p>
-            <a:endParaRPr b="0" lang="pt-BR" sz="2200" spc="-1" strike="noStrike">
-              <a:solidFill>
-                <a:srgbClr val="2f2b20"/>
-              </a:solidFill>
-              <a:uFill>
-                <a:solidFill>
-                  <a:srgbClr val="ffffff"/>
-                </a:solidFill>
-              </a:uFill>
-              <a:latin typeface="Calibri"/>
+            <a:endParaRPr b="0" lang="en-US" sz="3200" spc="-1" strike="noStrike">
+              <a:solidFill>
+                <a:srgbClr val="000000"/>
+              </a:solidFill>
+              <a:uFill>
+                <a:solidFill>
+                  <a:srgbClr val="ffffff"/>
+                </a:solidFill>
+              </a:uFill>
+              <a:latin typeface="Arial"/>
             </a:endParaRPr>
           </a:p>
         </p:txBody>
@@ -1902,7 +1914,7 @@
       </p:grpSpPr>
       <p:sp>
         <p:nvSpPr>
-          <p:cNvPr id="74" name="PlaceHolder 1"/>
+          <p:cNvPr id="68" name="PlaceHolder 1"/>
           <p:cNvSpPr>
             <a:spLocks noGrp="1"/>
           </p:cNvSpPr>
@@ -1912,8 +1924,8 @@
         </p:nvSpPr>
         <p:spPr>
           <a:xfrm>
-            <a:off x="457200" y="274680"/>
-            <a:ext cx="7619760" cy="1142640"/>
+            <a:off x="457200" y="273600"/>
+            <a:ext cx="8229240" cy="1144800"/>
           </a:xfrm>
           <a:prstGeom prst="rect">
             <a:avLst/>
@@ -1922,23 +1934,24 @@
         <p:txBody>
           <a:bodyPr lIns="0" rIns="0" tIns="0" bIns="0" anchor="ctr"/>
           <a:p>
-            <a:endParaRPr b="0" lang="pt-BR" sz="1800" spc="-1" strike="noStrike">
-              <a:solidFill>
-                <a:srgbClr val="2f2b20"/>
-              </a:solidFill>
-              <a:uFill>
-                <a:solidFill>
-                  <a:srgbClr val="ffffff"/>
-                </a:solidFill>
-              </a:uFill>
-              <a:latin typeface="Calibri"/>
-            </a:endParaRPr>
-          </a:p>
-        </p:txBody>
-      </p:sp>
-      <p:sp>
-        <p:nvSpPr>
-          <p:cNvPr id="75" name="PlaceHolder 2"/>
+            <a:pPr algn="ctr"/>
+            <a:endParaRPr b="0" lang="en-US" sz="4400" spc="-1" strike="noStrike">
+              <a:solidFill>
+                <a:srgbClr val="000000"/>
+              </a:solidFill>
+              <a:uFill>
+                <a:solidFill>
+                  <a:srgbClr val="ffffff"/>
+                </a:solidFill>
+              </a:uFill>
+              <a:latin typeface="Arial"/>
+            </a:endParaRPr>
+          </a:p>
+        </p:txBody>
+      </p:sp>
+      <p:sp>
+        <p:nvSpPr>
+          <p:cNvPr id="69" name="PlaceHolder 2"/>
           <p:cNvSpPr>
             <a:spLocks noGrp="1"/>
           </p:cNvSpPr>
@@ -1948,8 +1961,8 @@
         </p:nvSpPr>
         <p:spPr>
           <a:xfrm>
-            <a:off x="457200" y="1600200"/>
-            <a:ext cx="3718080" cy="2289600"/>
+            <a:off x="457200" y="1604520"/>
+            <a:ext cx="4015800" cy="1896840"/>
           </a:xfrm>
           <a:prstGeom prst="rect">
             <a:avLst/>
@@ -1960,23 +1973,23 @@
             <a:normAutofit/>
           </a:bodyPr>
           <a:p>
-            <a:endParaRPr b="0" lang="pt-BR" sz="2200" spc="-1" strike="noStrike">
-              <a:solidFill>
-                <a:srgbClr val="2f2b20"/>
-              </a:solidFill>
-              <a:uFill>
-                <a:solidFill>
-                  <a:srgbClr val="ffffff"/>
-                </a:solidFill>
-              </a:uFill>
-              <a:latin typeface="Calibri"/>
-            </a:endParaRPr>
-          </a:p>
-        </p:txBody>
-      </p:sp>
-      <p:sp>
-        <p:nvSpPr>
-          <p:cNvPr id="76" name="PlaceHolder 3"/>
+            <a:endParaRPr b="0" lang="en-US" sz="3200" spc="-1" strike="noStrike">
+              <a:solidFill>
+                <a:srgbClr val="000000"/>
+              </a:solidFill>
+              <a:uFill>
+                <a:solidFill>
+                  <a:srgbClr val="ffffff"/>
+                </a:solidFill>
+              </a:uFill>
+              <a:latin typeface="Arial"/>
+            </a:endParaRPr>
+          </a:p>
+        </p:txBody>
+      </p:sp>
+      <p:sp>
+        <p:nvSpPr>
+          <p:cNvPr id="70" name="PlaceHolder 3"/>
           <p:cNvSpPr>
             <a:spLocks noGrp="1"/>
           </p:cNvSpPr>
@@ -1986,8 +1999,8 @@
         </p:nvSpPr>
         <p:spPr>
           <a:xfrm>
-            <a:off x="4361400" y="1600200"/>
-            <a:ext cx="3718080" cy="2289600"/>
+            <a:off x="4674240" y="1604520"/>
+            <a:ext cx="4015800" cy="1896840"/>
           </a:xfrm>
           <a:prstGeom prst="rect">
             <a:avLst/>
@@ -1998,23 +2011,23 @@
             <a:normAutofit/>
           </a:bodyPr>
           <a:p>
-            <a:endParaRPr b="0" lang="pt-BR" sz="2200" spc="-1" strike="noStrike">
-              <a:solidFill>
-                <a:srgbClr val="2f2b20"/>
-              </a:solidFill>
-              <a:uFill>
-                <a:solidFill>
-                  <a:srgbClr val="ffffff"/>
-                </a:solidFill>
-              </a:uFill>
-              <a:latin typeface="Calibri"/>
-            </a:endParaRPr>
-          </a:p>
-        </p:txBody>
-      </p:sp>
-      <p:sp>
-        <p:nvSpPr>
-          <p:cNvPr id="77" name="PlaceHolder 4"/>
+            <a:endParaRPr b="0" lang="en-US" sz="3200" spc="-1" strike="noStrike">
+              <a:solidFill>
+                <a:srgbClr val="000000"/>
+              </a:solidFill>
+              <a:uFill>
+                <a:solidFill>
+                  <a:srgbClr val="ffffff"/>
+                </a:solidFill>
+              </a:uFill>
+              <a:latin typeface="Arial"/>
+            </a:endParaRPr>
+          </a:p>
+        </p:txBody>
+      </p:sp>
+      <p:sp>
+        <p:nvSpPr>
+          <p:cNvPr id="71" name="PlaceHolder 4"/>
           <p:cNvSpPr>
             <a:spLocks noGrp="1"/>
           </p:cNvSpPr>
@@ -2024,8 +2037,8 @@
         </p:nvSpPr>
         <p:spPr>
           <a:xfrm>
-            <a:off x="4361400" y="4107600"/>
-            <a:ext cx="3718080" cy="2289600"/>
+            <a:off x="4674240" y="3682080"/>
+            <a:ext cx="4015800" cy="1896840"/>
           </a:xfrm>
           <a:prstGeom prst="rect">
             <a:avLst/>
@@ -2036,23 +2049,23 @@
             <a:normAutofit/>
           </a:bodyPr>
           <a:p>
-            <a:endParaRPr b="0" lang="pt-BR" sz="2200" spc="-1" strike="noStrike">
-              <a:solidFill>
-                <a:srgbClr val="2f2b20"/>
-              </a:solidFill>
-              <a:uFill>
-                <a:solidFill>
-                  <a:srgbClr val="ffffff"/>
-                </a:solidFill>
-              </a:uFill>
-              <a:latin typeface="Calibri"/>
-            </a:endParaRPr>
-          </a:p>
-        </p:txBody>
-      </p:sp>
-      <p:sp>
-        <p:nvSpPr>
-          <p:cNvPr id="78" name="PlaceHolder 5"/>
+            <a:endParaRPr b="0" lang="en-US" sz="3200" spc="-1" strike="noStrike">
+              <a:solidFill>
+                <a:srgbClr val="000000"/>
+              </a:solidFill>
+              <a:uFill>
+                <a:solidFill>
+                  <a:srgbClr val="ffffff"/>
+                </a:solidFill>
+              </a:uFill>
+              <a:latin typeface="Arial"/>
+            </a:endParaRPr>
+          </a:p>
+        </p:txBody>
+      </p:sp>
+      <p:sp>
+        <p:nvSpPr>
+          <p:cNvPr id="72" name="PlaceHolder 5"/>
           <p:cNvSpPr>
             <a:spLocks noGrp="1"/>
           </p:cNvSpPr>
@@ -2062,8 +2075,8 @@
         </p:nvSpPr>
         <p:spPr>
           <a:xfrm>
-            <a:off x="457200" y="4107600"/>
-            <a:ext cx="3718080" cy="2289600"/>
+            <a:off x="457200" y="3682080"/>
+            <a:ext cx="4015800" cy="1896840"/>
           </a:xfrm>
           <a:prstGeom prst="rect">
             <a:avLst/>
@@ -2074,16 +2087,16 @@
             <a:normAutofit/>
           </a:bodyPr>
           <a:p>
-            <a:endParaRPr b="0" lang="pt-BR" sz="2200" spc="-1" strike="noStrike">
-              <a:solidFill>
-                <a:srgbClr val="2f2b20"/>
-              </a:solidFill>
-              <a:uFill>
-                <a:solidFill>
-                  <a:srgbClr val="ffffff"/>
-                </a:solidFill>
-              </a:uFill>
-              <a:latin typeface="Calibri"/>
+            <a:endParaRPr b="0" lang="en-US" sz="3200" spc="-1" strike="noStrike">
+              <a:solidFill>
+                <a:srgbClr val="000000"/>
+              </a:solidFill>
+              <a:uFill>
+                <a:solidFill>
+                  <a:srgbClr val="ffffff"/>
+                </a:solidFill>
+              </a:uFill>
+              <a:latin typeface="Arial"/>
             </a:endParaRPr>
           </a:p>
         </p:txBody>
@@ -2112,7 +2125,7 @@
       </p:grpSpPr>
       <p:sp>
         <p:nvSpPr>
-          <p:cNvPr id="79" name="PlaceHolder 1"/>
+          <p:cNvPr id="73" name="PlaceHolder 1"/>
           <p:cNvSpPr>
             <a:spLocks noGrp="1"/>
           </p:cNvSpPr>
@@ -2122,8 +2135,8 @@
         </p:nvSpPr>
         <p:spPr>
           <a:xfrm>
-            <a:off x="457200" y="274680"/>
-            <a:ext cx="7619760" cy="1142640"/>
+            <a:off x="457200" y="273600"/>
+            <a:ext cx="8229240" cy="1144800"/>
           </a:xfrm>
           <a:prstGeom prst="rect">
             <a:avLst/>
@@ -2132,23 +2145,24 @@
         <p:txBody>
           <a:bodyPr lIns="0" rIns="0" tIns="0" bIns="0" anchor="ctr"/>
           <a:p>
-            <a:endParaRPr b="0" lang="pt-BR" sz="1800" spc="-1" strike="noStrike">
-              <a:solidFill>
-                <a:srgbClr val="2f2b20"/>
-              </a:solidFill>
-              <a:uFill>
-                <a:solidFill>
-                  <a:srgbClr val="ffffff"/>
-                </a:solidFill>
-              </a:uFill>
-              <a:latin typeface="Calibri"/>
-            </a:endParaRPr>
-          </a:p>
-        </p:txBody>
-      </p:sp>
-      <p:sp>
-        <p:nvSpPr>
-          <p:cNvPr id="80" name="PlaceHolder 2"/>
+            <a:pPr algn="ctr"/>
+            <a:endParaRPr b="0" lang="en-US" sz="4400" spc="-1" strike="noStrike">
+              <a:solidFill>
+                <a:srgbClr val="000000"/>
+              </a:solidFill>
+              <a:uFill>
+                <a:solidFill>
+                  <a:srgbClr val="ffffff"/>
+                </a:solidFill>
+              </a:uFill>
+              <a:latin typeface="Arial"/>
+            </a:endParaRPr>
+          </a:p>
+        </p:txBody>
+      </p:sp>
+      <p:sp>
+        <p:nvSpPr>
+          <p:cNvPr id="74" name="PlaceHolder 2"/>
           <p:cNvSpPr>
             <a:spLocks noGrp="1"/>
           </p:cNvSpPr>
@@ -2158,8 +2172,8 @@
         </p:nvSpPr>
         <p:spPr>
           <a:xfrm>
-            <a:off x="457200" y="1600200"/>
-            <a:ext cx="2453400" cy="2289600"/>
+            <a:off x="457200" y="1604520"/>
+            <a:ext cx="2649600" cy="1896840"/>
           </a:xfrm>
           <a:prstGeom prst="rect">
             <a:avLst/>
@@ -2170,23 +2184,23 @@
             <a:normAutofit/>
           </a:bodyPr>
           <a:p>
-            <a:endParaRPr b="0" lang="pt-BR" sz="2200" spc="-1" strike="noStrike">
-              <a:solidFill>
-                <a:srgbClr val="2f2b20"/>
-              </a:solidFill>
-              <a:uFill>
-                <a:solidFill>
-                  <a:srgbClr val="ffffff"/>
-                </a:solidFill>
-              </a:uFill>
-              <a:latin typeface="Calibri"/>
-            </a:endParaRPr>
-          </a:p>
-        </p:txBody>
-      </p:sp>
-      <p:sp>
-        <p:nvSpPr>
-          <p:cNvPr id="81" name="PlaceHolder 3"/>
+            <a:endParaRPr b="0" lang="en-US" sz="3200" spc="-1" strike="noStrike">
+              <a:solidFill>
+                <a:srgbClr val="000000"/>
+              </a:solidFill>
+              <a:uFill>
+                <a:solidFill>
+                  <a:srgbClr val="ffffff"/>
+                </a:solidFill>
+              </a:uFill>
+              <a:latin typeface="Arial"/>
+            </a:endParaRPr>
+          </a:p>
+        </p:txBody>
+      </p:sp>
+      <p:sp>
+        <p:nvSpPr>
+          <p:cNvPr id="75" name="PlaceHolder 3"/>
           <p:cNvSpPr>
             <a:spLocks noGrp="1"/>
           </p:cNvSpPr>
@@ -2196,8 +2210,8 @@
         </p:nvSpPr>
         <p:spPr>
           <a:xfrm>
-            <a:off x="3033720" y="1600200"/>
-            <a:ext cx="2453400" cy="2289600"/>
+            <a:off x="3239640" y="1604520"/>
+            <a:ext cx="2649600" cy="1896840"/>
           </a:xfrm>
           <a:prstGeom prst="rect">
             <a:avLst/>
@@ -2208,23 +2222,23 @@
             <a:normAutofit/>
           </a:bodyPr>
           <a:p>
-            <a:endParaRPr b="0" lang="pt-BR" sz="2200" spc="-1" strike="noStrike">
-              <a:solidFill>
-                <a:srgbClr val="2f2b20"/>
-              </a:solidFill>
-              <a:uFill>
-                <a:solidFill>
-                  <a:srgbClr val="ffffff"/>
-                </a:solidFill>
-              </a:uFill>
-              <a:latin typeface="Calibri"/>
-            </a:endParaRPr>
-          </a:p>
-        </p:txBody>
-      </p:sp>
-      <p:sp>
-        <p:nvSpPr>
-          <p:cNvPr id="82" name="PlaceHolder 4"/>
+            <a:endParaRPr b="0" lang="en-US" sz="3200" spc="-1" strike="noStrike">
+              <a:solidFill>
+                <a:srgbClr val="000000"/>
+              </a:solidFill>
+              <a:uFill>
+                <a:solidFill>
+                  <a:srgbClr val="ffffff"/>
+                </a:solidFill>
+              </a:uFill>
+              <a:latin typeface="Arial"/>
+            </a:endParaRPr>
+          </a:p>
+        </p:txBody>
+      </p:sp>
+      <p:sp>
+        <p:nvSpPr>
+          <p:cNvPr id="76" name="PlaceHolder 4"/>
           <p:cNvSpPr>
             <a:spLocks noGrp="1"/>
           </p:cNvSpPr>
@@ -2234,8 +2248,8 @@
         </p:nvSpPr>
         <p:spPr>
           <a:xfrm>
-            <a:off x="5610240" y="1600200"/>
-            <a:ext cx="2453400" cy="2289600"/>
+            <a:off x="6022080" y="1604520"/>
+            <a:ext cx="2649600" cy="1896840"/>
           </a:xfrm>
           <a:prstGeom prst="rect">
             <a:avLst/>
@@ -2246,23 +2260,23 @@
             <a:normAutofit/>
           </a:bodyPr>
           <a:p>
-            <a:endParaRPr b="0" lang="pt-BR" sz="2200" spc="-1" strike="noStrike">
-              <a:solidFill>
-                <a:srgbClr val="2f2b20"/>
-              </a:solidFill>
-              <a:uFill>
-                <a:solidFill>
-                  <a:srgbClr val="ffffff"/>
-                </a:solidFill>
-              </a:uFill>
-              <a:latin typeface="Calibri"/>
-            </a:endParaRPr>
-          </a:p>
-        </p:txBody>
-      </p:sp>
-      <p:sp>
-        <p:nvSpPr>
-          <p:cNvPr id="83" name="PlaceHolder 5"/>
+            <a:endParaRPr b="0" lang="en-US" sz="3200" spc="-1" strike="noStrike">
+              <a:solidFill>
+                <a:srgbClr val="000000"/>
+              </a:solidFill>
+              <a:uFill>
+                <a:solidFill>
+                  <a:srgbClr val="ffffff"/>
+                </a:solidFill>
+              </a:uFill>
+              <a:latin typeface="Arial"/>
+            </a:endParaRPr>
+          </a:p>
+        </p:txBody>
+      </p:sp>
+      <p:sp>
+        <p:nvSpPr>
+          <p:cNvPr id="77" name="PlaceHolder 5"/>
           <p:cNvSpPr>
             <a:spLocks noGrp="1"/>
           </p:cNvSpPr>
@@ -2272,8 +2286,8 @@
         </p:nvSpPr>
         <p:spPr>
           <a:xfrm>
-            <a:off x="5610240" y="4107600"/>
-            <a:ext cx="2453400" cy="2289600"/>
+            <a:off x="6022080" y="3682080"/>
+            <a:ext cx="2649600" cy="1896840"/>
           </a:xfrm>
           <a:prstGeom prst="rect">
             <a:avLst/>
@@ -2284,23 +2298,23 @@
             <a:normAutofit/>
           </a:bodyPr>
           <a:p>
-            <a:endParaRPr b="0" lang="pt-BR" sz="2200" spc="-1" strike="noStrike">
-              <a:solidFill>
-                <a:srgbClr val="2f2b20"/>
-              </a:solidFill>
-              <a:uFill>
-                <a:solidFill>
-                  <a:srgbClr val="ffffff"/>
-                </a:solidFill>
-              </a:uFill>
-              <a:latin typeface="Calibri"/>
-            </a:endParaRPr>
-          </a:p>
-        </p:txBody>
-      </p:sp>
-      <p:sp>
-        <p:nvSpPr>
-          <p:cNvPr id="84" name="PlaceHolder 6"/>
+            <a:endParaRPr b="0" lang="en-US" sz="3200" spc="-1" strike="noStrike">
+              <a:solidFill>
+                <a:srgbClr val="000000"/>
+              </a:solidFill>
+              <a:uFill>
+                <a:solidFill>
+                  <a:srgbClr val="ffffff"/>
+                </a:solidFill>
+              </a:uFill>
+              <a:latin typeface="Arial"/>
+            </a:endParaRPr>
+          </a:p>
+        </p:txBody>
+      </p:sp>
+      <p:sp>
+        <p:nvSpPr>
+          <p:cNvPr id="78" name="PlaceHolder 6"/>
           <p:cNvSpPr>
             <a:spLocks noGrp="1"/>
           </p:cNvSpPr>
@@ -2310,8 +2324,8 @@
         </p:nvSpPr>
         <p:spPr>
           <a:xfrm>
-            <a:off x="3033720" y="4107600"/>
-            <a:ext cx="2453400" cy="2289600"/>
+            <a:off x="3239640" y="3682080"/>
+            <a:ext cx="2649600" cy="1896840"/>
           </a:xfrm>
           <a:prstGeom prst="rect">
             <a:avLst/>
@@ -2322,23 +2336,23 @@
             <a:normAutofit/>
           </a:bodyPr>
           <a:p>
-            <a:endParaRPr b="0" lang="pt-BR" sz="2200" spc="-1" strike="noStrike">
-              <a:solidFill>
-                <a:srgbClr val="2f2b20"/>
-              </a:solidFill>
-              <a:uFill>
-                <a:solidFill>
-                  <a:srgbClr val="ffffff"/>
-                </a:solidFill>
-              </a:uFill>
-              <a:latin typeface="Calibri"/>
-            </a:endParaRPr>
-          </a:p>
-        </p:txBody>
-      </p:sp>
-      <p:sp>
-        <p:nvSpPr>
-          <p:cNvPr id="85" name="PlaceHolder 7"/>
+            <a:endParaRPr b="0" lang="en-US" sz="3200" spc="-1" strike="noStrike">
+              <a:solidFill>
+                <a:srgbClr val="000000"/>
+              </a:solidFill>
+              <a:uFill>
+                <a:solidFill>
+                  <a:srgbClr val="ffffff"/>
+                </a:solidFill>
+              </a:uFill>
+              <a:latin typeface="Arial"/>
+            </a:endParaRPr>
+          </a:p>
+        </p:txBody>
+      </p:sp>
+      <p:sp>
+        <p:nvSpPr>
+          <p:cNvPr id="79" name="PlaceHolder 7"/>
           <p:cNvSpPr>
             <a:spLocks noGrp="1"/>
           </p:cNvSpPr>
@@ -2348,8 +2362,8 @@
         </p:nvSpPr>
         <p:spPr>
           <a:xfrm>
-            <a:off x="457200" y="4107600"/>
-            <a:ext cx="2453400" cy="2289600"/>
+            <a:off x="457200" y="3682080"/>
+            <a:ext cx="2649600" cy="1896840"/>
           </a:xfrm>
           <a:prstGeom prst="rect">
             <a:avLst/>
@@ -2360,16 +2374,16 @@
             <a:normAutofit/>
           </a:bodyPr>
           <a:p>
-            <a:endParaRPr b="0" lang="pt-BR" sz="2200" spc="-1" strike="noStrike">
-              <a:solidFill>
-                <a:srgbClr val="2f2b20"/>
-              </a:solidFill>
-              <a:uFill>
-                <a:solidFill>
-                  <a:srgbClr val="ffffff"/>
-                </a:solidFill>
-              </a:uFill>
-              <a:latin typeface="Calibri"/>
+            <a:endParaRPr b="0" lang="en-US" sz="3200" spc="-1" strike="noStrike">
+              <a:solidFill>
+                <a:srgbClr val="000000"/>
+              </a:solidFill>
+              <a:uFill>
+                <a:solidFill>
+                  <a:srgbClr val="ffffff"/>
+                </a:solidFill>
+              </a:uFill>
+              <a:latin typeface="Arial"/>
             </a:endParaRPr>
           </a:p>
         </p:txBody>
@@ -2398,7 +2412,7 @@
       </p:grpSpPr>
       <p:sp>
         <p:nvSpPr>
-          <p:cNvPr id="9" name="PlaceHolder 1"/>
+          <p:cNvPr id="6" name="PlaceHolder 1"/>
           <p:cNvSpPr>
             <a:spLocks noGrp="1"/>
           </p:cNvSpPr>
@@ -2408,8 +2422,8 @@
         </p:nvSpPr>
         <p:spPr>
           <a:xfrm>
-            <a:off x="457200" y="274680"/>
-            <a:ext cx="7619760" cy="1142640"/>
+            <a:off x="457200" y="273600"/>
+            <a:ext cx="8229240" cy="1144800"/>
           </a:xfrm>
           <a:prstGeom prst="rect">
             <a:avLst/>
@@ -2418,23 +2432,24 @@
         <p:txBody>
           <a:bodyPr lIns="0" rIns="0" tIns="0" bIns="0" anchor="ctr"/>
           <a:p>
-            <a:endParaRPr b="0" lang="pt-BR" sz="1800" spc="-1" strike="noStrike">
-              <a:solidFill>
-                <a:srgbClr val="2f2b20"/>
-              </a:solidFill>
-              <a:uFill>
-                <a:solidFill>
-                  <a:srgbClr val="ffffff"/>
-                </a:solidFill>
-              </a:uFill>
-              <a:latin typeface="Calibri"/>
-            </a:endParaRPr>
-          </a:p>
-        </p:txBody>
-      </p:sp>
-      <p:sp>
-        <p:nvSpPr>
-          <p:cNvPr id="10" name="PlaceHolder 2"/>
+            <a:pPr algn="ctr"/>
+            <a:endParaRPr b="0" lang="en-US" sz="4400" spc="-1" strike="noStrike">
+              <a:solidFill>
+                <a:srgbClr val="000000"/>
+              </a:solidFill>
+              <a:uFill>
+                <a:solidFill>
+                  <a:srgbClr val="ffffff"/>
+                </a:solidFill>
+              </a:uFill>
+              <a:latin typeface="Arial"/>
+            </a:endParaRPr>
+          </a:p>
+        </p:txBody>
+      </p:sp>
+      <p:sp>
+        <p:nvSpPr>
+          <p:cNvPr id="7" name="PlaceHolder 2"/>
           <p:cNvSpPr>
             <a:spLocks noGrp="1"/>
           </p:cNvSpPr>
@@ -2444,8 +2459,8 @@
         </p:nvSpPr>
         <p:spPr>
           <a:xfrm>
-            <a:off x="457200" y="1600200"/>
-            <a:ext cx="7619760" cy="4800240"/>
+            <a:off x="457200" y="1604520"/>
+            <a:ext cx="8229240" cy="3977280"/>
           </a:xfrm>
           <a:prstGeom prst="rect">
             <a:avLst/>
@@ -2456,16 +2471,16 @@
             <a:normAutofit/>
           </a:bodyPr>
           <a:p>
-            <a:endParaRPr b="0" lang="pt-BR" sz="2200" spc="-1" strike="noStrike">
-              <a:solidFill>
-                <a:srgbClr val="2f2b20"/>
-              </a:solidFill>
-              <a:uFill>
-                <a:solidFill>
-                  <a:srgbClr val="ffffff"/>
-                </a:solidFill>
-              </a:uFill>
-              <a:latin typeface="Calibri"/>
+            <a:endParaRPr b="0" lang="en-US" sz="3200" spc="-1" strike="noStrike">
+              <a:solidFill>
+                <a:srgbClr val="000000"/>
+              </a:solidFill>
+              <a:uFill>
+                <a:solidFill>
+                  <a:srgbClr val="ffffff"/>
+                </a:solidFill>
+              </a:uFill>
+              <a:latin typeface="Arial"/>
             </a:endParaRPr>
           </a:p>
         </p:txBody>
@@ -2494,7 +2509,7 @@
       </p:grpSpPr>
       <p:sp>
         <p:nvSpPr>
-          <p:cNvPr id="11" name="PlaceHolder 1"/>
+          <p:cNvPr id="8" name="PlaceHolder 1"/>
           <p:cNvSpPr>
             <a:spLocks noGrp="1"/>
           </p:cNvSpPr>
@@ -2504,8 +2519,8 @@
         </p:nvSpPr>
         <p:spPr>
           <a:xfrm>
-            <a:off x="457200" y="274680"/>
-            <a:ext cx="7619760" cy="1142640"/>
+            <a:off x="457200" y="273600"/>
+            <a:ext cx="8229240" cy="1144800"/>
           </a:xfrm>
           <a:prstGeom prst="rect">
             <a:avLst/>
@@ -2514,23 +2529,24 @@
         <p:txBody>
           <a:bodyPr lIns="0" rIns="0" tIns="0" bIns="0" anchor="ctr"/>
           <a:p>
-            <a:endParaRPr b="0" lang="pt-BR" sz="1800" spc="-1" strike="noStrike">
-              <a:solidFill>
-                <a:srgbClr val="2f2b20"/>
-              </a:solidFill>
-              <a:uFill>
-                <a:solidFill>
-                  <a:srgbClr val="ffffff"/>
-                </a:solidFill>
-              </a:uFill>
-              <a:latin typeface="Calibri"/>
-            </a:endParaRPr>
-          </a:p>
-        </p:txBody>
-      </p:sp>
-      <p:sp>
-        <p:nvSpPr>
-          <p:cNvPr id="12" name="PlaceHolder 2"/>
+            <a:pPr algn="ctr"/>
+            <a:endParaRPr b="0" lang="en-US" sz="4400" spc="-1" strike="noStrike">
+              <a:solidFill>
+                <a:srgbClr val="000000"/>
+              </a:solidFill>
+              <a:uFill>
+                <a:solidFill>
+                  <a:srgbClr val="ffffff"/>
+                </a:solidFill>
+              </a:uFill>
+              <a:latin typeface="Arial"/>
+            </a:endParaRPr>
+          </a:p>
+        </p:txBody>
+      </p:sp>
+      <p:sp>
+        <p:nvSpPr>
+          <p:cNvPr id="9" name="PlaceHolder 2"/>
           <p:cNvSpPr>
             <a:spLocks noGrp="1"/>
           </p:cNvSpPr>
@@ -2540,8 +2556,8 @@
         </p:nvSpPr>
         <p:spPr>
           <a:xfrm>
-            <a:off x="457200" y="1600200"/>
-            <a:ext cx="3718080" cy="4800240"/>
+            <a:off x="457200" y="1604520"/>
+            <a:ext cx="4015800" cy="3977280"/>
           </a:xfrm>
           <a:prstGeom prst="rect">
             <a:avLst/>
@@ -2552,23 +2568,23 @@
             <a:normAutofit/>
           </a:bodyPr>
           <a:p>
-            <a:endParaRPr b="0" lang="pt-BR" sz="2200" spc="-1" strike="noStrike">
-              <a:solidFill>
-                <a:srgbClr val="2f2b20"/>
-              </a:solidFill>
-              <a:uFill>
-                <a:solidFill>
-                  <a:srgbClr val="ffffff"/>
-                </a:solidFill>
-              </a:uFill>
-              <a:latin typeface="Calibri"/>
-            </a:endParaRPr>
-          </a:p>
-        </p:txBody>
-      </p:sp>
-      <p:sp>
-        <p:nvSpPr>
-          <p:cNvPr id="13" name="PlaceHolder 3"/>
+            <a:endParaRPr b="0" lang="en-US" sz="3200" spc="-1" strike="noStrike">
+              <a:solidFill>
+                <a:srgbClr val="000000"/>
+              </a:solidFill>
+              <a:uFill>
+                <a:solidFill>
+                  <a:srgbClr val="ffffff"/>
+                </a:solidFill>
+              </a:uFill>
+              <a:latin typeface="Arial"/>
+            </a:endParaRPr>
+          </a:p>
+        </p:txBody>
+      </p:sp>
+      <p:sp>
+        <p:nvSpPr>
+          <p:cNvPr id="10" name="PlaceHolder 3"/>
           <p:cNvSpPr>
             <a:spLocks noGrp="1"/>
           </p:cNvSpPr>
@@ -2578,8 +2594,8 @@
         </p:nvSpPr>
         <p:spPr>
           <a:xfrm>
-            <a:off x="4361400" y="1600200"/>
-            <a:ext cx="3718080" cy="4800240"/>
+            <a:off x="4674240" y="1604520"/>
+            <a:ext cx="4015800" cy="3977280"/>
           </a:xfrm>
           <a:prstGeom prst="rect">
             <a:avLst/>
@@ -2590,16 +2606,16 @@
             <a:normAutofit/>
           </a:bodyPr>
           <a:p>
-            <a:endParaRPr b="0" lang="pt-BR" sz="2200" spc="-1" strike="noStrike">
-              <a:solidFill>
-                <a:srgbClr val="2f2b20"/>
-              </a:solidFill>
-              <a:uFill>
-                <a:solidFill>
-                  <a:srgbClr val="ffffff"/>
-                </a:solidFill>
-              </a:uFill>
-              <a:latin typeface="Calibri"/>
+            <a:endParaRPr b="0" lang="en-US" sz="3200" spc="-1" strike="noStrike">
+              <a:solidFill>
+                <a:srgbClr val="000000"/>
+              </a:solidFill>
+              <a:uFill>
+                <a:solidFill>
+                  <a:srgbClr val="ffffff"/>
+                </a:solidFill>
+              </a:uFill>
+              <a:latin typeface="Arial"/>
             </a:endParaRPr>
           </a:p>
         </p:txBody>
@@ -2628,7 +2644,7 @@
       </p:grpSpPr>
       <p:sp>
         <p:nvSpPr>
-          <p:cNvPr id="14" name="PlaceHolder 1"/>
+          <p:cNvPr id="11" name="PlaceHolder 1"/>
           <p:cNvSpPr>
             <a:spLocks noGrp="1"/>
           </p:cNvSpPr>
@@ -2638,8 +2654,8 @@
         </p:nvSpPr>
         <p:spPr>
           <a:xfrm>
-            <a:off x="457200" y="274680"/>
-            <a:ext cx="7619760" cy="1142640"/>
+            <a:off x="457200" y="273600"/>
+            <a:ext cx="8229240" cy="1144800"/>
           </a:xfrm>
           <a:prstGeom prst="rect">
             <a:avLst/>
@@ -2648,16 +2664,17 @@
         <p:txBody>
           <a:bodyPr lIns="0" rIns="0" tIns="0" bIns="0" anchor="ctr"/>
           <a:p>
-            <a:endParaRPr b="0" lang="pt-BR" sz="1800" spc="-1" strike="noStrike">
-              <a:solidFill>
-                <a:srgbClr val="2f2b20"/>
-              </a:solidFill>
-              <a:uFill>
-                <a:solidFill>
-                  <a:srgbClr val="ffffff"/>
-                </a:solidFill>
-              </a:uFill>
-              <a:latin typeface="Calibri"/>
+            <a:pPr algn="ctr"/>
+            <a:endParaRPr b="0" lang="en-US" sz="4400" spc="-1" strike="noStrike">
+              <a:solidFill>
+                <a:srgbClr val="000000"/>
+              </a:solidFill>
+              <a:uFill>
+                <a:solidFill>
+                  <a:srgbClr val="ffffff"/>
+                </a:solidFill>
+              </a:uFill>
+              <a:latin typeface="Arial"/>
             </a:endParaRPr>
           </a:p>
         </p:txBody>
@@ -2686,7 +2703,7 @@
       </p:grpSpPr>
       <p:sp>
         <p:nvSpPr>
-          <p:cNvPr id="15" name="PlaceHolder 1"/>
+          <p:cNvPr id="12" name="PlaceHolder 1"/>
           <p:cNvSpPr>
             <a:spLocks noGrp="1"/>
           </p:cNvSpPr>
@@ -2696,8 +2713,8 @@
         </p:nvSpPr>
         <p:spPr>
           <a:xfrm>
-            <a:off x="457200" y="274680"/>
-            <a:ext cx="7619760" cy="5297760"/>
+            <a:off x="457200" y="273600"/>
+            <a:ext cx="8229240" cy="5307840"/>
           </a:xfrm>
           <a:prstGeom prst="rect">
             <a:avLst/>
@@ -2745,7 +2762,7 @@
       </p:grpSpPr>
       <p:sp>
         <p:nvSpPr>
-          <p:cNvPr id="16" name="PlaceHolder 1"/>
+          <p:cNvPr id="13" name="PlaceHolder 1"/>
           <p:cNvSpPr>
             <a:spLocks noGrp="1"/>
           </p:cNvSpPr>
@@ -2755,8 +2772,8 @@
         </p:nvSpPr>
         <p:spPr>
           <a:xfrm>
-            <a:off x="457200" y="274680"/>
-            <a:ext cx="7619760" cy="1142640"/>
+            <a:off x="457200" y="273600"/>
+            <a:ext cx="8229240" cy="1144800"/>
           </a:xfrm>
           <a:prstGeom prst="rect">
             <a:avLst/>
@@ -2765,23 +2782,24 @@
         <p:txBody>
           <a:bodyPr lIns="0" rIns="0" tIns="0" bIns="0" anchor="ctr"/>
           <a:p>
-            <a:endParaRPr b="0" lang="pt-BR" sz="1800" spc="-1" strike="noStrike">
-              <a:solidFill>
-                <a:srgbClr val="2f2b20"/>
-              </a:solidFill>
-              <a:uFill>
-                <a:solidFill>
-                  <a:srgbClr val="ffffff"/>
-                </a:solidFill>
-              </a:uFill>
-              <a:latin typeface="Calibri"/>
-            </a:endParaRPr>
-          </a:p>
-        </p:txBody>
-      </p:sp>
-      <p:sp>
-        <p:nvSpPr>
-          <p:cNvPr id="17" name="PlaceHolder 2"/>
+            <a:pPr algn="ctr"/>
+            <a:endParaRPr b="0" lang="en-US" sz="4400" spc="-1" strike="noStrike">
+              <a:solidFill>
+                <a:srgbClr val="000000"/>
+              </a:solidFill>
+              <a:uFill>
+                <a:solidFill>
+                  <a:srgbClr val="ffffff"/>
+                </a:solidFill>
+              </a:uFill>
+              <a:latin typeface="Arial"/>
+            </a:endParaRPr>
+          </a:p>
+        </p:txBody>
+      </p:sp>
+      <p:sp>
+        <p:nvSpPr>
+          <p:cNvPr id="14" name="PlaceHolder 2"/>
           <p:cNvSpPr>
             <a:spLocks noGrp="1"/>
           </p:cNvSpPr>
@@ -2791,8 +2809,8 @@
         </p:nvSpPr>
         <p:spPr>
           <a:xfrm>
-            <a:off x="457200" y="1600200"/>
-            <a:ext cx="3718080" cy="2289600"/>
+            <a:off x="457200" y="1604520"/>
+            <a:ext cx="4015800" cy="1896840"/>
           </a:xfrm>
           <a:prstGeom prst="rect">
             <a:avLst/>
@@ -2803,23 +2821,23 @@
             <a:normAutofit/>
           </a:bodyPr>
           <a:p>
-            <a:endParaRPr b="0" lang="pt-BR" sz="2200" spc="-1" strike="noStrike">
-              <a:solidFill>
-                <a:srgbClr val="2f2b20"/>
-              </a:solidFill>
-              <a:uFill>
-                <a:solidFill>
-                  <a:srgbClr val="ffffff"/>
-                </a:solidFill>
-              </a:uFill>
-              <a:latin typeface="Calibri"/>
-            </a:endParaRPr>
-          </a:p>
-        </p:txBody>
-      </p:sp>
-      <p:sp>
-        <p:nvSpPr>
-          <p:cNvPr id="18" name="PlaceHolder 3"/>
+            <a:endParaRPr b="0" lang="en-US" sz="3200" spc="-1" strike="noStrike">
+              <a:solidFill>
+                <a:srgbClr val="000000"/>
+              </a:solidFill>
+              <a:uFill>
+                <a:solidFill>
+                  <a:srgbClr val="ffffff"/>
+                </a:solidFill>
+              </a:uFill>
+              <a:latin typeface="Arial"/>
+            </a:endParaRPr>
+          </a:p>
+        </p:txBody>
+      </p:sp>
+      <p:sp>
+        <p:nvSpPr>
+          <p:cNvPr id="15" name="PlaceHolder 3"/>
           <p:cNvSpPr>
             <a:spLocks noGrp="1"/>
           </p:cNvSpPr>
@@ -2829,8 +2847,8 @@
         </p:nvSpPr>
         <p:spPr>
           <a:xfrm>
-            <a:off x="457200" y="4107600"/>
-            <a:ext cx="3718080" cy="2289600"/>
+            <a:off x="457200" y="3682080"/>
+            <a:ext cx="4015800" cy="1896840"/>
           </a:xfrm>
           <a:prstGeom prst="rect">
             <a:avLst/>
@@ -2841,23 +2859,23 @@
             <a:normAutofit/>
           </a:bodyPr>
           <a:p>
-            <a:endParaRPr b="0" lang="pt-BR" sz="2200" spc="-1" strike="noStrike">
-              <a:solidFill>
-                <a:srgbClr val="2f2b20"/>
-              </a:solidFill>
-              <a:uFill>
-                <a:solidFill>
-                  <a:srgbClr val="ffffff"/>
-                </a:solidFill>
-              </a:uFill>
-              <a:latin typeface="Calibri"/>
-            </a:endParaRPr>
-          </a:p>
-        </p:txBody>
-      </p:sp>
-      <p:sp>
-        <p:nvSpPr>
-          <p:cNvPr id="19" name="PlaceHolder 4"/>
+            <a:endParaRPr b="0" lang="en-US" sz="3200" spc="-1" strike="noStrike">
+              <a:solidFill>
+                <a:srgbClr val="000000"/>
+              </a:solidFill>
+              <a:uFill>
+                <a:solidFill>
+                  <a:srgbClr val="ffffff"/>
+                </a:solidFill>
+              </a:uFill>
+              <a:latin typeface="Arial"/>
+            </a:endParaRPr>
+          </a:p>
+        </p:txBody>
+      </p:sp>
+      <p:sp>
+        <p:nvSpPr>
+          <p:cNvPr id="16" name="PlaceHolder 4"/>
           <p:cNvSpPr>
             <a:spLocks noGrp="1"/>
           </p:cNvSpPr>
@@ -2867,8 +2885,8 @@
         </p:nvSpPr>
         <p:spPr>
           <a:xfrm>
-            <a:off x="4361400" y="1600200"/>
-            <a:ext cx="3718080" cy="4800240"/>
+            <a:off x="4674240" y="1604520"/>
+            <a:ext cx="4015800" cy="3977280"/>
           </a:xfrm>
           <a:prstGeom prst="rect">
             <a:avLst/>
@@ -2879,16 +2897,16 @@
             <a:normAutofit/>
           </a:bodyPr>
           <a:p>
-            <a:endParaRPr b="0" lang="pt-BR" sz="2200" spc="-1" strike="noStrike">
-              <a:solidFill>
-                <a:srgbClr val="2f2b20"/>
-              </a:solidFill>
-              <a:uFill>
-                <a:solidFill>
-                  <a:srgbClr val="ffffff"/>
-                </a:solidFill>
-              </a:uFill>
-              <a:latin typeface="Calibri"/>
+            <a:endParaRPr b="0" lang="en-US" sz="3200" spc="-1" strike="noStrike">
+              <a:solidFill>
+                <a:srgbClr val="000000"/>
+              </a:solidFill>
+              <a:uFill>
+                <a:solidFill>
+                  <a:srgbClr val="ffffff"/>
+                </a:solidFill>
+              </a:uFill>
+              <a:latin typeface="Arial"/>
             </a:endParaRPr>
           </a:p>
         </p:txBody>
@@ -2917,7 +2935,7 @@
       </p:grpSpPr>
       <p:sp>
         <p:nvSpPr>
-          <p:cNvPr id="20" name="PlaceHolder 1"/>
+          <p:cNvPr id="17" name="PlaceHolder 1"/>
           <p:cNvSpPr>
             <a:spLocks noGrp="1"/>
           </p:cNvSpPr>
@@ -2927,8 +2945,8 @@
         </p:nvSpPr>
         <p:spPr>
           <a:xfrm>
-            <a:off x="457200" y="274680"/>
-            <a:ext cx="7619760" cy="1142640"/>
+            <a:off x="457200" y="273600"/>
+            <a:ext cx="8229240" cy="1144800"/>
           </a:xfrm>
           <a:prstGeom prst="rect">
             <a:avLst/>
@@ -2937,23 +2955,24 @@
         <p:txBody>
           <a:bodyPr lIns="0" rIns="0" tIns="0" bIns="0" anchor="ctr"/>
           <a:p>
-            <a:endParaRPr b="0" lang="pt-BR" sz="1800" spc="-1" strike="noStrike">
-              <a:solidFill>
-                <a:srgbClr val="2f2b20"/>
-              </a:solidFill>
-              <a:uFill>
-                <a:solidFill>
-                  <a:srgbClr val="ffffff"/>
-                </a:solidFill>
-              </a:uFill>
-              <a:latin typeface="Calibri"/>
-            </a:endParaRPr>
-          </a:p>
-        </p:txBody>
-      </p:sp>
-      <p:sp>
-        <p:nvSpPr>
-          <p:cNvPr id="21" name="PlaceHolder 2"/>
+            <a:pPr algn="ctr"/>
+            <a:endParaRPr b="0" lang="en-US" sz="4400" spc="-1" strike="noStrike">
+              <a:solidFill>
+                <a:srgbClr val="000000"/>
+              </a:solidFill>
+              <a:uFill>
+                <a:solidFill>
+                  <a:srgbClr val="ffffff"/>
+                </a:solidFill>
+              </a:uFill>
+              <a:latin typeface="Arial"/>
+            </a:endParaRPr>
+          </a:p>
+        </p:txBody>
+      </p:sp>
+      <p:sp>
+        <p:nvSpPr>
+          <p:cNvPr id="18" name="PlaceHolder 2"/>
           <p:cNvSpPr>
             <a:spLocks noGrp="1"/>
           </p:cNvSpPr>
@@ -2963,8 +2982,8 @@
         </p:nvSpPr>
         <p:spPr>
           <a:xfrm>
-            <a:off x="457200" y="1600200"/>
-            <a:ext cx="3718080" cy="4800240"/>
+            <a:off x="457200" y="1604520"/>
+            <a:ext cx="4015800" cy="3977280"/>
           </a:xfrm>
           <a:prstGeom prst="rect">
             <a:avLst/>
@@ -2975,23 +2994,23 @@
             <a:normAutofit/>
           </a:bodyPr>
           <a:p>
-            <a:endParaRPr b="0" lang="pt-BR" sz="2200" spc="-1" strike="noStrike">
-              <a:solidFill>
-                <a:srgbClr val="2f2b20"/>
-              </a:solidFill>
-              <a:uFill>
-                <a:solidFill>
-                  <a:srgbClr val="ffffff"/>
-                </a:solidFill>
-              </a:uFill>
-              <a:latin typeface="Calibri"/>
-            </a:endParaRPr>
-          </a:p>
-        </p:txBody>
-      </p:sp>
-      <p:sp>
-        <p:nvSpPr>
-          <p:cNvPr id="22" name="PlaceHolder 3"/>
+            <a:endParaRPr b="0" lang="en-US" sz="3200" spc="-1" strike="noStrike">
+              <a:solidFill>
+                <a:srgbClr val="000000"/>
+              </a:solidFill>
+              <a:uFill>
+                <a:solidFill>
+                  <a:srgbClr val="ffffff"/>
+                </a:solidFill>
+              </a:uFill>
+              <a:latin typeface="Arial"/>
+            </a:endParaRPr>
+          </a:p>
+        </p:txBody>
+      </p:sp>
+      <p:sp>
+        <p:nvSpPr>
+          <p:cNvPr id="19" name="PlaceHolder 3"/>
           <p:cNvSpPr>
             <a:spLocks noGrp="1"/>
           </p:cNvSpPr>
@@ -3001,8 +3020,8 @@
         </p:nvSpPr>
         <p:spPr>
           <a:xfrm>
-            <a:off x="4361400" y="1600200"/>
-            <a:ext cx="3718080" cy="2289600"/>
+            <a:off x="4674240" y="1604520"/>
+            <a:ext cx="4015800" cy="1896840"/>
           </a:xfrm>
           <a:prstGeom prst="rect">
             <a:avLst/>
@@ -3013,23 +3032,23 @@
             <a:normAutofit/>
           </a:bodyPr>
           <a:p>
-            <a:endParaRPr b="0" lang="pt-BR" sz="2200" spc="-1" strike="noStrike">
-              <a:solidFill>
-                <a:srgbClr val="2f2b20"/>
-              </a:solidFill>
-              <a:uFill>
-                <a:solidFill>
-                  <a:srgbClr val="ffffff"/>
-                </a:solidFill>
-              </a:uFill>
-              <a:latin typeface="Calibri"/>
-            </a:endParaRPr>
-          </a:p>
-        </p:txBody>
-      </p:sp>
-      <p:sp>
-        <p:nvSpPr>
-          <p:cNvPr id="23" name="PlaceHolder 4"/>
+            <a:endParaRPr b="0" lang="en-US" sz="3200" spc="-1" strike="noStrike">
+              <a:solidFill>
+                <a:srgbClr val="000000"/>
+              </a:solidFill>
+              <a:uFill>
+                <a:solidFill>
+                  <a:srgbClr val="ffffff"/>
+                </a:solidFill>
+              </a:uFill>
+              <a:latin typeface="Arial"/>
+            </a:endParaRPr>
+          </a:p>
+        </p:txBody>
+      </p:sp>
+      <p:sp>
+        <p:nvSpPr>
+          <p:cNvPr id="20" name="PlaceHolder 4"/>
           <p:cNvSpPr>
             <a:spLocks noGrp="1"/>
           </p:cNvSpPr>
@@ -3039,8 +3058,8 @@
         </p:nvSpPr>
         <p:spPr>
           <a:xfrm>
-            <a:off x="4361400" y="4107600"/>
-            <a:ext cx="3718080" cy="2289600"/>
+            <a:off x="4674240" y="3682080"/>
+            <a:ext cx="4015800" cy="1896840"/>
           </a:xfrm>
           <a:prstGeom prst="rect">
             <a:avLst/>
@@ -3051,16 +3070,16 @@
             <a:normAutofit/>
           </a:bodyPr>
           <a:p>
-            <a:endParaRPr b="0" lang="pt-BR" sz="2200" spc="-1" strike="noStrike">
-              <a:solidFill>
-                <a:srgbClr val="2f2b20"/>
-              </a:solidFill>
-              <a:uFill>
-                <a:solidFill>
-                  <a:srgbClr val="ffffff"/>
-                </a:solidFill>
-              </a:uFill>
-              <a:latin typeface="Calibri"/>
+            <a:endParaRPr b="0" lang="en-US" sz="3200" spc="-1" strike="noStrike">
+              <a:solidFill>
+                <a:srgbClr val="000000"/>
+              </a:solidFill>
+              <a:uFill>
+                <a:solidFill>
+                  <a:srgbClr val="ffffff"/>
+                </a:solidFill>
+              </a:uFill>
+              <a:latin typeface="Arial"/>
             </a:endParaRPr>
           </a:p>
         </p:txBody>
@@ -3089,7 +3108,7 @@
       </p:grpSpPr>
       <p:sp>
         <p:nvSpPr>
-          <p:cNvPr id="24" name="PlaceHolder 1"/>
+          <p:cNvPr id="21" name="PlaceHolder 1"/>
           <p:cNvSpPr>
             <a:spLocks noGrp="1"/>
           </p:cNvSpPr>
@@ -3099,8 +3118,8 @@
         </p:nvSpPr>
         <p:spPr>
           <a:xfrm>
-            <a:off x="457200" y="274680"/>
-            <a:ext cx="7619760" cy="1142640"/>
+            <a:off x="457200" y="273600"/>
+            <a:ext cx="8229240" cy="1144800"/>
           </a:xfrm>
           <a:prstGeom prst="rect">
             <a:avLst/>
@@ -3109,23 +3128,24 @@
         <p:txBody>
           <a:bodyPr lIns="0" rIns="0" tIns="0" bIns="0" anchor="ctr"/>
           <a:p>
-            <a:endParaRPr b="0" lang="pt-BR" sz="1800" spc="-1" strike="noStrike">
-              <a:solidFill>
-                <a:srgbClr val="2f2b20"/>
-              </a:solidFill>
-              <a:uFill>
-                <a:solidFill>
-                  <a:srgbClr val="ffffff"/>
-                </a:solidFill>
-              </a:uFill>
-              <a:latin typeface="Calibri"/>
-            </a:endParaRPr>
-          </a:p>
-        </p:txBody>
-      </p:sp>
-      <p:sp>
-        <p:nvSpPr>
-          <p:cNvPr id="25" name="PlaceHolder 2"/>
+            <a:pPr algn="ctr"/>
+            <a:endParaRPr b="0" lang="en-US" sz="4400" spc="-1" strike="noStrike">
+              <a:solidFill>
+                <a:srgbClr val="000000"/>
+              </a:solidFill>
+              <a:uFill>
+                <a:solidFill>
+                  <a:srgbClr val="ffffff"/>
+                </a:solidFill>
+              </a:uFill>
+              <a:latin typeface="Arial"/>
+            </a:endParaRPr>
+          </a:p>
+        </p:txBody>
+      </p:sp>
+      <p:sp>
+        <p:nvSpPr>
+          <p:cNvPr id="22" name="PlaceHolder 2"/>
           <p:cNvSpPr>
             <a:spLocks noGrp="1"/>
           </p:cNvSpPr>
@@ -3135,8 +3155,8 @@
         </p:nvSpPr>
         <p:spPr>
           <a:xfrm>
-            <a:off x="457200" y="1600200"/>
-            <a:ext cx="3718080" cy="2289600"/>
+            <a:off x="457200" y="1604520"/>
+            <a:ext cx="4015800" cy="1896840"/>
           </a:xfrm>
           <a:prstGeom prst="rect">
             <a:avLst/>
@@ -3147,23 +3167,23 @@
             <a:normAutofit/>
           </a:bodyPr>
           <a:p>
-            <a:endParaRPr b="0" lang="pt-BR" sz="2200" spc="-1" strike="noStrike">
-              <a:solidFill>
-                <a:srgbClr val="2f2b20"/>
-              </a:solidFill>
-              <a:uFill>
-                <a:solidFill>
-                  <a:srgbClr val="ffffff"/>
-                </a:solidFill>
-              </a:uFill>
-              <a:latin typeface="Calibri"/>
-            </a:endParaRPr>
-          </a:p>
-        </p:txBody>
-      </p:sp>
-      <p:sp>
-        <p:nvSpPr>
-          <p:cNvPr id="26" name="PlaceHolder 3"/>
+            <a:endParaRPr b="0" lang="en-US" sz="3200" spc="-1" strike="noStrike">
+              <a:solidFill>
+                <a:srgbClr val="000000"/>
+              </a:solidFill>
+              <a:uFill>
+                <a:solidFill>
+                  <a:srgbClr val="ffffff"/>
+                </a:solidFill>
+              </a:uFill>
+              <a:latin typeface="Arial"/>
+            </a:endParaRPr>
+          </a:p>
+        </p:txBody>
+      </p:sp>
+      <p:sp>
+        <p:nvSpPr>
+          <p:cNvPr id="23" name="PlaceHolder 3"/>
           <p:cNvSpPr>
             <a:spLocks noGrp="1"/>
           </p:cNvSpPr>
@@ -3173,8 +3193,8 @@
         </p:nvSpPr>
         <p:spPr>
           <a:xfrm>
-            <a:off x="4361400" y="1600200"/>
-            <a:ext cx="3718080" cy="2289600"/>
+            <a:off x="4674240" y="1604520"/>
+            <a:ext cx="4015800" cy="1896840"/>
           </a:xfrm>
           <a:prstGeom prst="rect">
             <a:avLst/>
@@ -3185,23 +3205,23 @@
             <a:normAutofit/>
           </a:bodyPr>
           <a:p>
-            <a:endParaRPr b="0" lang="pt-BR" sz="2200" spc="-1" strike="noStrike">
-              <a:solidFill>
-                <a:srgbClr val="2f2b20"/>
-              </a:solidFill>
-              <a:uFill>
-                <a:solidFill>
-                  <a:srgbClr val="ffffff"/>
-                </a:solidFill>
-              </a:uFill>
-              <a:latin typeface="Calibri"/>
-            </a:endParaRPr>
-          </a:p>
-        </p:txBody>
-      </p:sp>
-      <p:sp>
-        <p:nvSpPr>
-          <p:cNvPr id="27" name="PlaceHolder 4"/>
+            <a:endParaRPr b="0" lang="en-US" sz="3200" spc="-1" strike="noStrike">
+              <a:solidFill>
+                <a:srgbClr val="000000"/>
+              </a:solidFill>
+              <a:uFill>
+                <a:solidFill>
+                  <a:srgbClr val="ffffff"/>
+                </a:solidFill>
+              </a:uFill>
+              <a:latin typeface="Arial"/>
+            </a:endParaRPr>
+          </a:p>
+        </p:txBody>
+      </p:sp>
+      <p:sp>
+        <p:nvSpPr>
+          <p:cNvPr id="24" name="PlaceHolder 4"/>
           <p:cNvSpPr>
             <a:spLocks noGrp="1"/>
           </p:cNvSpPr>
@@ -3211,8 +3231,8 @@
         </p:nvSpPr>
         <p:spPr>
           <a:xfrm>
-            <a:off x="457200" y="4107600"/>
-            <a:ext cx="7619760" cy="2289600"/>
+            <a:off x="457200" y="3682080"/>
+            <a:ext cx="8229240" cy="1896840"/>
           </a:xfrm>
           <a:prstGeom prst="rect">
             <a:avLst/>
@@ -3223,16 +3243,16 @@
             <a:normAutofit/>
           </a:bodyPr>
           <a:p>
-            <a:endParaRPr b="0" lang="pt-BR" sz="2200" spc="-1" strike="noStrike">
-              <a:solidFill>
-                <a:srgbClr val="2f2b20"/>
-              </a:solidFill>
-              <a:uFill>
-                <a:solidFill>
-                  <a:srgbClr val="ffffff"/>
-                </a:solidFill>
-              </a:uFill>
-              <a:latin typeface="Calibri"/>
+            <a:endParaRPr b="0" lang="en-US" sz="3200" spc="-1" strike="noStrike">
+              <a:solidFill>
+                <a:srgbClr val="000000"/>
+              </a:solidFill>
+              <a:uFill>
+                <a:solidFill>
+                  <a:srgbClr val="ffffff"/>
+                </a:solidFill>
+              </a:uFill>
+              <a:latin typeface="Arial"/>
             </a:endParaRPr>
           </a:p>
         </p:txBody>
@@ -3268,7 +3288,7 @@
         <p:spPr>
           <a:xfrm>
             <a:off x="8458200" y="0"/>
-            <a:ext cx="685440" cy="6857640"/>
+            <a:ext cx="685080" cy="6857280"/>
           </a:xfrm>
           <a:prstGeom prst="rect">
             <a:avLst/>
@@ -3296,7 +3316,7 @@
         <p:spPr>
           <a:xfrm>
             <a:off x="8458200" y="5486400"/>
-            <a:ext cx="685440" cy="685440"/>
+            <a:ext cx="685080" cy="685080"/>
           </a:xfrm>
           <a:prstGeom prst="rect">
             <a:avLst/>
@@ -3327,45 +3347,40 @@
         </p:nvSpPr>
         <p:spPr>
           <a:xfrm>
-            <a:off x="685800" y="1905120"/>
-            <a:ext cx="7543440" cy="2593440"/>
-          </a:xfrm>
-          <a:prstGeom prst="rect">
-            <a:avLst/>
-          </a:prstGeom>
-        </p:spPr>
-        <p:txBody>
-          <a:bodyPr anchor="b"/>
-          <a:p>
-            <a:pPr>
-              <a:lnSpc>
-                <a:spcPct val="100000"/>
-              </a:lnSpc>
-            </a:pPr>
-            <a:r>
-              <a:rPr b="0" lang="pt-BR" sz="6600" spc="-97" strike="noStrike">
-                <a:solidFill>
-                  <a:srgbClr val="675e47"/>
-                </a:solidFill>
-                <a:uFill>
-                  <a:solidFill>
-                    <a:srgbClr val="ffffff"/>
-                  </a:solidFill>
-                </a:uFill>
-                <a:latin typeface="Cambria"/>
-              </a:rPr>
-              <a:t>Click to edit Master title style</a:t>
-            </a:r>
-            <a:endParaRPr b="0" lang="pt-BR" sz="6600" spc="-1" strike="noStrike">
-              <a:solidFill>
-                <a:srgbClr val="2f2b20"/>
-              </a:solidFill>
-              <a:uFill>
-                <a:solidFill>
-                  <a:srgbClr val="ffffff"/>
-                </a:solidFill>
-              </a:uFill>
-              <a:latin typeface="Calibri"/>
+            <a:off x="457200" y="274680"/>
+            <a:ext cx="7619400" cy="1142280"/>
+          </a:xfrm>
+          <a:prstGeom prst="rect">
+            <a:avLst/>
+          </a:prstGeom>
+        </p:spPr>
+        <p:txBody>
+          <a:bodyPr lIns="0" rIns="0" tIns="0" bIns="0" anchor="ctr"/>
+          <a:p>
+            <a:r>
+              <a:rPr b="0" lang="en-US" sz="1800" spc="-1" strike="noStrike">
+                <a:solidFill>
+                  <a:srgbClr val="000000"/>
+                </a:solidFill>
+                <a:uFill>
+                  <a:solidFill>
+                    <a:srgbClr val="ffffff"/>
+                  </a:solidFill>
+                </a:uFill>
+                <a:latin typeface="Arial"/>
+              </a:rPr>
+              <a:t>Click to edit the title text format</a:t>
+            </a:r>
+            <a:endParaRPr b="0" lang="en-US" sz="1800" spc="-1" strike="noStrike">
+              <a:solidFill>
+                <a:srgbClr val="000000"/>
+              </a:solidFill>
+              <a:uFill>
+                <a:solidFill>
+                  <a:srgbClr val="ffffff"/>
+                </a:solidFill>
+              </a:uFill>
+              <a:latin typeface="Arial"/>
             </a:endParaRPr>
           </a:p>
         </p:txBody>
@@ -3373,152 +3388,6 @@
       <p:sp>
         <p:nvSpPr>
           <p:cNvPr id="3" name="PlaceHolder 4"/>
-          <p:cNvSpPr>
-            <a:spLocks noGrp="1"/>
-          </p:cNvSpPr>
-          <p:nvPr>
-            <p:ph type="dt"/>
-          </p:nvPr>
-        </p:nvSpPr>
-        <p:spPr>
-          <a:xfrm rot="16200000">
-            <a:off x="7551360" y="1646280"/>
-            <a:ext cx="2437920" cy="365400"/>
-          </a:xfrm>
-          <a:prstGeom prst="rect">
-            <a:avLst/>
-          </a:prstGeom>
-        </p:spPr>
-        <p:txBody>
-          <a:bodyPr anchor="ctr"/>
-          <a:p>
-            <a:pPr>
-              <a:lnSpc>
-                <a:spcPct val="100000"/>
-              </a:lnSpc>
-            </a:pPr>
-            <a:fld id="{6D69CEAA-0F40-4713-B559-813B17A0EB3C}" type="datetime">
-              <a:rPr b="0" lang="en-US" sz="1200" spc="-1" strike="noStrike">
-                <a:solidFill>
-                  <a:srgbClr val="dfdcb7"/>
-                </a:solidFill>
-                <a:uFill>
-                  <a:solidFill>
-                    <a:srgbClr val="ffffff"/>
-                  </a:solidFill>
-                </a:uFill>
-                <a:latin typeface="Calibri"/>
-              </a:rPr>
-              <a:t>5/30/17</a:t>
-            </a:fld>
-            <a:endParaRPr b="0" lang="en-US" sz="1200" spc="-1" strike="noStrike">
-              <a:solidFill>
-                <a:srgbClr val="000000"/>
-              </a:solidFill>
-              <a:uFill>
-                <a:solidFill>
-                  <a:srgbClr val="ffffff"/>
-                </a:solidFill>
-              </a:uFill>
-              <a:latin typeface="Times New Roman"/>
-            </a:endParaRPr>
-          </a:p>
-        </p:txBody>
-      </p:sp>
-      <p:sp>
-        <p:nvSpPr>
-          <p:cNvPr id="4" name="PlaceHolder 5"/>
-          <p:cNvSpPr>
-            <a:spLocks noGrp="1"/>
-          </p:cNvSpPr>
-          <p:nvPr>
-            <p:ph type="ftr"/>
-          </p:nvPr>
-        </p:nvSpPr>
-        <p:spPr>
-          <a:xfrm rot="16200000">
-            <a:off x="7587000" y="4048920"/>
-            <a:ext cx="2367000" cy="365400"/>
-          </a:xfrm>
-          <a:prstGeom prst="rect">
-            <a:avLst/>
-          </a:prstGeom>
-        </p:spPr>
-        <p:txBody>
-          <a:bodyPr anchor="ctr"/>
-          <a:p>
-            <a:endParaRPr b="0" lang="en-US" sz="2400" spc="-1" strike="noStrike">
-              <a:solidFill>
-                <a:srgbClr val="000000"/>
-              </a:solidFill>
-              <a:uFill>
-                <a:solidFill>
-                  <a:srgbClr val="ffffff"/>
-                </a:solidFill>
-              </a:uFill>
-              <a:latin typeface="Times New Roman"/>
-            </a:endParaRPr>
-          </a:p>
-        </p:txBody>
-      </p:sp>
-      <p:sp>
-        <p:nvSpPr>
-          <p:cNvPr id="5" name="PlaceHolder 6"/>
-          <p:cNvSpPr>
-            <a:spLocks noGrp="1"/>
-          </p:cNvSpPr>
-          <p:nvPr>
-            <p:ph type="sldNum"/>
-          </p:nvPr>
-        </p:nvSpPr>
-        <p:spPr>
-          <a:xfrm>
-            <a:off x="8531640" y="5649120"/>
-            <a:ext cx="548280" cy="396000"/>
-          </a:xfrm>
-          <a:prstGeom prst="rect">
-            <a:avLst/>
-          </a:prstGeom>
-        </p:spPr>
-        <p:txBody>
-          <a:bodyPr lIns="0" rIns="0" tIns="0" bIns="0" anchor="ctr"/>
-          <a:p>
-            <a:pPr algn="ctr">
-              <a:lnSpc>
-                <a:spcPct val="100000"/>
-              </a:lnSpc>
-            </a:pPr>
-            <a:fld id="{BB5DA916-1AA2-48AB-8FDF-D52B3AB12F82}" type="slidenum">
-              <a:rPr b="0" lang="en-US" sz="1800" spc="-1" strike="noStrike">
-                <a:solidFill>
-                  <a:srgbClr val="ffffff"/>
-                </a:solidFill>
-                <a:uFill>
-                  <a:solidFill>
-                    <a:srgbClr val="ffffff"/>
-                  </a:solidFill>
-                </a:uFill>
-                <a:latin typeface="Calibri"/>
-              </a:rPr>
-              <a:t>&lt;number&gt;</a:t>
-            </a:fld>
-            <a:endParaRPr b="0" lang="en-US" sz="1800" spc="-1" strike="noStrike">
-              <a:solidFill>
-                <a:srgbClr val="000000"/>
-              </a:solidFill>
-              <a:uFill>
-                <a:solidFill>
-                  <a:srgbClr val="ffffff"/>
-                </a:solidFill>
-              </a:uFill>
-              <a:latin typeface="Times New Roman"/>
-            </a:endParaRPr>
-          </a:p>
-        </p:txBody>
-      </p:sp>
-      <p:sp>
-        <p:nvSpPr>
-          <p:cNvPr id="6" name="PlaceHolder 7"/>
           <p:cNvSpPr>
             <a:spLocks noGrp="1"/>
           </p:cNvSpPr>
@@ -3552,29 +3421,29 @@
               <a:buChar char=""/>
             </a:pPr>
             <a:r>
-              <a:rPr b="0" lang="pt-BR" sz="2200" spc="-1" strike="noStrike">
-                <a:solidFill>
-                  <a:srgbClr val="2f2b20"/>
-                </a:solidFill>
-                <a:uFill>
-                  <a:solidFill>
-                    <a:srgbClr val="ffffff"/>
-                  </a:solidFill>
-                </a:uFill>
-                <a:latin typeface="Calibri"/>
+              <a:rPr b="0" lang="en-US" sz="3200" spc="-1" strike="noStrike">
+                <a:solidFill>
+                  <a:srgbClr val="000000"/>
+                </a:solidFill>
+                <a:uFill>
+                  <a:solidFill>
+                    <a:srgbClr val="ffffff"/>
+                  </a:solidFill>
+                </a:uFill>
+                <a:latin typeface="Arial"/>
               </a:rPr>
               <a:t>Click to edit the outline text format</a:t>
             </a:r>
-            <a:endParaRPr b="0" lang="pt-BR" sz="2200" spc="-1" strike="noStrike">
-              <a:solidFill>
-                <a:srgbClr val="2f2b20"/>
-              </a:solidFill>
-              <a:uFill>
-                <a:solidFill>
-                  <a:srgbClr val="ffffff"/>
-                </a:solidFill>
-              </a:uFill>
-              <a:latin typeface="Calibri"/>
+            <a:endParaRPr b="0" lang="en-US" sz="3200" spc="-1" strike="noStrike">
+              <a:solidFill>
+                <a:srgbClr val="000000"/>
+              </a:solidFill>
+              <a:uFill>
+                <a:solidFill>
+                  <a:srgbClr val="ffffff"/>
+                </a:solidFill>
+              </a:uFill>
+              <a:latin typeface="Arial"/>
             </a:endParaRPr>
           </a:p>
           <a:p>
@@ -3590,29 +3459,29 @@
               <a:buChar char=""/>
             </a:pPr>
             <a:r>
-              <a:rPr b="0" lang="pt-BR" sz="1800" spc="-1" strike="noStrike">
-                <a:solidFill>
-                  <a:srgbClr val="2f2b20"/>
-                </a:solidFill>
-                <a:uFill>
-                  <a:solidFill>
-                    <a:srgbClr val="ffffff"/>
-                  </a:solidFill>
-                </a:uFill>
-                <a:latin typeface="Calibri"/>
+              <a:rPr b="0" lang="en-US" sz="2800" spc="-1" strike="noStrike">
+                <a:solidFill>
+                  <a:srgbClr val="000000"/>
+                </a:solidFill>
+                <a:uFill>
+                  <a:solidFill>
+                    <a:srgbClr val="ffffff"/>
+                  </a:solidFill>
+                </a:uFill>
+                <a:latin typeface="Arial"/>
               </a:rPr>
               <a:t>Second Outline Level</a:t>
             </a:r>
-            <a:endParaRPr b="0" lang="pt-BR" sz="1800" spc="-1" strike="noStrike">
-              <a:solidFill>
-                <a:srgbClr val="2f2b20"/>
-              </a:solidFill>
-              <a:uFill>
-                <a:solidFill>
-                  <a:srgbClr val="ffffff"/>
-                </a:solidFill>
-              </a:uFill>
-              <a:latin typeface="Calibri"/>
+            <a:endParaRPr b="0" lang="en-US" sz="2800" spc="-1" strike="noStrike">
+              <a:solidFill>
+                <a:srgbClr val="000000"/>
+              </a:solidFill>
+              <a:uFill>
+                <a:solidFill>
+                  <a:srgbClr val="ffffff"/>
+                </a:solidFill>
+              </a:uFill>
+              <a:latin typeface="Arial"/>
             </a:endParaRPr>
           </a:p>
           <a:p>
@@ -3628,29 +3497,29 @@
               <a:buChar char=""/>
             </a:pPr>
             <a:r>
-              <a:rPr b="0" lang="pt-BR" sz="1600" spc="-1" strike="noStrike">
-                <a:solidFill>
-                  <a:srgbClr val="2f2b20"/>
-                </a:solidFill>
-                <a:uFill>
-                  <a:solidFill>
-                    <a:srgbClr val="ffffff"/>
-                  </a:solidFill>
-                </a:uFill>
-                <a:latin typeface="Calibri"/>
+              <a:rPr b="0" lang="en-US" sz="2400" spc="-1" strike="noStrike">
+                <a:solidFill>
+                  <a:srgbClr val="000000"/>
+                </a:solidFill>
+                <a:uFill>
+                  <a:solidFill>
+                    <a:srgbClr val="ffffff"/>
+                  </a:solidFill>
+                </a:uFill>
+                <a:latin typeface="Arial"/>
               </a:rPr>
               <a:t>Third Outline Level</a:t>
             </a:r>
-            <a:endParaRPr b="0" lang="pt-BR" sz="1600" spc="-1" strike="noStrike">
-              <a:solidFill>
-                <a:srgbClr val="2f2b20"/>
-              </a:solidFill>
-              <a:uFill>
-                <a:solidFill>
-                  <a:srgbClr val="ffffff"/>
-                </a:solidFill>
-              </a:uFill>
-              <a:latin typeface="Calibri"/>
+            <a:endParaRPr b="0" lang="en-US" sz="2400" spc="-1" strike="noStrike">
+              <a:solidFill>
+                <a:srgbClr val="000000"/>
+              </a:solidFill>
+              <a:uFill>
+                <a:solidFill>
+                  <a:srgbClr val="ffffff"/>
+                </a:solidFill>
+              </a:uFill>
+              <a:latin typeface="Arial"/>
             </a:endParaRPr>
           </a:p>
           <a:p>
@@ -3666,29 +3535,29 @@
               <a:buChar char=""/>
             </a:pPr>
             <a:r>
-              <a:rPr b="0" lang="pt-BR" sz="1400" spc="-1" strike="noStrike">
-                <a:solidFill>
-                  <a:srgbClr val="2f2b20"/>
-                </a:solidFill>
-                <a:uFill>
-                  <a:solidFill>
-                    <a:srgbClr val="ffffff"/>
-                  </a:solidFill>
-                </a:uFill>
-                <a:latin typeface="Calibri"/>
+              <a:rPr b="0" lang="en-US" sz="2000" spc="-1" strike="noStrike">
+                <a:solidFill>
+                  <a:srgbClr val="000000"/>
+                </a:solidFill>
+                <a:uFill>
+                  <a:solidFill>
+                    <a:srgbClr val="ffffff"/>
+                  </a:solidFill>
+                </a:uFill>
+                <a:latin typeface="Arial"/>
               </a:rPr>
               <a:t>Fourth Outline Level</a:t>
             </a:r>
-            <a:endParaRPr b="0" lang="pt-BR" sz="1400" spc="-1" strike="noStrike">
-              <a:solidFill>
-                <a:srgbClr val="2f2b20"/>
-              </a:solidFill>
-              <a:uFill>
-                <a:solidFill>
-                  <a:srgbClr val="ffffff"/>
-                </a:solidFill>
-              </a:uFill>
-              <a:latin typeface="Calibri"/>
+            <a:endParaRPr b="0" lang="en-US" sz="2000" spc="-1" strike="noStrike">
+              <a:solidFill>
+                <a:srgbClr val="000000"/>
+              </a:solidFill>
+              <a:uFill>
+                <a:solidFill>
+                  <a:srgbClr val="ffffff"/>
+                </a:solidFill>
+              </a:uFill>
+              <a:latin typeface="Arial"/>
             </a:endParaRPr>
           </a:p>
           <a:p>
@@ -3704,29 +3573,29 @@
               <a:buChar char=""/>
             </a:pPr>
             <a:r>
-              <a:rPr b="0" lang="pt-BR" sz="2000" spc="-1" strike="noStrike">
-                <a:solidFill>
-                  <a:srgbClr val="2f2b20"/>
-                </a:solidFill>
-                <a:uFill>
-                  <a:solidFill>
-                    <a:srgbClr val="ffffff"/>
-                  </a:solidFill>
-                </a:uFill>
-                <a:latin typeface="Calibri"/>
+              <a:rPr b="0" lang="en-US" sz="2000" spc="-1" strike="noStrike">
+                <a:solidFill>
+                  <a:srgbClr val="000000"/>
+                </a:solidFill>
+                <a:uFill>
+                  <a:solidFill>
+                    <a:srgbClr val="ffffff"/>
+                  </a:solidFill>
+                </a:uFill>
+                <a:latin typeface="Arial"/>
               </a:rPr>
               <a:t>Fifth Outline Level</a:t>
             </a:r>
-            <a:endParaRPr b="0" lang="pt-BR" sz="2000" spc="-1" strike="noStrike">
-              <a:solidFill>
-                <a:srgbClr val="2f2b20"/>
-              </a:solidFill>
-              <a:uFill>
-                <a:solidFill>
-                  <a:srgbClr val="ffffff"/>
-                </a:solidFill>
-              </a:uFill>
-              <a:latin typeface="Calibri"/>
+            <a:endParaRPr b="0" lang="en-US" sz="2000" spc="-1" strike="noStrike">
+              <a:solidFill>
+                <a:srgbClr val="000000"/>
+              </a:solidFill>
+              <a:uFill>
+                <a:solidFill>
+                  <a:srgbClr val="ffffff"/>
+                </a:solidFill>
+              </a:uFill>
+              <a:latin typeface="Arial"/>
             </a:endParaRPr>
           </a:p>
           <a:p>
@@ -3742,29 +3611,29 @@
               <a:buChar char=""/>
             </a:pPr>
             <a:r>
-              <a:rPr b="0" lang="pt-BR" sz="2000" spc="-1" strike="noStrike">
-                <a:solidFill>
-                  <a:srgbClr val="2f2b20"/>
-                </a:solidFill>
-                <a:uFill>
-                  <a:solidFill>
-                    <a:srgbClr val="ffffff"/>
-                  </a:solidFill>
-                </a:uFill>
-                <a:latin typeface="Calibri"/>
+              <a:rPr b="0" lang="en-US" sz="2000" spc="-1" strike="noStrike">
+                <a:solidFill>
+                  <a:srgbClr val="000000"/>
+                </a:solidFill>
+                <a:uFill>
+                  <a:solidFill>
+                    <a:srgbClr val="ffffff"/>
+                  </a:solidFill>
+                </a:uFill>
+                <a:latin typeface="Arial"/>
               </a:rPr>
               <a:t>Sixth Outline Level</a:t>
             </a:r>
-            <a:endParaRPr b="0" lang="pt-BR" sz="2000" spc="-1" strike="noStrike">
-              <a:solidFill>
-                <a:srgbClr val="2f2b20"/>
-              </a:solidFill>
-              <a:uFill>
-                <a:solidFill>
-                  <a:srgbClr val="ffffff"/>
-                </a:solidFill>
-              </a:uFill>
-              <a:latin typeface="Calibri"/>
+            <a:endParaRPr b="0" lang="en-US" sz="2000" spc="-1" strike="noStrike">
+              <a:solidFill>
+                <a:srgbClr val="000000"/>
+              </a:solidFill>
+              <a:uFill>
+                <a:solidFill>
+                  <a:srgbClr val="ffffff"/>
+                </a:solidFill>
+              </a:uFill>
+              <a:latin typeface="Arial"/>
             </a:endParaRPr>
           </a:p>
           <a:p>
@@ -3780,29 +3649,29 @@
               <a:buChar char=""/>
             </a:pPr>
             <a:r>
-              <a:rPr b="0" lang="pt-BR" sz="2000" spc="-1" strike="noStrike">
-                <a:solidFill>
-                  <a:srgbClr val="2f2b20"/>
-                </a:solidFill>
-                <a:uFill>
-                  <a:solidFill>
-                    <a:srgbClr val="ffffff"/>
-                  </a:solidFill>
-                </a:uFill>
-                <a:latin typeface="Calibri"/>
+              <a:rPr b="0" lang="en-US" sz="2000" spc="-1" strike="noStrike">
+                <a:solidFill>
+                  <a:srgbClr val="000000"/>
+                </a:solidFill>
+                <a:uFill>
+                  <a:solidFill>
+                    <a:srgbClr val="ffffff"/>
+                  </a:solidFill>
+                </a:uFill>
+                <a:latin typeface="Arial"/>
               </a:rPr>
               <a:t>Seventh Outline Level</a:t>
             </a:r>
-            <a:endParaRPr b="0" lang="pt-BR" sz="2000" spc="-1" strike="noStrike">
-              <a:solidFill>
-                <a:srgbClr val="2f2b20"/>
-              </a:solidFill>
-              <a:uFill>
-                <a:solidFill>
-                  <a:srgbClr val="ffffff"/>
-                </a:solidFill>
-              </a:uFill>
-              <a:latin typeface="Calibri"/>
+            <a:endParaRPr b="0" lang="en-US" sz="2000" spc="-1" strike="noStrike">
+              <a:solidFill>
+                <a:srgbClr val="000000"/>
+              </a:solidFill>
+              <a:uFill>
+                <a:solidFill>
+                  <a:srgbClr val="ffffff"/>
+                </a:solidFill>
+              </a:uFill>
+              <a:latin typeface="Arial"/>
             </a:endParaRPr>
           </a:p>
         </p:txBody>
@@ -3846,14 +3715,14 @@
       </p:grpSpPr>
       <p:sp>
         <p:nvSpPr>
-          <p:cNvPr id="43" name="CustomShape 1"/>
+          <p:cNvPr id="40" name="CustomShape 1"/>
           <p:cNvSpPr/>
           <p:nvPr/>
         </p:nvSpPr>
         <p:spPr>
           <a:xfrm>
             <a:off x="8458200" y="0"/>
-            <a:ext cx="685440" cy="6857640"/>
+            <a:ext cx="685080" cy="6857280"/>
           </a:xfrm>
           <a:prstGeom prst="rect">
             <a:avLst/>
@@ -3874,14 +3743,14 @@
       </p:sp>
       <p:sp>
         <p:nvSpPr>
-          <p:cNvPr id="44" name="CustomShape 2"/>
+          <p:cNvPr id="41" name="CustomShape 2"/>
           <p:cNvSpPr/>
           <p:nvPr/>
         </p:nvSpPr>
         <p:spPr>
           <a:xfrm>
             <a:off x="8458200" y="5486400"/>
-            <a:ext cx="685440" cy="685440"/>
+            <a:ext cx="685080" cy="685080"/>
           </a:xfrm>
           <a:prstGeom prst="rect">
             <a:avLst/>
@@ -3902,7 +3771,7 @@
       </p:sp>
       <p:sp>
         <p:nvSpPr>
-          <p:cNvPr id="45" name="PlaceHolder 3"/>
+          <p:cNvPr id="42" name="PlaceHolder 3"/>
           <p:cNvSpPr>
             <a:spLocks noGrp="1"/>
           </p:cNvSpPr>
@@ -3912,52 +3781,48 @@
         </p:nvSpPr>
         <p:spPr>
           <a:xfrm>
-            <a:off x="457200" y="274680"/>
-            <a:ext cx="7619760" cy="1142640"/>
-          </a:xfrm>
-          <a:prstGeom prst="rect">
-            <a:avLst/>
-          </a:prstGeom>
-        </p:spPr>
-        <p:txBody>
-          <a:bodyPr anchor="ctr"/>
-          <a:p>
-            <a:pPr>
-              <a:lnSpc>
-                <a:spcPct val="100000"/>
-              </a:lnSpc>
-            </a:pPr>
-            <a:r>
-              <a:rPr b="0" lang="pt-BR" sz="4600" spc="-97" strike="noStrike">
-                <a:solidFill>
-                  <a:srgbClr val="675e47"/>
-                </a:solidFill>
-                <a:uFill>
-                  <a:solidFill>
-                    <a:srgbClr val="ffffff"/>
-                  </a:solidFill>
-                </a:uFill>
-                <a:latin typeface="Cambria"/>
-              </a:rPr>
-              <a:t>Click to edit Master title style</a:t>
-            </a:r>
-            <a:endParaRPr b="0" lang="pt-BR" sz="4600" spc="-1" strike="noStrike">
-              <a:solidFill>
-                <a:srgbClr val="2f2b20"/>
-              </a:solidFill>
-              <a:uFill>
-                <a:solidFill>
-                  <a:srgbClr val="ffffff"/>
-                </a:solidFill>
-              </a:uFill>
-              <a:latin typeface="Calibri"/>
-            </a:endParaRPr>
-          </a:p>
-        </p:txBody>
-      </p:sp>
-      <p:sp>
-        <p:nvSpPr>
-          <p:cNvPr id="46" name="PlaceHolder 4"/>
+            <a:off x="457200" y="273600"/>
+            <a:ext cx="8229240" cy="1144800"/>
+          </a:xfrm>
+          <a:prstGeom prst="rect">
+            <a:avLst/>
+          </a:prstGeom>
+        </p:spPr>
+        <p:txBody>
+          <a:bodyPr lIns="0" rIns="0" tIns="0" bIns="0" anchor="ctr"/>
+          <a:p>
+            <a:pPr algn="ctr"/>
+            <a:r>
+              <a:rPr b="0" lang="en-US" sz="4400" spc="-1" strike="noStrike">
+                <a:solidFill>
+                  <a:srgbClr val="000000"/>
+                </a:solidFill>
+                <a:uFill>
+                  <a:solidFill>
+                    <a:srgbClr val="ffffff"/>
+                  </a:solidFill>
+                </a:uFill>
+                <a:latin typeface="Arial"/>
+              </a:rPr>
+              <a:t>Click to edit the title text format</a:t>
+            </a:r>
+            <a:endParaRPr b="0" lang="en-US" sz="4400" spc="-1" strike="noStrike">
+              <a:solidFill>
+                <a:srgbClr val="000000"/>
+              </a:solidFill>
+              <a:uFill>
+                <a:solidFill>
+                  <a:srgbClr val="ffffff"/>
+                </a:solidFill>
+              </a:uFill>
+              <a:latin typeface="Arial"/>
+            </a:endParaRPr>
+          </a:p>
+        </p:txBody>
+      </p:sp>
+      <p:sp>
+        <p:nvSpPr>
+          <p:cNvPr id="43" name="PlaceHolder 4"/>
           <p:cNvSpPr>
             <a:spLocks noGrp="1"/>
           </p:cNvSpPr>
@@ -3967,22 +3832,21 @@
         </p:nvSpPr>
         <p:spPr>
           <a:xfrm>
-            <a:off x="457200" y="1600200"/>
-            <a:ext cx="7619760" cy="4800240"/>
-          </a:xfrm>
-          <a:prstGeom prst="rect">
-            <a:avLst/>
-          </a:prstGeom>
-        </p:spPr>
-        <p:txBody>
-          <a:bodyPr/>
+            <a:off x="457200" y="1604520"/>
+            <a:ext cx="8229240" cy="3977280"/>
+          </a:xfrm>
+          <a:prstGeom prst="rect">
+            <a:avLst/>
+          </a:prstGeom>
+        </p:spPr>
+        <p:txBody>
+          <a:bodyPr lIns="0" rIns="0" tIns="0" bIns="0">
+            <a:normAutofit/>
+          </a:bodyPr>
           <a:p>
             <a:pPr marL="432000" indent="-324000">
-              <a:lnSpc>
-                <a:spcPct val="100000"/>
-              </a:lnSpc>
               <a:spcBef>
-                <a:spcPts val="439"/>
+                <a:spcPts val="1417"/>
               </a:spcBef>
               <a:buClr>
                 <a:srgbClr val="000000"/>
@@ -3992,38 +3856,35 @@
               <a:buChar char=""/>
             </a:pPr>
             <a:r>
-              <a:rPr b="0" lang="pt-BR" sz="2200" spc="-1" strike="noStrike">
-                <a:solidFill>
-                  <a:srgbClr val="2f2b20"/>
-                </a:solidFill>
-                <a:uFill>
-                  <a:solidFill>
-                    <a:srgbClr val="ffffff"/>
-                  </a:solidFill>
-                </a:uFill>
-                <a:latin typeface="Calibri"/>
-              </a:rPr>
-              <a:t>Click to edit Master text styles</a:t>
-            </a:r>
-            <a:endParaRPr b="0" lang="pt-BR" sz="2200" spc="-1" strike="noStrike">
-              <a:solidFill>
-                <a:srgbClr val="2f2b20"/>
-              </a:solidFill>
-              <a:uFill>
-                <a:solidFill>
-                  <a:srgbClr val="ffffff"/>
-                </a:solidFill>
-              </a:uFill>
-              <a:latin typeface="Calibri"/>
+              <a:rPr b="0" lang="en-US" sz="3200" spc="-1" strike="noStrike">
+                <a:solidFill>
+                  <a:srgbClr val="000000"/>
+                </a:solidFill>
+                <a:uFill>
+                  <a:solidFill>
+                    <a:srgbClr val="ffffff"/>
+                  </a:solidFill>
+                </a:uFill>
+                <a:latin typeface="Arial"/>
+              </a:rPr>
+              <a:t>Click to edit the outline text format</a:t>
+            </a:r>
+            <a:endParaRPr b="0" lang="en-US" sz="3200" spc="-1" strike="noStrike">
+              <a:solidFill>
+                <a:srgbClr val="000000"/>
+              </a:solidFill>
+              <a:uFill>
+                <a:solidFill>
+                  <a:srgbClr val="ffffff"/>
+                </a:solidFill>
+              </a:uFill>
+              <a:latin typeface="Arial"/>
             </a:endParaRPr>
           </a:p>
           <a:p>
             <a:pPr lvl="1" marL="864000" indent="-324000">
-              <a:lnSpc>
-                <a:spcPct val="100000"/>
-              </a:lnSpc>
               <a:spcBef>
-                <a:spcPts val="400"/>
+                <a:spcPts val="1134"/>
               </a:spcBef>
               <a:buClr>
                 <a:srgbClr val="000000"/>
@@ -4033,38 +3894,35 @@
               <a:buChar char=""/>
             </a:pPr>
             <a:r>
-              <a:rPr b="0" lang="pt-BR" sz="2000" spc="-1" strike="noStrike">
-                <a:solidFill>
-                  <a:srgbClr val="2f2b20"/>
-                </a:solidFill>
-                <a:uFill>
-                  <a:solidFill>
-                    <a:srgbClr val="ffffff"/>
-                  </a:solidFill>
-                </a:uFill>
-                <a:latin typeface="Calibri"/>
-              </a:rPr>
-              <a:t>Second level</a:t>
-            </a:r>
-            <a:endParaRPr b="0" lang="pt-BR" sz="2000" spc="-1" strike="noStrike">
-              <a:solidFill>
-                <a:srgbClr val="2f2b20"/>
-              </a:solidFill>
-              <a:uFill>
-                <a:solidFill>
-                  <a:srgbClr val="ffffff"/>
-                </a:solidFill>
-              </a:uFill>
-              <a:latin typeface="Calibri"/>
+              <a:rPr b="0" lang="en-US" sz="2800" spc="-1" strike="noStrike">
+                <a:solidFill>
+                  <a:srgbClr val="000000"/>
+                </a:solidFill>
+                <a:uFill>
+                  <a:solidFill>
+                    <a:srgbClr val="ffffff"/>
+                  </a:solidFill>
+                </a:uFill>
+                <a:latin typeface="Arial"/>
+              </a:rPr>
+              <a:t>Second Outline Level</a:t>
+            </a:r>
+            <a:endParaRPr b="0" lang="en-US" sz="2800" spc="-1" strike="noStrike">
+              <a:solidFill>
+                <a:srgbClr val="000000"/>
+              </a:solidFill>
+              <a:uFill>
+                <a:solidFill>
+                  <a:srgbClr val="ffffff"/>
+                </a:solidFill>
+              </a:uFill>
+              <a:latin typeface="Arial"/>
             </a:endParaRPr>
           </a:p>
           <a:p>
             <a:pPr lvl="2" marL="1296000" indent="-288000">
-              <a:lnSpc>
-                <a:spcPct val="100000"/>
-              </a:lnSpc>
               <a:spcBef>
-                <a:spcPts val="360"/>
+                <a:spcPts val="850"/>
               </a:spcBef>
               <a:buClr>
                 <a:srgbClr val="000000"/>
@@ -4074,38 +3932,35 @@
               <a:buChar char=""/>
             </a:pPr>
             <a:r>
-              <a:rPr b="0" lang="pt-BR" sz="1800" spc="-1" strike="noStrike">
-                <a:solidFill>
-                  <a:srgbClr val="2f2b20"/>
-                </a:solidFill>
-                <a:uFill>
-                  <a:solidFill>
-                    <a:srgbClr val="ffffff"/>
-                  </a:solidFill>
-                </a:uFill>
-                <a:latin typeface="Calibri"/>
-              </a:rPr>
-              <a:t>Third level</a:t>
-            </a:r>
-            <a:endParaRPr b="0" lang="pt-BR" sz="1800" spc="-1" strike="noStrike">
-              <a:solidFill>
-                <a:srgbClr val="2f2b20"/>
-              </a:solidFill>
-              <a:uFill>
-                <a:solidFill>
-                  <a:srgbClr val="ffffff"/>
-                </a:solidFill>
-              </a:uFill>
-              <a:latin typeface="Calibri"/>
+              <a:rPr b="0" lang="en-US" sz="2400" spc="-1" strike="noStrike">
+                <a:solidFill>
+                  <a:srgbClr val="000000"/>
+                </a:solidFill>
+                <a:uFill>
+                  <a:solidFill>
+                    <a:srgbClr val="ffffff"/>
+                  </a:solidFill>
+                </a:uFill>
+                <a:latin typeface="Arial"/>
+              </a:rPr>
+              <a:t>Third Outline Level</a:t>
+            </a:r>
+            <a:endParaRPr b="0" lang="en-US" sz="2400" spc="-1" strike="noStrike">
+              <a:solidFill>
+                <a:srgbClr val="000000"/>
+              </a:solidFill>
+              <a:uFill>
+                <a:solidFill>
+                  <a:srgbClr val="ffffff"/>
+                </a:solidFill>
+              </a:uFill>
+              <a:latin typeface="Arial"/>
             </a:endParaRPr>
           </a:p>
           <a:p>
             <a:pPr lvl="3" marL="1728000" indent="-216000">
-              <a:lnSpc>
-                <a:spcPct val="100000"/>
-              </a:lnSpc>
               <a:spcBef>
-                <a:spcPts val="320"/>
+                <a:spcPts val="567"/>
               </a:spcBef>
               <a:buClr>
                 <a:srgbClr val="000000"/>
@@ -4115,38 +3970,35 @@
               <a:buChar char=""/>
             </a:pPr>
             <a:r>
-              <a:rPr b="0" lang="pt-BR" sz="1600" spc="-1" strike="noStrike">
-                <a:solidFill>
-                  <a:srgbClr val="2f2b20"/>
-                </a:solidFill>
-                <a:uFill>
-                  <a:solidFill>
-                    <a:srgbClr val="ffffff"/>
-                  </a:solidFill>
-                </a:uFill>
-                <a:latin typeface="Calibri"/>
-              </a:rPr>
-              <a:t>Fourth level</a:t>
-            </a:r>
-            <a:endParaRPr b="0" lang="pt-BR" sz="1600" spc="-1" strike="noStrike">
-              <a:solidFill>
-                <a:srgbClr val="2f2b20"/>
-              </a:solidFill>
-              <a:uFill>
-                <a:solidFill>
-                  <a:srgbClr val="ffffff"/>
-                </a:solidFill>
-              </a:uFill>
-              <a:latin typeface="Calibri"/>
+              <a:rPr b="0" lang="en-US" sz="2000" spc="-1" strike="noStrike">
+                <a:solidFill>
+                  <a:srgbClr val="000000"/>
+                </a:solidFill>
+                <a:uFill>
+                  <a:solidFill>
+                    <a:srgbClr val="ffffff"/>
+                  </a:solidFill>
+                </a:uFill>
+                <a:latin typeface="Arial"/>
+              </a:rPr>
+              <a:t>Fourth Outline Level</a:t>
+            </a:r>
+            <a:endParaRPr b="0" lang="en-US" sz="2000" spc="-1" strike="noStrike">
+              <a:solidFill>
+                <a:srgbClr val="000000"/>
+              </a:solidFill>
+              <a:uFill>
+                <a:solidFill>
+                  <a:srgbClr val="ffffff"/>
+                </a:solidFill>
+              </a:uFill>
+              <a:latin typeface="Arial"/>
             </a:endParaRPr>
           </a:p>
           <a:p>
             <a:pPr lvl="4" marL="2160000" indent="-216000">
-              <a:lnSpc>
-                <a:spcPct val="100000"/>
-              </a:lnSpc>
               <a:spcBef>
-                <a:spcPts val="281"/>
+                <a:spcPts val="283"/>
               </a:spcBef>
               <a:buClr>
                 <a:srgbClr val="000000"/>
@@ -4156,175 +4008,105 @@
               <a:buChar char=""/>
             </a:pPr>
             <a:r>
-              <a:rPr b="0" lang="pt-BR" sz="1400" spc="-1" strike="noStrike">
-                <a:solidFill>
-                  <a:srgbClr val="2f2b20"/>
-                </a:solidFill>
-                <a:uFill>
-                  <a:solidFill>
-                    <a:srgbClr val="ffffff"/>
-                  </a:solidFill>
-                </a:uFill>
-                <a:latin typeface="Calibri"/>
-              </a:rPr>
-              <a:t>Fifth level</a:t>
-            </a:r>
-            <a:endParaRPr b="0" lang="pt-BR" sz="1400" spc="-1" strike="noStrike">
-              <a:solidFill>
-                <a:srgbClr val="2f2b20"/>
-              </a:solidFill>
-              <a:uFill>
-                <a:solidFill>
-                  <a:srgbClr val="ffffff"/>
-                </a:solidFill>
-              </a:uFill>
-              <a:latin typeface="Calibri"/>
-            </a:endParaRPr>
-          </a:p>
-        </p:txBody>
-      </p:sp>
-      <p:sp>
-        <p:nvSpPr>
-          <p:cNvPr id="47" name="PlaceHolder 5"/>
-          <p:cNvSpPr>
-            <a:spLocks noGrp="1"/>
-          </p:cNvSpPr>
-          <p:nvPr>
-            <p:ph type="dt"/>
-          </p:nvPr>
-        </p:nvSpPr>
-        <p:spPr>
-          <a:xfrm rot="16200000">
-            <a:off x="7551360" y="1646280"/>
-            <a:ext cx="2437920" cy="365400"/>
-          </a:xfrm>
-          <a:prstGeom prst="rect">
-            <a:avLst/>
-          </a:prstGeom>
-        </p:spPr>
-        <p:txBody>
-          <a:bodyPr anchor="ctr"/>
-          <a:p>
-            <a:pPr>
-              <a:lnSpc>
-                <a:spcPct val="100000"/>
-              </a:lnSpc>
-            </a:pPr>
-            <a:fld id="{90795D9C-6D18-4F30-92DB-9DAF94D9F6FF}" type="datetime">
-              <a:rPr b="0" lang="en-US" sz="1200" spc="-1" strike="noStrike">
-                <a:solidFill>
-                  <a:srgbClr val="dfdcb7"/>
-                </a:solidFill>
-                <a:uFill>
-                  <a:solidFill>
-                    <a:srgbClr val="ffffff"/>
-                  </a:solidFill>
-                </a:uFill>
-                <a:latin typeface="Calibri"/>
-              </a:rPr>
-              <a:t>5/30/17</a:t>
-            </a:fld>
-            <a:endParaRPr b="0" lang="en-US" sz="1200" spc="-1" strike="noStrike">
-              <a:solidFill>
-                <a:srgbClr val="000000"/>
-              </a:solidFill>
-              <a:uFill>
-                <a:solidFill>
-                  <a:srgbClr val="ffffff"/>
-                </a:solidFill>
-              </a:uFill>
-              <a:latin typeface="Times New Roman"/>
-            </a:endParaRPr>
-          </a:p>
-        </p:txBody>
-      </p:sp>
-      <p:sp>
-        <p:nvSpPr>
-          <p:cNvPr id="48" name="PlaceHolder 6"/>
-          <p:cNvSpPr>
-            <a:spLocks noGrp="1"/>
-          </p:cNvSpPr>
-          <p:nvPr>
-            <p:ph type="ftr"/>
-          </p:nvPr>
-        </p:nvSpPr>
-        <p:spPr>
-          <a:xfrm rot="16200000">
-            <a:off x="7587000" y="4048920"/>
-            <a:ext cx="2367000" cy="365400"/>
-          </a:xfrm>
-          <a:prstGeom prst="rect">
-            <a:avLst/>
-          </a:prstGeom>
-        </p:spPr>
-        <p:txBody>
-          <a:bodyPr anchor="ctr"/>
-          <a:p>
-            <a:endParaRPr b="0" lang="en-US" sz="2400" spc="-1" strike="noStrike">
-              <a:solidFill>
-                <a:srgbClr val="000000"/>
-              </a:solidFill>
-              <a:uFill>
-                <a:solidFill>
-                  <a:srgbClr val="ffffff"/>
-                </a:solidFill>
-              </a:uFill>
-              <a:latin typeface="Times New Roman"/>
-            </a:endParaRPr>
-          </a:p>
-        </p:txBody>
-      </p:sp>
-      <p:sp>
-        <p:nvSpPr>
-          <p:cNvPr id="49" name="PlaceHolder 7"/>
-          <p:cNvSpPr>
-            <a:spLocks noGrp="1"/>
-          </p:cNvSpPr>
-          <p:nvPr>
-            <p:ph type="sldNum"/>
-          </p:nvPr>
-        </p:nvSpPr>
-        <p:spPr>
-          <a:xfrm>
-            <a:off x="8531640" y="5649120"/>
-            <a:ext cx="548280" cy="396000"/>
-          </a:xfrm>
-          <a:prstGeom prst="rect">
-            <a:avLst/>
-          </a:prstGeom>
-        </p:spPr>
-        <p:txBody>
-          <a:bodyPr lIns="0" rIns="0" tIns="0" bIns="0" anchor="ctr"/>
-          <a:p>
-            <a:pPr algn="ctr">
-              <a:lnSpc>
-                <a:spcPct val="100000"/>
-              </a:lnSpc>
-            </a:pPr>
-            <a:fld id="{F7A44154-56BA-4BED-A7C4-4C98366714C7}" type="slidenum">
-              <a:rPr b="0" lang="en-US" sz="1800" spc="-1" strike="noStrike">
-                <a:solidFill>
-                  <a:srgbClr val="ffffff"/>
-                </a:solidFill>
-                <a:uFill>
-                  <a:solidFill>
-                    <a:srgbClr val="ffffff"/>
-                  </a:solidFill>
-                </a:uFill>
-                <a:latin typeface="Calibri"/>
-              </a:rPr>
-              <a:t>&lt;number&gt;</a:t>
-            </a:fld>
-            <a:endParaRPr b="0" lang="en-US" sz="1800" spc="-1" strike="noStrike">
-              <a:solidFill>
-                <a:srgbClr val="000000"/>
-              </a:solidFill>
-              <a:uFill>
-                <a:solidFill>
-                  <a:srgbClr val="ffffff"/>
-                </a:solidFill>
-              </a:uFill>
-              <a:latin typeface="Times New Roman"/>
+              <a:rPr b="0" lang="en-US" sz="2000" spc="-1" strike="noStrike">
+                <a:solidFill>
+                  <a:srgbClr val="000000"/>
+                </a:solidFill>
+                <a:uFill>
+                  <a:solidFill>
+                    <a:srgbClr val="ffffff"/>
+                  </a:solidFill>
+                </a:uFill>
+                <a:latin typeface="Arial"/>
+              </a:rPr>
+              <a:t>Fifth Outline Level</a:t>
+            </a:r>
+            <a:endParaRPr b="0" lang="en-US" sz="2000" spc="-1" strike="noStrike">
+              <a:solidFill>
+                <a:srgbClr val="000000"/>
+              </a:solidFill>
+              <a:uFill>
+                <a:solidFill>
+                  <a:srgbClr val="ffffff"/>
+                </a:solidFill>
+              </a:uFill>
+              <a:latin typeface="Arial"/>
+            </a:endParaRPr>
+          </a:p>
+          <a:p>
+            <a:pPr lvl="5" marL="2592000" indent="-216000">
+              <a:spcBef>
+                <a:spcPts val="283"/>
+              </a:spcBef>
+              <a:buClr>
+                <a:srgbClr val="000000"/>
+              </a:buClr>
+              <a:buSzPct val="45000"/>
+              <a:buFont typeface="Wingdings" charset="2"/>
+              <a:buChar char=""/>
+            </a:pPr>
+            <a:r>
+              <a:rPr b="0" lang="en-US" sz="2000" spc="-1" strike="noStrike">
+                <a:solidFill>
+                  <a:srgbClr val="000000"/>
+                </a:solidFill>
+                <a:uFill>
+                  <a:solidFill>
+                    <a:srgbClr val="ffffff"/>
+                  </a:solidFill>
+                </a:uFill>
+                <a:latin typeface="Arial"/>
+              </a:rPr>
+              <a:t>Sixth Outline Level</a:t>
+            </a:r>
+            <a:endParaRPr b="0" lang="en-US" sz="2000" spc="-1" strike="noStrike">
+              <a:solidFill>
+                <a:srgbClr val="000000"/>
+              </a:solidFill>
+              <a:uFill>
+                <a:solidFill>
+                  <a:srgbClr val="ffffff"/>
+                </a:solidFill>
+              </a:uFill>
+              <a:latin typeface="Arial"/>
+            </a:endParaRPr>
+          </a:p>
+          <a:p>
+            <a:pPr lvl="6" marL="3024000" indent="-216000">
+              <a:spcBef>
+                <a:spcPts val="283"/>
+              </a:spcBef>
+              <a:buClr>
+                <a:srgbClr val="000000"/>
+              </a:buClr>
+              <a:buSzPct val="45000"/>
+              <a:buFont typeface="Wingdings" charset="2"/>
+              <a:buChar char=""/>
+            </a:pPr>
+            <a:r>
+              <a:rPr b="0" lang="en-US" sz="2000" spc="-1" strike="noStrike">
+                <a:solidFill>
+                  <a:srgbClr val="000000"/>
+                </a:solidFill>
+                <a:uFill>
+                  <a:solidFill>
+                    <a:srgbClr val="ffffff"/>
+                  </a:solidFill>
+                </a:uFill>
+                <a:latin typeface="Arial"/>
+              </a:rPr>
+              <a:t>Seventh Outline Level</a:t>
+            </a:r>
+            <a:endParaRPr b="0" lang="en-US" sz="2000" spc="-1" strike="noStrike">
+              <a:solidFill>
+                <a:srgbClr val="000000"/>
+              </a:solidFill>
+              <a:uFill>
+                <a:solidFill>
+                  <a:srgbClr val="ffffff"/>
+                </a:solidFill>
+              </a:uFill>
+              <a:latin typeface="Arial"/>
             </a:endParaRPr>
           </a:p>
         </p:txBody>
@@ -4368,14 +4150,14 @@
       </p:grpSpPr>
       <p:sp>
         <p:nvSpPr>
-          <p:cNvPr id="86" name="TextShape 1"/>
-          <p:cNvSpPr txBox="1"/>
+          <p:cNvPr id="80" name="CustomShape 1"/>
+          <p:cNvSpPr/>
           <p:nvPr/>
         </p:nvSpPr>
         <p:spPr>
           <a:xfrm>
             <a:off x="683640" y="1556640"/>
-            <a:ext cx="7772040" cy="1469520"/>
+            <a:ext cx="7771680" cy="1469160"/>
           </a:xfrm>
           <a:prstGeom prst="rect">
             <a:avLst/>
@@ -4385,8 +4167,14 @@
             <a:noFill/>
           </a:ln>
         </p:spPr>
-        <p:txBody>
-          <a:bodyPr anchor="b">
+        <p:style>
+          <a:lnRef idx="0"/>
+          <a:fillRef idx="0"/>
+          <a:effectRef idx="0"/>
+          <a:fontRef idx="minor"/>
+        </p:style>
+        <p:txBody>
+          <a:bodyPr lIns="90000" rIns="90000" tIns="45000" bIns="45000" anchor="b">
             <a:normAutofit/>
           </a:bodyPr>
           <a:p>
@@ -4396,7 +4184,7 @@
               </a:lnSpc>
             </a:pPr>
             <a:r>
-              <a:rPr b="0" lang="pt-BR" sz="6600" spc="-97" strike="noStrike">
+              <a:rPr b="0" lang="en-US" sz="6600" spc="-94" strike="noStrike">
                 <a:solidFill>
                   <a:srgbClr val="675e47"/>
                 </a:solidFill>
@@ -4411,7 +4199,7 @@
             </a:r>
             <a:br/>
             <a:r>
-              <a:rPr b="0" lang="pt-BR" sz="6600" spc="-97" strike="noStrike">
+              <a:rPr b="0" lang="en-US" sz="6600" spc="-94" strike="noStrike">
                 <a:solidFill>
                   <a:srgbClr val="675e47"/>
                 </a:solidFill>
@@ -4424,30 +4212,30 @@
               </a:rPr>
               <a:t>Luciene Cristina</a:t>
             </a:r>
-            <a:endParaRPr b="0" lang="pt-BR" sz="6600" spc="-1" strike="noStrike">
-              <a:solidFill>
-                <a:srgbClr val="2f2b20"/>
-              </a:solidFill>
-              <a:uFill>
-                <a:solidFill>
-                  <a:srgbClr val="ffffff"/>
-                </a:solidFill>
-              </a:uFill>
-              <a:latin typeface="Calibri"/>
-            </a:endParaRPr>
-          </a:p>
-        </p:txBody>
-      </p:sp>
-      <p:sp>
-        <p:nvSpPr>
-          <p:cNvPr id="87" name="TextShape 2"/>
-          <p:cNvSpPr txBox="1"/>
+            <a:endParaRPr b="0" lang="en-US" sz="6600" spc="-1" strike="noStrike">
+              <a:solidFill>
+                <a:srgbClr val="000000"/>
+              </a:solidFill>
+              <a:uFill>
+                <a:solidFill>
+                  <a:srgbClr val="ffffff"/>
+                </a:solidFill>
+              </a:uFill>
+              <a:latin typeface="Arial"/>
+            </a:endParaRPr>
+          </a:p>
+        </p:txBody>
+      </p:sp>
+      <p:sp>
+        <p:nvSpPr>
+          <p:cNvPr id="81" name="CustomShape 2"/>
+          <p:cNvSpPr/>
           <p:nvPr/>
         </p:nvSpPr>
         <p:spPr>
           <a:xfrm>
             <a:off x="1403640" y="3429000"/>
-            <a:ext cx="6400440" cy="1752120"/>
+            <a:ext cx="6400080" cy="1751760"/>
           </a:xfrm>
           <a:prstGeom prst="rect">
             <a:avLst/>
@@ -4457,8 +4245,14 @@
             <a:noFill/>
           </a:ln>
         </p:spPr>
-        <p:txBody>
-          <a:bodyPr>
+        <p:style>
+          <a:lnRef idx="0"/>
+          <a:fillRef idx="0"/>
+          <a:effectRef idx="0"/>
+          <a:fontRef idx="minor"/>
+        </p:style>
+        <p:txBody>
+          <a:bodyPr lIns="90000" rIns="90000" tIns="45000" bIns="45000">
             <a:normAutofit/>
           </a:bodyPr>
           <a:p>
@@ -4549,6 +4343,33 @@
       </p:sp>
     </p:spTree>
   </p:cSld>
+  <p:timing>
+    <p:tnLst>
+      <p:par>
+        <p:cTn id="1" dur="indefinite" restart="never" nodeType="tmRoot">
+          <p:childTnLst>
+            <p:seq>
+              <p:cTn id="2" nodeType="mainSeq"/>
+              <p:prevCondLst>
+                <p:cond delay="0" evt="onPrev">
+                  <p:tgtEl>
+                    <p:sldTgt/>
+                  </p:tgtEl>
+                </p:cond>
+              </p:prevCondLst>
+              <p:nextCondLst>
+                <p:cond delay="0" evt="onNext">
+                  <p:tgtEl>
+                    <p:sldTgt/>
+                  </p:tgtEl>
+                </p:cond>
+              </p:nextCondLst>
+            </p:seq>
+          </p:childTnLst>
+        </p:cTn>
+      </p:par>
+    </p:tnLst>
+  </p:timing>
 </p:sld>
 </file>
 
@@ -4571,14 +4392,14 @@
       </p:grpSpPr>
       <p:sp>
         <p:nvSpPr>
-          <p:cNvPr id="104" name="TextShape 1"/>
-          <p:cNvSpPr txBox="1"/>
+          <p:cNvPr id="98" name="CustomShape 1"/>
+          <p:cNvSpPr/>
           <p:nvPr/>
         </p:nvSpPr>
         <p:spPr>
           <a:xfrm>
             <a:off x="467640" y="476640"/>
-            <a:ext cx="8229240" cy="4525560"/>
+            <a:ext cx="8228880" cy="4525200"/>
           </a:xfrm>
           <a:prstGeom prst="rect">
             <a:avLst/>
@@ -4588,8 +4409,14 @@
             <a:noFill/>
           </a:ln>
         </p:spPr>
-        <p:txBody>
-          <a:bodyPr>
+        <p:style>
+          <a:lnRef idx="0"/>
+          <a:fillRef idx="0"/>
+          <a:effectRef idx="0"/>
+          <a:fontRef idx="minor"/>
+        </p:style>
+        <p:txBody>
+          <a:bodyPr lIns="90000" rIns="90000" tIns="45000" bIns="45000">
             <a:normAutofit/>
           </a:bodyPr>
           <a:p>
@@ -4602,7 +4429,7 @@
               </a:spcBef>
             </a:pPr>
             <a:r>
-              <a:rPr b="0" lang="pt-BR" sz="2200" spc="-1" strike="noStrike">
+              <a:rPr b="0" lang="en-US" sz="2200" spc="-1" strike="noStrike">
                 <a:solidFill>
                   <a:srgbClr val="2f2b20"/>
                 </a:solidFill>
@@ -4616,7 +4443,7 @@
               <a:t>                                   </a:t>
             </a:r>
             <a:r>
-              <a:rPr b="0" lang="pt-BR" sz="2200" spc="-1" strike="noStrike">
+              <a:rPr b="0" lang="en-US" sz="2200" spc="-1" strike="noStrike">
                 <a:solidFill>
                   <a:srgbClr val="2f2b20"/>
                 </a:solidFill>
@@ -4629,16 +4456,16 @@
               </a:rPr>
               <a:t>Após a operação, temos:</a:t>
             </a:r>
-            <a:endParaRPr b="0" lang="pt-BR" sz="2200" spc="-1" strike="noStrike">
-              <a:solidFill>
-                <a:srgbClr val="2f2b20"/>
-              </a:solidFill>
-              <a:uFill>
-                <a:solidFill>
-                  <a:srgbClr val="ffffff"/>
-                </a:solidFill>
-              </a:uFill>
-              <a:latin typeface="Calibri"/>
+            <a:endParaRPr b="0" lang="en-US" sz="2200" spc="-1" strike="noStrike">
+              <a:solidFill>
+                <a:srgbClr val="000000"/>
+              </a:solidFill>
+              <a:uFill>
+                <a:solidFill>
+                  <a:srgbClr val="ffffff"/>
+                </a:solidFill>
+              </a:uFill>
+              <a:latin typeface="Arial"/>
             </a:endParaRPr>
           </a:p>
           <a:p>
@@ -4651,7 +4478,7 @@
               </a:spcBef>
             </a:pPr>
             <a:r>
-              <a:rPr b="0" lang="pt-BR" sz="2200" spc="-1" strike="noStrike">
+              <a:rPr b="0" lang="en-US" sz="2200" spc="-1" strike="noStrike">
                 <a:solidFill>
                   <a:srgbClr val="2f2b20"/>
                 </a:solidFill>
@@ -4665,7 +4492,7 @@
               <a:t>Tamanho do Vetor = </a:t>
             </a:r>
             <a:r>
-              <a:rPr b="0" lang="pt-BR" sz="2200" spc="-1" strike="noStrike">
+              <a:rPr b="0" lang="en-US" sz="2200" spc="-1" strike="noStrike">
                 <a:solidFill>
                   <a:srgbClr val="ff0000"/>
                 </a:solidFill>
@@ -4678,16 +4505,16 @@
               </a:rPr>
               <a:t>14   </a:t>
             </a:r>
-            <a:endParaRPr b="0" lang="pt-BR" sz="2200" spc="-1" strike="noStrike">
-              <a:solidFill>
-                <a:srgbClr val="2f2b20"/>
-              </a:solidFill>
-              <a:uFill>
-                <a:solidFill>
-                  <a:srgbClr val="ffffff"/>
-                </a:solidFill>
-              </a:uFill>
-              <a:latin typeface="Calibri"/>
+            <a:endParaRPr b="0" lang="en-US" sz="2200" spc="-1" strike="noStrike">
+              <a:solidFill>
+                <a:srgbClr val="000000"/>
+              </a:solidFill>
+              <a:uFill>
+                <a:solidFill>
+                  <a:srgbClr val="ffffff"/>
+                </a:solidFill>
+              </a:uFill>
+              <a:latin typeface="Arial"/>
             </a:endParaRPr>
           </a:p>
           <a:p>
@@ -4700,7 +4527,7 @@
               </a:spcBef>
             </a:pPr>
             <a:r>
-              <a:rPr b="0" lang="pt-BR" sz="2200" spc="-1" strike="noStrike">
+              <a:rPr b="0" lang="en-US" sz="2200" spc="-1" strike="noStrike">
                 <a:solidFill>
                   <a:srgbClr val="2f2b20"/>
                 </a:solidFill>
@@ -4714,7 +4541,7 @@
               <a:t>Quantidade de Baldes = </a:t>
             </a:r>
             <a:r>
-              <a:rPr b="0" lang="pt-BR" sz="2200" spc="-1" strike="noStrike">
+              <a:rPr b="0" lang="en-US" sz="2200" spc="-1" strike="noStrike">
                 <a:solidFill>
                   <a:srgbClr val="ff0000"/>
                 </a:solidFill>
@@ -4727,16 +4554,16 @@
               </a:rPr>
               <a:t>11 Baldes</a:t>
             </a:r>
-            <a:endParaRPr b="0" lang="pt-BR" sz="2200" spc="-1" strike="noStrike">
-              <a:solidFill>
-                <a:srgbClr val="2f2b20"/>
-              </a:solidFill>
-              <a:uFill>
-                <a:solidFill>
-                  <a:srgbClr val="ffffff"/>
-                </a:solidFill>
-              </a:uFill>
-              <a:latin typeface="Calibri"/>
+            <a:endParaRPr b="0" lang="en-US" sz="2200" spc="-1" strike="noStrike">
+              <a:solidFill>
+                <a:srgbClr val="000000"/>
+              </a:solidFill>
+              <a:uFill>
+                <a:solidFill>
+                  <a:srgbClr val="ffffff"/>
+                </a:solidFill>
+              </a:uFill>
+              <a:latin typeface="Arial"/>
             </a:endParaRPr>
           </a:p>
           <a:p>
@@ -4749,7 +4576,7 @@
               </a:spcBef>
             </a:pPr>
             <a:r>
-              <a:rPr b="0" lang="pt-BR" sz="2200" spc="-1" strike="noStrike">
+              <a:rPr b="0" lang="en-US" sz="2200" spc="-1" strike="noStrike">
                 <a:solidFill>
                   <a:srgbClr val="2f2b20"/>
                 </a:solidFill>
@@ -4763,7 +4590,7 @@
               <a:t>Tamanho de cada Balde = </a:t>
             </a:r>
             <a:r>
-              <a:rPr b="0" lang="pt-BR" sz="2200" spc="-1" strike="noStrike">
+              <a:rPr b="0" lang="en-US" sz="2200" spc="-1" strike="noStrike">
                 <a:solidFill>
                   <a:srgbClr val="ff0000"/>
                 </a:solidFill>
@@ -4776,20 +4603,20 @@
               </a:rPr>
               <a:t>2</a:t>
             </a:r>
-            <a:endParaRPr b="0" lang="pt-BR" sz="2200" spc="-1" strike="noStrike">
-              <a:solidFill>
-                <a:srgbClr val="2f2b20"/>
-              </a:solidFill>
-              <a:uFill>
-                <a:solidFill>
-                  <a:srgbClr val="ffffff"/>
-                </a:solidFill>
-              </a:uFill>
-              <a:latin typeface="Calibri"/>
-            </a:endParaRPr>
-          </a:p>
-          <a:p>
-            <a:pPr>
+            <a:endParaRPr b="0" lang="en-US" sz="2200" spc="-1" strike="noStrike">
+              <a:solidFill>
+                <a:srgbClr val="000000"/>
+              </a:solidFill>
+              <a:uFill>
+                <a:solidFill>
+                  <a:srgbClr val="ffffff"/>
+                </a:solidFill>
+              </a:uFill>
+              <a:latin typeface="Arial"/>
+            </a:endParaRPr>
+          </a:p>
+          <a:p>
+            <a:pPr marL="114480">
               <a:lnSpc>
                 <a:spcPct val="100000"/>
               </a:lnSpc>
@@ -4797,20 +4624,20 @@
                 <a:spcPts val="439"/>
               </a:spcBef>
             </a:pPr>
-            <a:endParaRPr b="0" lang="pt-BR" sz="2200" spc="-1" strike="noStrike">
-              <a:solidFill>
-                <a:srgbClr val="2f2b20"/>
-              </a:solidFill>
-              <a:uFill>
-                <a:solidFill>
-                  <a:srgbClr val="ffffff"/>
-                </a:solidFill>
-              </a:uFill>
-              <a:latin typeface="Calibri"/>
-            </a:endParaRPr>
-          </a:p>
-          <a:p>
-            <a:pPr marL="343080" indent="-228240">
+            <a:endParaRPr b="0" lang="en-US" sz="2200" spc="-1" strike="noStrike">
+              <a:solidFill>
+                <a:srgbClr val="000000"/>
+              </a:solidFill>
+              <a:uFill>
+                <a:solidFill>
+                  <a:srgbClr val="ffffff"/>
+                </a:solidFill>
+              </a:uFill>
+              <a:latin typeface="Arial"/>
+            </a:endParaRPr>
+          </a:p>
+          <a:p>
+            <a:pPr marL="343080" indent="-227880">
               <a:lnSpc>
                 <a:spcPct val="100000"/>
               </a:lnSpc>
@@ -4824,7 +4651,7 @@
               <a:buChar char="•"/>
             </a:pPr>
             <a:r>
-              <a:rPr b="0" lang="pt-BR" sz="2200" spc="-1" strike="noStrike">
+              <a:rPr b="0" lang="en-US" sz="2200" spc="-1" strike="noStrike">
                 <a:solidFill>
                   <a:srgbClr val="2f2b20"/>
                 </a:solidFill>
@@ -4837,16 +4664,16 @@
               </a:rPr>
               <a:t>Por ultimo,  para descobrir a posição correta do valor no Balde temos:    </a:t>
             </a:r>
-            <a:endParaRPr b="0" lang="pt-BR" sz="2200" spc="-1" strike="noStrike">
-              <a:solidFill>
-                <a:srgbClr val="2f2b20"/>
-              </a:solidFill>
-              <a:uFill>
-                <a:solidFill>
-                  <a:srgbClr val="ffffff"/>
-                </a:solidFill>
-              </a:uFill>
-              <a:latin typeface="Calibri"/>
+            <a:endParaRPr b="0" lang="en-US" sz="2200" spc="-1" strike="noStrike">
+              <a:solidFill>
+                <a:srgbClr val="000000"/>
+              </a:solidFill>
+              <a:uFill>
+                <a:solidFill>
+                  <a:srgbClr val="ffffff"/>
+                </a:solidFill>
+              </a:uFill>
+              <a:latin typeface="Arial"/>
             </a:endParaRPr>
           </a:p>
           <a:p>
@@ -4859,7 +4686,7 @@
               </a:spcBef>
             </a:pPr>
             <a:r>
-              <a:rPr b="0" lang="pt-BR" sz="2200" spc="-1" strike="noStrike">
+              <a:rPr b="0" lang="en-US" sz="2200" spc="-1" strike="noStrike">
                 <a:solidFill>
                   <a:srgbClr val="2f2b20"/>
                 </a:solidFill>
@@ -4873,7 +4700,7 @@
               <a:t>    </a:t>
             </a:r>
             <a:r>
-              <a:rPr b="0" lang="pt-BR" sz="2200" spc="-1" strike="noStrike">
+              <a:rPr b="0" lang="en-US" sz="2200" spc="-1" strike="noStrike">
                 <a:solidFill>
                   <a:srgbClr val="2f2b20"/>
                 </a:solidFill>
@@ -4886,16 +4713,16 @@
               </a:rPr>
               <a:t>o valor a entrar, dividido pelo tamanho de cada balde. </a:t>
             </a:r>
-            <a:endParaRPr b="0" lang="pt-BR" sz="2200" spc="-1" strike="noStrike">
-              <a:solidFill>
-                <a:srgbClr val="2f2b20"/>
-              </a:solidFill>
-              <a:uFill>
-                <a:solidFill>
-                  <a:srgbClr val="ffffff"/>
-                </a:solidFill>
-              </a:uFill>
-              <a:latin typeface="Calibri"/>
+            <a:endParaRPr b="0" lang="en-US" sz="2200" spc="-1" strike="noStrike">
+              <a:solidFill>
+                <a:srgbClr val="000000"/>
+              </a:solidFill>
+              <a:uFill>
+                <a:solidFill>
+                  <a:srgbClr val="ffffff"/>
+                </a:solidFill>
+              </a:uFill>
+              <a:latin typeface="Arial"/>
             </a:endParaRPr>
           </a:p>
           <a:p>
@@ -4908,7 +4735,7 @@
               </a:spcBef>
             </a:pPr>
             <a:r>
-              <a:rPr b="0" lang="pt-BR" sz="2200" spc="-1" strike="noStrike">
+              <a:rPr b="0" lang="en-US" sz="2200" spc="-1" strike="noStrike">
                 <a:solidFill>
                   <a:srgbClr val="2f2b20"/>
                 </a:solidFill>
@@ -4922,7 +4749,7 @@
               <a:t>   </a:t>
             </a:r>
             <a:r>
-              <a:rPr b="0" lang="pt-BR" sz="2200" spc="-1" strike="noStrike">
+              <a:rPr b="0" lang="en-US" sz="2200" spc="-1" strike="noStrike">
                 <a:solidFill>
                   <a:srgbClr val="2f2b20"/>
                 </a:solidFill>
@@ -4935,16 +4762,16 @@
               </a:rPr>
               <a:t>peguemos o numero  5 do vetor anterior como exemplo:</a:t>
             </a:r>
-            <a:endParaRPr b="0" lang="pt-BR" sz="2200" spc="-1" strike="noStrike">
-              <a:solidFill>
-                <a:srgbClr val="2f2b20"/>
-              </a:solidFill>
-              <a:uFill>
-                <a:solidFill>
-                  <a:srgbClr val="ffffff"/>
-                </a:solidFill>
-              </a:uFill>
-              <a:latin typeface="Calibri"/>
+            <a:endParaRPr b="0" lang="en-US" sz="2200" spc="-1" strike="noStrike">
+              <a:solidFill>
+                <a:srgbClr val="000000"/>
+              </a:solidFill>
+              <a:uFill>
+                <a:solidFill>
+                  <a:srgbClr val="ffffff"/>
+                </a:solidFill>
+              </a:uFill>
+              <a:latin typeface="Arial"/>
             </a:endParaRPr>
           </a:p>
           <a:p>
@@ -4956,16 +4783,16 @@
                 <a:spcPts val="439"/>
               </a:spcBef>
             </a:pPr>
-            <a:endParaRPr b="0" lang="pt-BR" sz="2200" spc="-1" strike="noStrike">
-              <a:solidFill>
-                <a:srgbClr val="2f2b20"/>
-              </a:solidFill>
-              <a:uFill>
-                <a:solidFill>
-                  <a:srgbClr val="ffffff"/>
-                </a:solidFill>
-              </a:uFill>
-              <a:latin typeface="Calibri"/>
+            <a:endParaRPr b="0" lang="en-US" sz="2200" spc="-1" strike="noStrike">
+              <a:solidFill>
+                <a:srgbClr val="000000"/>
+              </a:solidFill>
+              <a:uFill>
+                <a:solidFill>
+                  <a:srgbClr val="ffffff"/>
+                </a:solidFill>
+              </a:uFill>
+              <a:latin typeface="Arial"/>
             </a:endParaRPr>
           </a:p>
           <a:p>
@@ -4977,16 +4804,16 @@
                 <a:spcPts val="439"/>
               </a:spcBef>
             </a:pPr>
-            <a:endParaRPr b="0" lang="pt-BR" sz="2200" spc="-1" strike="noStrike">
-              <a:solidFill>
-                <a:srgbClr val="2f2b20"/>
-              </a:solidFill>
-              <a:uFill>
-                <a:solidFill>
-                  <a:srgbClr val="ffffff"/>
-                </a:solidFill>
-              </a:uFill>
-              <a:latin typeface="Calibri"/>
+            <a:endParaRPr b="0" lang="en-US" sz="2200" spc="-1" strike="noStrike">
+              <a:solidFill>
+                <a:srgbClr val="000000"/>
+              </a:solidFill>
+              <a:uFill>
+                <a:solidFill>
+                  <a:srgbClr val="ffffff"/>
+                </a:solidFill>
+              </a:uFill>
+              <a:latin typeface="Arial"/>
             </a:endParaRPr>
           </a:p>
           <a:p>
@@ -4999,7 +4826,7 @@
               </a:spcBef>
             </a:pPr>
             <a:r>
-              <a:rPr b="0" lang="pt-BR" sz="2200" spc="-1" strike="noStrike">
+              <a:rPr b="0" lang="en-US" sz="2200" spc="-1" strike="noStrike">
                 <a:solidFill>
                   <a:srgbClr val="2f2b20"/>
                 </a:solidFill>
@@ -5012,16 +4839,16 @@
               </a:rPr>
               <a:t>Em qual balde ele estará?</a:t>
             </a:r>
-            <a:endParaRPr b="0" lang="pt-BR" sz="2200" spc="-1" strike="noStrike">
-              <a:solidFill>
-                <a:srgbClr val="2f2b20"/>
-              </a:solidFill>
-              <a:uFill>
-                <a:solidFill>
-                  <a:srgbClr val="ffffff"/>
-                </a:solidFill>
-              </a:uFill>
-              <a:latin typeface="Calibri"/>
+            <a:endParaRPr b="0" lang="en-US" sz="2200" spc="-1" strike="noStrike">
+              <a:solidFill>
+                <a:srgbClr val="000000"/>
+              </a:solidFill>
+              <a:uFill>
+                <a:solidFill>
+                  <a:srgbClr val="ffffff"/>
+                </a:solidFill>
+              </a:uFill>
+              <a:latin typeface="Arial"/>
             </a:endParaRPr>
           </a:p>
           <a:p>
@@ -5034,7 +4861,7 @@
               </a:spcBef>
             </a:pPr>
             <a:r>
-              <a:rPr b="0" lang="pt-BR" sz="2200" spc="-1" strike="noStrike">
+              <a:rPr b="0" lang="en-US" sz="2200" spc="-1" strike="noStrike">
                 <a:solidFill>
                   <a:srgbClr val="2f2b20"/>
                 </a:solidFill>
@@ -5048,7 +4875,7 @@
               <a:t>Teremos 5 dividido por 2, arredondando(se necessário) </a:t>
             </a:r>
             <a:r>
-              <a:rPr b="0" lang="pt-BR" sz="2200" spc="-1" strike="noStrike">
+              <a:rPr b="0" lang="en-US" sz="2200" spc="-1" strike="noStrike">
                 <a:solidFill>
                   <a:srgbClr val="ff0000"/>
                 </a:solidFill>
@@ -5062,7 +4889,7 @@
               <a:t>3</a:t>
             </a:r>
             <a:r>
-              <a:rPr b="0" lang="pt-BR" sz="2200" spc="-1" strike="noStrike">
+              <a:rPr b="0" lang="en-US" sz="2200" spc="-1" strike="noStrike">
                 <a:solidFill>
                   <a:srgbClr val="2f2b20"/>
                 </a:solidFill>
@@ -5075,16 +4902,16 @@
               </a:rPr>
               <a:t> Ou seja, o valor 5 </a:t>
             </a:r>
-            <a:endParaRPr b="0" lang="pt-BR" sz="2200" spc="-1" strike="noStrike">
-              <a:solidFill>
-                <a:srgbClr val="2f2b20"/>
-              </a:solidFill>
-              <a:uFill>
-                <a:solidFill>
-                  <a:srgbClr val="ffffff"/>
-                </a:solidFill>
-              </a:uFill>
-              <a:latin typeface="Calibri"/>
+            <a:endParaRPr b="0" lang="en-US" sz="2200" spc="-1" strike="noStrike">
+              <a:solidFill>
+                <a:srgbClr val="000000"/>
+              </a:solidFill>
+              <a:uFill>
+                <a:solidFill>
+                  <a:srgbClr val="ffffff"/>
+                </a:solidFill>
+              </a:uFill>
+              <a:latin typeface="Arial"/>
             </a:endParaRPr>
           </a:p>
           <a:p>
@@ -5097,7 +4924,7 @@
               </a:spcBef>
             </a:pPr>
             <a:r>
-              <a:rPr b="0" lang="pt-BR" sz="2200" spc="-1" strike="noStrike">
+              <a:rPr b="0" lang="en-US" sz="2200" spc="-1" strike="noStrike">
                 <a:solidFill>
                   <a:srgbClr val="2f2b20"/>
                 </a:solidFill>
@@ -5111,7 +4938,7 @@
               <a:t>ficará no balde</a:t>
             </a:r>
             <a:r>
-              <a:rPr b="0" lang="pt-BR" sz="2200" spc="-1" strike="noStrike">
+              <a:rPr b="0" lang="en-US" sz="2200" spc="-1" strike="noStrike">
                 <a:solidFill>
                   <a:srgbClr val="ff0000"/>
                 </a:solidFill>
@@ -5125,7 +4952,7 @@
               <a:t> 3</a:t>
             </a:r>
             <a:r>
-              <a:rPr b="0" lang="pt-BR" sz="2200" spc="-1" strike="noStrike">
+              <a:rPr b="0" lang="en-US" sz="2200" spc="-1" strike="noStrike">
                 <a:solidFill>
                   <a:srgbClr val="2f2b20"/>
                 </a:solidFill>
@@ -5138,16 +4965,16 @@
               </a:rPr>
               <a:t>. </a:t>
             </a:r>
-            <a:endParaRPr b="0" lang="pt-BR" sz="2200" spc="-1" strike="noStrike">
-              <a:solidFill>
-                <a:srgbClr val="2f2b20"/>
-              </a:solidFill>
-              <a:uFill>
-                <a:solidFill>
-                  <a:srgbClr val="ffffff"/>
-                </a:solidFill>
-              </a:uFill>
-              <a:latin typeface="Calibri"/>
+            <a:endParaRPr b="0" lang="en-US" sz="2200" spc="-1" strike="noStrike">
+              <a:solidFill>
+                <a:srgbClr val="000000"/>
+              </a:solidFill>
+              <a:uFill>
+                <a:solidFill>
+                  <a:srgbClr val="ffffff"/>
+                </a:solidFill>
+              </a:uFill>
+              <a:latin typeface="Arial"/>
             </a:endParaRPr>
           </a:p>
           <a:p>
@@ -5159,16 +4986,16 @@
                 <a:spcPts val="439"/>
               </a:spcBef>
             </a:pPr>
-            <a:endParaRPr b="0" lang="pt-BR" sz="2200" spc="-1" strike="noStrike">
-              <a:solidFill>
-                <a:srgbClr val="2f2b20"/>
-              </a:solidFill>
-              <a:uFill>
-                <a:solidFill>
-                  <a:srgbClr val="ffffff"/>
-                </a:solidFill>
-              </a:uFill>
-              <a:latin typeface="Calibri"/>
+            <a:endParaRPr b="0" lang="en-US" sz="2200" spc="-1" strike="noStrike">
+              <a:solidFill>
+                <a:srgbClr val="000000"/>
+              </a:solidFill>
+              <a:uFill>
+                <a:solidFill>
+                  <a:srgbClr val="ffffff"/>
+                </a:solidFill>
+              </a:uFill>
+              <a:latin typeface="Arial"/>
             </a:endParaRPr>
           </a:p>
           <a:p>
@@ -5181,7 +5008,7 @@
               </a:spcBef>
             </a:pPr>
             <a:r>
-              <a:rPr b="0" lang="pt-BR" sz="2200" spc="-1" strike="noStrike">
+              <a:rPr b="0" lang="en-US" sz="2200" spc="-1" strike="noStrike">
                 <a:solidFill>
                   <a:srgbClr val="2f2b20"/>
                 </a:solidFill>
@@ -5195,7 +5022,7 @@
               <a:t>                      </a:t>
             </a:r>
             <a:r>
-              <a:rPr b="0" lang="pt-BR" sz="2200" spc="-1" strike="noStrike">
+              <a:rPr b="0" lang="en-US" sz="2200" spc="-1" strike="noStrike">
                 <a:solidFill>
                   <a:srgbClr val="2f2b20"/>
                 </a:solidFill>
@@ -5208,20 +5035,20 @@
               </a:rPr>
               <a:t>B3</a:t>
             </a:r>
-            <a:endParaRPr b="0" lang="pt-BR" sz="2200" spc="-1" strike="noStrike">
-              <a:solidFill>
-                <a:srgbClr val="2f2b20"/>
-              </a:solidFill>
-              <a:uFill>
-                <a:solidFill>
-                  <a:srgbClr val="ffffff"/>
-                </a:solidFill>
-              </a:uFill>
-              <a:latin typeface="Calibri"/>
-            </a:endParaRPr>
-          </a:p>
-          <a:p>
-            <a:pPr>
+            <a:endParaRPr b="0" lang="en-US" sz="2200" spc="-1" strike="noStrike">
+              <a:solidFill>
+                <a:srgbClr val="000000"/>
+              </a:solidFill>
+              <a:uFill>
+                <a:solidFill>
+                  <a:srgbClr val="ffffff"/>
+                </a:solidFill>
+              </a:uFill>
+              <a:latin typeface="Arial"/>
+            </a:endParaRPr>
+          </a:p>
+          <a:p>
+            <a:pPr marL="114480">
               <a:lnSpc>
                 <a:spcPct val="100000"/>
               </a:lnSpc>
@@ -5229,20 +5056,20 @@
                 <a:spcPts val="439"/>
               </a:spcBef>
             </a:pPr>
-            <a:endParaRPr b="0" lang="pt-BR" sz="2200" spc="-1" strike="noStrike">
-              <a:solidFill>
-                <a:srgbClr val="2f2b20"/>
-              </a:solidFill>
-              <a:uFill>
-                <a:solidFill>
-                  <a:srgbClr val="ffffff"/>
-                </a:solidFill>
-              </a:uFill>
-              <a:latin typeface="Calibri"/>
-            </a:endParaRPr>
-          </a:p>
-          <a:p>
-            <a:pPr>
+            <a:endParaRPr b="0" lang="en-US" sz="2200" spc="-1" strike="noStrike">
+              <a:solidFill>
+                <a:srgbClr val="000000"/>
+              </a:solidFill>
+              <a:uFill>
+                <a:solidFill>
+                  <a:srgbClr val="ffffff"/>
+                </a:solidFill>
+              </a:uFill>
+              <a:latin typeface="Arial"/>
+            </a:endParaRPr>
+          </a:p>
+          <a:p>
+            <a:pPr marL="114480">
               <a:lnSpc>
                 <a:spcPct val="100000"/>
               </a:lnSpc>
@@ -5250,30 +5077,30 @@
                 <a:spcPts val="439"/>
               </a:spcBef>
             </a:pPr>
-            <a:endParaRPr b="0" lang="pt-BR" sz="2200" spc="-1" strike="noStrike">
-              <a:solidFill>
-                <a:srgbClr val="2f2b20"/>
-              </a:solidFill>
-              <a:uFill>
-                <a:solidFill>
-                  <a:srgbClr val="ffffff"/>
-                </a:solidFill>
-              </a:uFill>
-              <a:latin typeface="Calibri"/>
-            </a:endParaRPr>
-          </a:p>
-        </p:txBody>
-      </p:sp>
-      <p:sp>
-        <p:nvSpPr>
-          <p:cNvPr id="105" name="CustomShape 2"/>
+            <a:endParaRPr b="0" lang="en-US" sz="2200" spc="-1" strike="noStrike">
+              <a:solidFill>
+                <a:srgbClr val="000000"/>
+              </a:solidFill>
+              <a:uFill>
+                <a:solidFill>
+                  <a:srgbClr val="ffffff"/>
+                </a:solidFill>
+              </a:uFill>
+              <a:latin typeface="Arial"/>
+            </a:endParaRPr>
+          </a:p>
+        </p:txBody>
+      </p:sp>
+      <p:sp>
+        <p:nvSpPr>
+          <p:cNvPr id="99" name="CustomShape 2"/>
           <p:cNvSpPr/>
           <p:nvPr/>
         </p:nvSpPr>
         <p:spPr>
           <a:xfrm>
             <a:off x="640440" y="2984040"/>
-            <a:ext cx="6800040" cy="359640"/>
+            <a:ext cx="6799680" cy="359280"/>
           </a:xfrm>
           <a:prstGeom prst="round1Rect">
             <a:avLst>
@@ -5315,6 +5142,7 @@
                   </a:solidFill>
                 </a:uFill>
                 <a:latin typeface="Calibri"/>
+                <a:ea typeface="DejaVu Sans"/>
               </a:rPr>
               <a:t>5     20     17    8     1    11     9   22    13    4    12   10    6     21</a:t>
             </a:r>
@@ -5334,14 +5162,14 @@
       </p:sp>
       <p:sp>
         <p:nvSpPr>
-          <p:cNvPr id="106" name="CustomShape 3"/>
+          <p:cNvPr id="100" name="CustomShape 3"/>
           <p:cNvSpPr/>
           <p:nvPr/>
         </p:nvSpPr>
         <p:spPr>
           <a:xfrm>
             <a:off x="1296720" y="4797000"/>
-            <a:ext cx="1367640" cy="935640"/>
+            <a:ext cx="1367280" cy="935280"/>
           </a:xfrm>
           <a:prstGeom prst="round1Rect">
             <a:avLst>
@@ -5383,6 +5211,7 @@
                   </a:solidFill>
                 </a:uFill>
                 <a:latin typeface="Calibri"/>
+                <a:ea typeface="DejaVu Sans"/>
               </a:rPr>
               <a:t>            </a:t>
             </a:r>
@@ -5397,6 +5226,7 @@
                   </a:solidFill>
                 </a:uFill>
                 <a:latin typeface="Calibri"/>
+                <a:ea typeface="DejaVu Sans"/>
               </a:rPr>
               <a:t>5</a:t>
             </a:r>
@@ -5438,14 +5268,14 @@
       </p:grpSpPr>
       <p:sp>
         <p:nvSpPr>
-          <p:cNvPr id="88" name="TextShape 1"/>
-          <p:cNvSpPr txBox="1"/>
+          <p:cNvPr id="82" name="CustomShape 1"/>
+          <p:cNvSpPr/>
           <p:nvPr/>
         </p:nvSpPr>
         <p:spPr>
           <a:xfrm>
             <a:off x="2627640" y="548640"/>
-            <a:ext cx="8229240" cy="1142640"/>
+            <a:ext cx="8228880" cy="1142280"/>
           </a:xfrm>
           <a:prstGeom prst="rect">
             <a:avLst/>
@@ -5455,8 +5285,14 @@
             <a:noFill/>
           </a:ln>
         </p:spPr>
-        <p:txBody>
-          <a:bodyPr anchor="ctr"/>
+        <p:style>
+          <a:lnRef idx="0"/>
+          <a:fillRef idx="0"/>
+          <a:effectRef idx="0"/>
+          <a:fontRef idx="minor"/>
+        </p:style>
+        <p:txBody>
+          <a:bodyPr lIns="90000" rIns="90000" tIns="45000" bIns="45000" anchor="ctr"/>
           <a:p>
             <a:pPr>
               <a:lnSpc>
@@ -5464,7 +5300,7 @@
               </a:lnSpc>
             </a:pPr>
             <a:r>
-              <a:rPr b="0" lang="pt-BR" sz="4600" spc="-97" strike="noStrike">
+              <a:rPr b="0" lang="en-US" sz="4600" spc="-94" strike="noStrike">
                 <a:solidFill>
                   <a:srgbClr val="675e47"/>
                 </a:solidFill>
@@ -5477,30 +5313,30 @@
               </a:rPr>
               <a:t>O que é?</a:t>
             </a:r>
-            <a:endParaRPr b="0" lang="pt-BR" sz="4600" spc="-1" strike="noStrike">
-              <a:solidFill>
-                <a:srgbClr val="2f2b20"/>
-              </a:solidFill>
-              <a:uFill>
-                <a:solidFill>
-                  <a:srgbClr val="ffffff"/>
-                </a:solidFill>
-              </a:uFill>
-              <a:latin typeface="Calibri"/>
-            </a:endParaRPr>
-          </a:p>
-        </p:txBody>
-      </p:sp>
-      <p:sp>
-        <p:nvSpPr>
-          <p:cNvPr id="89" name="TextShape 2"/>
-          <p:cNvSpPr txBox="1"/>
+            <a:endParaRPr b="0" lang="en-US" sz="4600" spc="-1" strike="noStrike">
+              <a:solidFill>
+                <a:srgbClr val="000000"/>
+              </a:solidFill>
+              <a:uFill>
+                <a:solidFill>
+                  <a:srgbClr val="ffffff"/>
+                </a:solidFill>
+              </a:uFill>
+              <a:latin typeface="Arial"/>
+            </a:endParaRPr>
+          </a:p>
+        </p:txBody>
+      </p:sp>
+      <p:sp>
+        <p:nvSpPr>
+          <p:cNvPr id="83" name="CustomShape 2"/>
+          <p:cNvSpPr/>
           <p:nvPr/>
         </p:nvSpPr>
         <p:spPr>
           <a:xfrm>
             <a:off x="0" y="1917000"/>
-            <a:ext cx="8229240" cy="4525560"/>
+            <a:ext cx="8228880" cy="4525200"/>
           </a:xfrm>
           <a:prstGeom prst="rect">
             <a:avLst/>
@@ -5510,12 +5346,18 @@
             <a:noFill/>
           </a:ln>
         </p:spPr>
-        <p:txBody>
-          <a:bodyPr>
+        <p:style>
+          <a:lnRef idx="0"/>
+          <a:fillRef idx="0"/>
+          <a:effectRef idx="0"/>
+          <a:fontRef idx="minor"/>
+        </p:style>
+        <p:txBody>
+          <a:bodyPr lIns="90000" rIns="90000" tIns="45000" bIns="45000">
             <a:normAutofit/>
           </a:bodyPr>
           <a:p>
-            <a:pPr marL="343080" indent="-228240" algn="just">
+            <a:pPr marL="343080" indent="-227880" algn="just">
               <a:lnSpc>
                 <a:spcPct val="100000"/>
               </a:lnSpc>
@@ -5529,7 +5371,7 @@
               <a:buChar char="•"/>
             </a:pPr>
             <a:r>
-              <a:rPr b="0" lang="pt-BR" sz="2200" spc="-1" strike="noStrike">
+              <a:rPr b="0" lang="en-US" sz="2200" spc="-1" strike="noStrike">
                 <a:solidFill>
                   <a:srgbClr val="2f2b20"/>
                 </a:solidFill>
@@ -5542,22 +5384,49 @@
               </a:rPr>
               <a:t>O Bucket sort, ou também chamado de Bin sort, é um algoritmo de ordenação que funciona dividindo um vetor em um número finito de recipientes. Cada recipiente é então ordenado individualmente, seja usando um algoritmo de ordenação diferente, ou mesmo usando o algoritmo Bucket Sort recursivamente. </a:t>
             </a:r>
-            <a:endParaRPr b="0" lang="pt-BR" sz="2200" spc="-1" strike="noStrike">
-              <a:solidFill>
-                <a:srgbClr val="2f2b20"/>
-              </a:solidFill>
-              <a:uFill>
-                <a:solidFill>
-                  <a:srgbClr val="ffffff"/>
-                </a:solidFill>
-              </a:uFill>
-              <a:latin typeface="Calibri"/>
+            <a:endParaRPr b="0" lang="en-US" sz="2200" spc="-1" strike="noStrike">
+              <a:solidFill>
+                <a:srgbClr val="000000"/>
+              </a:solidFill>
+              <a:uFill>
+                <a:solidFill>
+                  <a:srgbClr val="ffffff"/>
+                </a:solidFill>
+              </a:uFill>
+              <a:latin typeface="Arial"/>
             </a:endParaRPr>
           </a:p>
         </p:txBody>
       </p:sp>
     </p:spTree>
   </p:cSld>
+  <p:timing>
+    <p:tnLst>
+      <p:par>
+        <p:cTn id="3" dur="indefinite" restart="never" nodeType="tmRoot">
+          <p:childTnLst>
+            <p:seq>
+              <p:cTn id="4" nodeType="mainSeq"/>
+              <p:prevCondLst>
+                <p:cond delay="0" evt="onPrev">
+                  <p:tgtEl>
+                    <p:sldTgt/>
+                  </p:tgtEl>
+                </p:cond>
+              </p:prevCondLst>
+              <p:nextCondLst>
+                <p:cond delay="0" evt="onNext">
+                  <p:tgtEl>
+                    <p:sldTgt/>
+                  </p:tgtEl>
+                </p:cond>
+              </p:nextCondLst>
+            </p:seq>
+          </p:childTnLst>
+        </p:cTn>
+      </p:par>
+    </p:tnLst>
+  </p:timing>
 </p:sld>
 </file>
 
@@ -5580,14 +5449,14 @@
       </p:grpSpPr>
       <p:sp>
         <p:nvSpPr>
-          <p:cNvPr id="90" name="TextShape 1"/>
-          <p:cNvSpPr txBox="1"/>
+          <p:cNvPr id="84" name="CustomShape 1"/>
+          <p:cNvSpPr/>
           <p:nvPr/>
         </p:nvSpPr>
         <p:spPr>
           <a:xfrm>
             <a:off x="467640" y="548640"/>
-            <a:ext cx="7619760" cy="1142640"/>
+            <a:ext cx="7619400" cy="1142280"/>
           </a:xfrm>
           <a:prstGeom prst="rect">
             <a:avLst/>
@@ -5597,8 +5466,14 @@
             <a:noFill/>
           </a:ln>
         </p:spPr>
-        <p:txBody>
-          <a:bodyPr anchor="ctr"/>
+        <p:style>
+          <a:lnRef idx="0"/>
+          <a:fillRef idx="0"/>
+          <a:effectRef idx="0"/>
+          <a:fontRef idx="minor"/>
+        </p:style>
+        <p:txBody>
+          <a:bodyPr lIns="90000" rIns="90000" tIns="45000" bIns="45000" anchor="ctr"/>
           <a:p>
             <a:pPr>
               <a:lnSpc>
@@ -5606,7 +5481,7 @@
               </a:lnSpc>
             </a:pPr>
             <a:r>
-              <a:rPr b="0" lang="pt-BR" sz="4600" spc="-97" strike="noStrike">
+              <a:rPr b="0" lang="en-US" sz="4600" spc="-94" strike="noStrike">
                 <a:solidFill>
                   <a:srgbClr val="675e47"/>
                 </a:solidFill>
@@ -5619,30 +5494,30 @@
               </a:rPr>
               <a:t>Seu Funcionamento:</a:t>
             </a:r>
-            <a:endParaRPr b="0" lang="pt-BR" sz="4600" spc="-1" strike="noStrike">
-              <a:solidFill>
-                <a:srgbClr val="2f2b20"/>
-              </a:solidFill>
-              <a:uFill>
-                <a:solidFill>
-                  <a:srgbClr val="ffffff"/>
-                </a:solidFill>
-              </a:uFill>
-              <a:latin typeface="Calibri"/>
-            </a:endParaRPr>
-          </a:p>
-        </p:txBody>
-      </p:sp>
-      <p:sp>
-        <p:nvSpPr>
-          <p:cNvPr id="91" name="TextShape 2"/>
-          <p:cNvSpPr txBox="1"/>
+            <a:endParaRPr b="0" lang="en-US" sz="4600" spc="-1" strike="noStrike">
+              <a:solidFill>
+                <a:srgbClr val="000000"/>
+              </a:solidFill>
+              <a:uFill>
+                <a:solidFill>
+                  <a:srgbClr val="ffffff"/>
+                </a:solidFill>
+              </a:uFill>
+              <a:latin typeface="Arial"/>
+            </a:endParaRPr>
+          </a:p>
+        </p:txBody>
+      </p:sp>
+      <p:sp>
+        <p:nvSpPr>
+          <p:cNvPr id="85" name="CustomShape 2"/>
+          <p:cNvSpPr/>
           <p:nvPr/>
         </p:nvSpPr>
         <p:spPr>
           <a:xfrm>
             <a:off x="467640" y="1845000"/>
-            <a:ext cx="7619760" cy="4800240"/>
+            <a:ext cx="7619400" cy="4799880"/>
           </a:xfrm>
           <a:prstGeom prst="rect">
             <a:avLst/>
@@ -5652,12 +5527,18 @@
             <a:noFill/>
           </a:ln>
         </p:spPr>
-        <p:txBody>
-          <a:bodyPr>
+        <p:style>
+          <a:lnRef idx="0"/>
+          <a:fillRef idx="0"/>
+          <a:effectRef idx="0"/>
+          <a:fontRef idx="minor"/>
+        </p:style>
+        <p:txBody>
+          <a:bodyPr lIns="90000" rIns="90000" tIns="45000" bIns="45000">
             <a:normAutofit/>
           </a:bodyPr>
           <a:p>
-            <a:pPr marL="343080" indent="-228240">
+            <a:pPr marL="343080" indent="-227880">
               <a:lnSpc>
                 <a:spcPct val="100000"/>
               </a:lnSpc>
@@ -5671,7 +5552,7 @@
               <a:buChar char="•"/>
             </a:pPr>
             <a:r>
-              <a:rPr b="0" lang="pt-BR" sz="2200" spc="-1" strike="noStrike">
+              <a:rPr b="0" lang="en-US" sz="2200" spc="-1" strike="noStrike">
                 <a:solidFill>
                   <a:srgbClr val="2f2b20"/>
                 </a:solidFill>
@@ -5684,20 +5565,20 @@
               </a:rPr>
               <a:t>Bucket sort funciona do seguinte modo:</a:t>
             </a:r>
-            <a:endParaRPr b="0" lang="pt-BR" sz="2200" spc="-1" strike="noStrike">
-              <a:solidFill>
-                <a:srgbClr val="2f2b20"/>
-              </a:solidFill>
-              <a:uFill>
-                <a:solidFill>
-                  <a:srgbClr val="ffffff"/>
-                </a:solidFill>
-              </a:uFill>
-              <a:latin typeface="Calibri"/>
-            </a:endParaRPr>
-          </a:p>
-          <a:p>
-            <a:pPr marL="343080" indent="-228240">
+            <a:endParaRPr b="0" lang="en-US" sz="2200" spc="-1" strike="noStrike">
+              <a:solidFill>
+                <a:srgbClr val="000000"/>
+              </a:solidFill>
+              <a:uFill>
+                <a:solidFill>
+                  <a:srgbClr val="ffffff"/>
+                </a:solidFill>
+              </a:uFill>
+              <a:latin typeface="Arial"/>
+            </a:endParaRPr>
+          </a:p>
+          <a:p>
+            <a:pPr marL="343080" indent="-227880">
               <a:lnSpc>
                 <a:spcPct val="100000"/>
               </a:lnSpc>
@@ -5711,7 +5592,7 @@
               <a:buChar char="•"/>
             </a:pPr>
             <a:r>
-              <a:rPr b="0" lang="pt-BR" sz="2200" spc="-1" strike="noStrike">
+              <a:rPr b="0" lang="en-US" sz="2200" spc="-1" strike="noStrike">
                 <a:solidFill>
                   <a:srgbClr val="2f2b20"/>
                 </a:solidFill>
@@ -5724,20 +5605,20 @@
               </a:rPr>
               <a:t>Inicialize um vetor de "baldes", inicialmente vazios.</a:t>
             </a:r>
-            <a:endParaRPr b="0" lang="pt-BR" sz="2200" spc="-1" strike="noStrike">
-              <a:solidFill>
-                <a:srgbClr val="2f2b20"/>
-              </a:solidFill>
-              <a:uFill>
-                <a:solidFill>
-                  <a:srgbClr val="ffffff"/>
-                </a:solidFill>
-              </a:uFill>
-              <a:latin typeface="Calibri"/>
-            </a:endParaRPr>
-          </a:p>
-          <a:p>
-            <a:pPr marL="343080" indent="-228240">
+            <a:endParaRPr b="0" lang="en-US" sz="2200" spc="-1" strike="noStrike">
+              <a:solidFill>
+                <a:srgbClr val="000000"/>
+              </a:solidFill>
+              <a:uFill>
+                <a:solidFill>
+                  <a:srgbClr val="ffffff"/>
+                </a:solidFill>
+              </a:uFill>
+              <a:latin typeface="Arial"/>
+            </a:endParaRPr>
+          </a:p>
+          <a:p>
+            <a:pPr marL="343080" indent="-227880">
               <a:lnSpc>
                 <a:spcPct val="100000"/>
               </a:lnSpc>
@@ -5751,7 +5632,7 @@
               <a:buChar char="•"/>
             </a:pPr>
             <a:r>
-              <a:rPr b="0" lang="pt-BR" sz="2200" spc="-1" strike="noStrike">
+              <a:rPr b="0" lang="en-US" sz="2200" spc="-1" strike="noStrike">
                 <a:solidFill>
                   <a:srgbClr val="2f2b20"/>
                 </a:solidFill>
@@ -5764,20 +5645,20 @@
               </a:rPr>
               <a:t>Tendo como fonte um vetor original, inclui-se cada elemento em um balde referente ao grupo pertencente a ele.</a:t>
             </a:r>
-            <a:endParaRPr b="0" lang="pt-BR" sz="2200" spc="-1" strike="noStrike">
-              <a:solidFill>
-                <a:srgbClr val="2f2b20"/>
-              </a:solidFill>
-              <a:uFill>
-                <a:solidFill>
-                  <a:srgbClr val="ffffff"/>
-                </a:solidFill>
-              </a:uFill>
-              <a:latin typeface="Calibri"/>
-            </a:endParaRPr>
-          </a:p>
-          <a:p>
-            <a:pPr marL="343080" indent="-228240">
+            <a:endParaRPr b="0" lang="en-US" sz="2200" spc="-1" strike="noStrike">
+              <a:solidFill>
+                <a:srgbClr val="000000"/>
+              </a:solidFill>
+              <a:uFill>
+                <a:solidFill>
+                  <a:srgbClr val="ffffff"/>
+                </a:solidFill>
+              </a:uFill>
+              <a:latin typeface="Arial"/>
+            </a:endParaRPr>
+          </a:p>
+          <a:p>
+            <a:pPr marL="343080" indent="-227880">
               <a:lnSpc>
                 <a:spcPct val="100000"/>
               </a:lnSpc>
@@ -5791,7 +5672,7 @@
               <a:buChar char="•"/>
             </a:pPr>
             <a:r>
-              <a:rPr b="0" lang="pt-BR" sz="2200" spc="-1" strike="noStrike">
+              <a:rPr b="0" lang="en-US" sz="2200" spc="-1" strike="noStrike">
                 <a:solidFill>
                   <a:srgbClr val="2f2b20"/>
                 </a:solidFill>
@@ -5804,20 +5685,20 @@
               </a:rPr>
               <a:t>Ordene todos os baldes não vazios.</a:t>
             </a:r>
-            <a:endParaRPr b="0" lang="pt-BR" sz="2200" spc="-1" strike="noStrike">
-              <a:solidFill>
-                <a:srgbClr val="2f2b20"/>
-              </a:solidFill>
-              <a:uFill>
-                <a:solidFill>
-                  <a:srgbClr val="ffffff"/>
-                </a:solidFill>
-              </a:uFill>
-              <a:latin typeface="Calibri"/>
-            </a:endParaRPr>
-          </a:p>
-          <a:p>
-            <a:pPr marL="343080" indent="-228240">
+            <a:endParaRPr b="0" lang="en-US" sz="2200" spc="-1" strike="noStrike">
+              <a:solidFill>
+                <a:srgbClr val="000000"/>
+              </a:solidFill>
+              <a:uFill>
+                <a:solidFill>
+                  <a:srgbClr val="ffffff"/>
+                </a:solidFill>
+              </a:uFill>
+              <a:latin typeface="Arial"/>
+            </a:endParaRPr>
+          </a:p>
+          <a:p>
+            <a:pPr marL="343080" indent="-227880">
               <a:lnSpc>
                 <a:spcPct val="100000"/>
               </a:lnSpc>
@@ -5831,7 +5712,7 @@
               <a:buChar char="•"/>
             </a:pPr>
             <a:r>
-              <a:rPr b="0" lang="pt-BR" sz="2200" spc="-1" strike="noStrike">
+              <a:rPr b="0" lang="en-US" sz="2200" spc="-1" strike="noStrike">
                 <a:solidFill>
                   <a:srgbClr val="2f2b20"/>
                 </a:solidFill>
@@ -5844,16 +5725,16 @@
               </a:rPr>
               <a:t>Coloque os elementos dos baldes que não estão vazios no vetor original.</a:t>
             </a:r>
-            <a:endParaRPr b="0" lang="pt-BR" sz="2200" spc="-1" strike="noStrike">
-              <a:solidFill>
-                <a:srgbClr val="2f2b20"/>
-              </a:solidFill>
-              <a:uFill>
-                <a:solidFill>
-                  <a:srgbClr val="ffffff"/>
-                </a:solidFill>
-              </a:uFill>
-              <a:latin typeface="Calibri"/>
+            <a:endParaRPr b="0" lang="en-US" sz="2200" spc="-1" strike="noStrike">
+              <a:solidFill>
+                <a:srgbClr val="000000"/>
+              </a:solidFill>
+              <a:uFill>
+                <a:solidFill>
+                  <a:srgbClr val="ffffff"/>
+                </a:solidFill>
+              </a:uFill>
+              <a:latin typeface="Arial"/>
             </a:endParaRPr>
           </a:p>
           <a:p>
@@ -5865,22 +5746,49 @@
                 <a:spcPts val="439"/>
               </a:spcBef>
             </a:pPr>
-            <a:endParaRPr b="0" lang="pt-BR" sz="2200" spc="-1" strike="noStrike">
-              <a:solidFill>
-                <a:srgbClr val="2f2b20"/>
-              </a:solidFill>
-              <a:uFill>
-                <a:solidFill>
-                  <a:srgbClr val="ffffff"/>
-                </a:solidFill>
-              </a:uFill>
-              <a:latin typeface="Calibri"/>
+            <a:endParaRPr b="0" lang="en-US" sz="2200" spc="-1" strike="noStrike">
+              <a:solidFill>
+                <a:srgbClr val="000000"/>
+              </a:solidFill>
+              <a:uFill>
+                <a:solidFill>
+                  <a:srgbClr val="ffffff"/>
+                </a:solidFill>
+              </a:uFill>
+              <a:latin typeface="Arial"/>
             </a:endParaRPr>
           </a:p>
         </p:txBody>
       </p:sp>
     </p:spTree>
   </p:cSld>
+  <p:timing>
+    <p:tnLst>
+      <p:par>
+        <p:cTn id="5" dur="indefinite" restart="never" nodeType="tmRoot">
+          <p:childTnLst>
+            <p:seq>
+              <p:cTn id="6" nodeType="mainSeq"/>
+              <p:prevCondLst>
+                <p:cond delay="0" evt="onPrev">
+                  <p:tgtEl>
+                    <p:sldTgt/>
+                  </p:tgtEl>
+                </p:cond>
+              </p:prevCondLst>
+              <p:nextCondLst>
+                <p:cond delay="0" evt="onNext">
+                  <p:tgtEl>
+                    <p:sldTgt/>
+                  </p:tgtEl>
+                </p:cond>
+              </p:nextCondLst>
+            </p:seq>
+          </p:childTnLst>
+        </p:cTn>
+      </p:par>
+    </p:tnLst>
+  </p:timing>
 </p:sld>
 </file>
 
@@ -5903,14 +5811,14 @@
       </p:grpSpPr>
       <p:sp>
         <p:nvSpPr>
-          <p:cNvPr id="92" name="TextShape 1"/>
-          <p:cNvSpPr txBox="1"/>
+          <p:cNvPr id="86" name="CustomShape 1"/>
+          <p:cNvSpPr/>
           <p:nvPr/>
         </p:nvSpPr>
         <p:spPr>
           <a:xfrm>
             <a:off x="457200" y="274680"/>
-            <a:ext cx="7619760" cy="1142640"/>
+            <a:ext cx="7619400" cy="1142280"/>
           </a:xfrm>
           <a:prstGeom prst="rect">
             <a:avLst/>
@@ -5920,8 +5828,14 @@
             <a:noFill/>
           </a:ln>
         </p:spPr>
-        <p:txBody>
-          <a:bodyPr anchor="ctr"/>
+        <p:style>
+          <a:lnRef idx="0"/>
+          <a:fillRef idx="0"/>
+          <a:effectRef idx="0"/>
+          <a:fontRef idx="minor"/>
+        </p:style>
+        <p:txBody>
+          <a:bodyPr lIns="90000" rIns="90000" tIns="45000" bIns="45000" anchor="ctr"/>
           <a:p>
             <a:pPr>
               <a:lnSpc>
@@ -5929,7 +5843,7 @@
               </a:lnSpc>
             </a:pPr>
             <a:r>
-              <a:rPr b="0" lang="pt-BR" sz="4600" spc="-97" strike="noStrike">
+              <a:rPr b="0" lang="en-US" sz="4600" spc="-94" strike="noStrike">
                 <a:solidFill>
                   <a:srgbClr val="675e47"/>
                 </a:solidFill>
@@ -5943,7 +5857,7 @@
               <a:t>     </a:t>
             </a:r>
             <a:r>
-              <a:rPr b="0" lang="pt-BR" sz="4600" spc="-97" strike="noStrike">
+              <a:rPr b="0" lang="en-US" sz="4600" spc="-94" strike="noStrike">
                 <a:solidFill>
                   <a:srgbClr val="675e47"/>
                 </a:solidFill>
@@ -5956,30 +5870,30 @@
               </a:rPr>
               <a:t>Análise de Complexidade</a:t>
             </a:r>
-            <a:endParaRPr b="0" lang="pt-BR" sz="4600" spc="-1" strike="noStrike">
-              <a:solidFill>
-                <a:srgbClr val="2f2b20"/>
-              </a:solidFill>
-              <a:uFill>
-                <a:solidFill>
-                  <a:srgbClr val="ffffff"/>
-                </a:solidFill>
-              </a:uFill>
-              <a:latin typeface="Calibri"/>
-            </a:endParaRPr>
-          </a:p>
-        </p:txBody>
-      </p:sp>
-      <p:sp>
-        <p:nvSpPr>
-          <p:cNvPr id="93" name="TextShape 2"/>
-          <p:cNvSpPr txBox="1"/>
+            <a:endParaRPr b="0" lang="en-US" sz="4600" spc="-1" strike="noStrike">
+              <a:solidFill>
+                <a:srgbClr val="000000"/>
+              </a:solidFill>
+              <a:uFill>
+                <a:solidFill>
+                  <a:srgbClr val="ffffff"/>
+                </a:solidFill>
+              </a:uFill>
+              <a:latin typeface="Arial"/>
+            </a:endParaRPr>
+          </a:p>
+        </p:txBody>
+      </p:sp>
+      <p:sp>
+        <p:nvSpPr>
+          <p:cNvPr id="87" name="CustomShape 2"/>
+          <p:cNvSpPr/>
           <p:nvPr/>
         </p:nvSpPr>
         <p:spPr>
           <a:xfrm>
             <a:off x="457200" y="1600200"/>
-            <a:ext cx="7619760" cy="4800240"/>
+            <a:ext cx="7619400" cy="4799880"/>
           </a:xfrm>
           <a:prstGeom prst="rect">
             <a:avLst/>
@@ -5989,12 +5903,18 @@
             <a:noFill/>
           </a:ln>
         </p:spPr>
-        <p:txBody>
-          <a:bodyPr>
+        <p:style>
+          <a:lnRef idx="0"/>
+          <a:fillRef idx="0"/>
+          <a:effectRef idx="0"/>
+          <a:fontRef idx="minor"/>
+        </p:style>
+        <p:txBody>
+          <a:bodyPr lIns="90000" rIns="90000" tIns="45000" bIns="45000">
             <a:normAutofit/>
           </a:bodyPr>
           <a:p>
-            <a:pPr marL="343080" indent="-228240">
+            <a:pPr marL="343080" indent="-227880">
               <a:lnSpc>
                 <a:spcPct val="100000"/>
               </a:lnSpc>
@@ -6008,7 +5928,7 @@
               <a:buChar char="•"/>
             </a:pPr>
             <a:r>
-              <a:rPr b="1" lang="pt-BR" sz="1900" spc="-1" strike="noStrike">
+              <a:rPr b="1" lang="en-US" sz="1900" spc="-1" strike="noStrike">
                 <a:solidFill>
                   <a:srgbClr val="2f2b20"/>
                 </a:solidFill>
@@ -6021,16 +5941,16 @@
               </a:rPr>
               <a:t>Complexidade de Tempo</a:t>
             </a:r>
-            <a:endParaRPr b="0" lang="pt-BR" sz="1900" spc="-1" strike="noStrike">
-              <a:solidFill>
-                <a:srgbClr val="2f2b20"/>
-              </a:solidFill>
-              <a:uFill>
-                <a:solidFill>
-                  <a:srgbClr val="ffffff"/>
-                </a:solidFill>
-              </a:uFill>
-              <a:latin typeface="Calibri"/>
+            <a:endParaRPr b="0" lang="en-US" sz="1900" spc="-1" strike="noStrike">
+              <a:solidFill>
+                <a:srgbClr val="000000"/>
+              </a:solidFill>
+              <a:uFill>
+                <a:solidFill>
+                  <a:srgbClr val="ffffff"/>
+                </a:solidFill>
+              </a:uFill>
+              <a:latin typeface="Arial"/>
             </a:endParaRPr>
           </a:p>
           <a:p>
@@ -6043,7 +5963,7 @@
               </a:spcBef>
             </a:pPr>
             <a:r>
-              <a:rPr b="0" lang="pt-BR" sz="1900" spc="-1" strike="noStrike">
+              <a:rPr b="0" lang="en-US" sz="1900" spc="-1" strike="noStrike">
                 <a:solidFill>
                   <a:srgbClr val="ff0000"/>
                 </a:solidFill>
@@ -6057,7 +5977,7 @@
               <a:t> </a:t>
             </a:r>
             <a:r>
-              <a:rPr b="0" lang="pt-BR" sz="1900" spc="-1" strike="noStrike">
+              <a:rPr b="0" lang="en-US" sz="1900" spc="-1" strike="noStrike">
                 <a:solidFill>
                   <a:srgbClr val="ff0000"/>
                 </a:solidFill>
@@ -6070,16 +5990,16 @@
               </a:rPr>
               <a:t>O(n²)</a:t>
             </a:r>
-            <a:endParaRPr b="0" lang="pt-BR" sz="1900" spc="-1" strike="noStrike">
-              <a:solidFill>
-                <a:srgbClr val="2f2b20"/>
-              </a:solidFill>
-              <a:uFill>
-                <a:solidFill>
-                  <a:srgbClr val="ffffff"/>
-                </a:solidFill>
-              </a:uFill>
-              <a:latin typeface="Calibri"/>
+            <a:endParaRPr b="0" lang="en-US" sz="1900" spc="-1" strike="noStrike">
+              <a:solidFill>
+                <a:srgbClr val="000000"/>
+              </a:solidFill>
+              <a:uFill>
+                <a:solidFill>
+                  <a:srgbClr val="ffffff"/>
+                </a:solidFill>
+              </a:uFill>
+              <a:latin typeface="Arial"/>
             </a:endParaRPr>
           </a:p>
           <a:p>
@@ -6092,7 +6012,7 @@
               </a:spcBef>
             </a:pPr>
             <a:r>
-              <a:rPr b="0" lang="pt-BR" sz="2000" spc="-1" strike="noStrike">
+              <a:rPr b="0" lang="en-US" sz="2000" spc="-1" strike="noStrike">
                 <a:solidFill>
                   <a:srgbClr val="2f2b20"/>
                 </a:solidFill>
@@ -6105,16 +6025,16 @@
               </a:rPr>
               <a:t>A complexidade de tempo é normalmente estimada através da  contagem do número de operações elementares realizadas pelo algoritmo, em que uma operação elementar leva uma quantidade de tempo fixo para executar. Assim, a quantidade de tempo necessário e o número de operações elementares realizadas pelo algoritmo diferem no máximo por um fator constante.</a:t>
             </a:r>
-            <a:endParaRPr b="0" lang="pt-BR" sz="2000" spc="-1" strike="noStrike">
-              <a:solidFill>
-                <a:srgbClr val="2f2b20"/>
-              </a:solidFill>
-              <a:uFill>
-                <a:solidFill>
-                  <a:srgbClr val="ffffff"/>
-                </a:solidFill>
-              </a:uFill>
-              <a:latin typeface="Calibri"/>
+            <a:endParaRPr b="0" lang="en-US" sz="2000" spc="-1" strike="noStrike">
+              <a:solidFill>
+                <a:srgbClr val="000000"/>
+              </a:solidFill>
+              <a:uFill>
+                <a:solidFill>
+                  <a:srgbClr val="ffffff"/>
+                </a:solidFill>
+              </a:uFill>
+              <a:latin typeface="Arial"/>
             </a:endParaRPr>
           </a:p>
           <a:p>
@@ -6126,16 +6046,16 @@
                 <a:spcPts val="380"/>
               </a:spcBef>
             </a:pPr>
-            <a:endParaRPr b="0" lang="pt-BR" sz="2000" spc="-1" strike="noStrike">
-              <a:solidFill>
-                <a:srgbClr val="2f2b20"/>
-              </a:solidFill>
-              <a:uFill>
-                <a:solidFill>
-                  <a:srgbClr val="ffffff"/>
-                </a:solidFill>
-              </a:uFill>
-              <a:latin typeface="Calibri"/>
+            <a:endParaRPr b="0" lang="en-US" sz="2000" spc="-1" strike="noStrike">
+              <a:solidFill>
+                <a:srgbClr val="000000"/>
+              </a:solidFill>
+              <a:uFill>
+                <a:solidFill>
+                  <a:srgbClr val="ffffff"/>
+                </a:solidFill>
+              </a:uFill>
+              <a:latin typeface="Arial"/>
             </a:endParaRPr>
           </a:p>
           <a:p>
@@ -6148,7 +6068,7 @@
               </a:spcBef>
             </a:pPr>
             <a:r>
-              <a:rPr b="1" lang="pt-BR" sz="1900" spc="-1" strike="noStrike">
+              <a:rPr b="1" lang="en-US" sz="1900" spc="-1" strike="noStrike">
                 <a:solidFill>
                   <a:srgbClr val="2f2b20"/>
                 </a:solidFill>
@@ -6162,7 +6082,7 @@
               <a:t>    </a:t>
             </a:r>
             <a:r>
-              <a:rPr b="1" lang="pt-BR" sz="1900" spc="-1" strike="noStrike">
+              <a:rPr b="1" lang="en-US" sz="1900" spc="-1" strike="noStrike">
                 <a:solidFill>
                   <a:srgbClr val="2f2b20"/>
                 </a:solidFill>
@@ -6175,16 +6095,16 @@
               </a:rPr>
               <a:t>Complexidade de espaço </a:t>
             </a:r>
-            <a:endParaRPr b="0" lang="pt-BR" sz="1900" spc="-1" strike="noStrike">
-              <a:solidFill>
-                <a:srgbClr val="2f2b20"/>
-              </a:solidFill>
-              <a:uFill>
-                <a:solidFill>
-                  <a:srgbClr val="ffffff"/>
-                </a:solidFill>
-              </a:uFill>
-              <a:latin typeface="Calibri"/>
+            <a:endParaRPr b="0" lang="en-US" sz="1900" spc="-1" strike="noStrike">
+              <a:solidFill>
+                <a:srgbClr val="000000"/>
+              </a:solidFill>
+              <a:uFill>
+                <a:solidFill>
+                  <a:srgbClr val="ffffff"/>
+                </a:solidFill>
+              </a:uFill>
+              <a:latin typeface="Arial"/>
             </a:endParaRPr>
           </a:p>
           <a:p>
@@ -6197,7 +6117,7 @@
               </a:spcBef>
             </a:pPr>
             <a:r>
-              <a:rPr b="0" lang="pt-BR" sz="1900" spc="-1" strike="noStrike">
+              <a:rPr b="0" lang="en-US" sz="1900" spc="-1" strike="noStrike">
                 <a:solidFill>
                   <a:srgbClr val="2f2b20"/>
                 </a:solidFill>
@@ -6211,7 +6131,7 @@
               <a:t> </a:t>
             </a:r>
             <a:r>
-              <a:rPr b="0" lang="pt-BR" sz="1900" spc="-1" strike="noStrike">
+              <a:rPr b="0" lang="en-US" sz="1900" spc="-1" strike="noStrike">
                 <a:solidFill>
                   <a:srgbClr val="ff0000"/>
                 </a:solidFill>
@@ -6224,16 +6144,16 @@
               </a:rPr>
               <a:t>O(n) </a:t>
             </a:r>
-            <a:endParaRPr b="0" lang="pt-BR" sz="1900" spc="-1" strike="noStrike">
-              <a:solidFill>
-                <a:srgbClr val="2f2b20"/>
-              </a:solidFill>
-              <a:uFill>
-                <a:solidFill>
-                  <a:srgbClr val="ffffff"/>
-                </a:solidFill>
-              </a:uFill>
-              <a:latin typeface="Calibri"/>
+            <a:endParaRPr b="0" lang="en-US" sz="1900" spc="-1" strike="noStrike">
+              <a:solidFill>
+                <a:srgbClr val="000000"/>
+              </a:solidFill>
+              <a:uFill>
+                <a:solidFill>
+                  <a:srgbClr val="ffffff"/>
+                </a:solidFill>
+              </a:uFill>
+              <a:latin typeface="Arial"/>
             </a:endParaRPr>
           </a:p>
           <a:p>
@@ -6246,7 +6166,7 @@
               </a:spcBef>
             </a:pPr>
             <a:r>
-              <a:rPr b="0" lang="pt-BR" sz="2000" spc="-1" strike="noStrike">
+              <a:rPr b="0" lang="en-US" sz="2000" spc="-1" strike="noStrike">
                 <a:solidFill>
                   <a:srgbClr val="2f2b20"/>
                 </a:solidFill>
@@ -6259,16 +6179,16 @@
               </a:rPr>
               <a:t>A Complexidade de Espaço é a medida em função da quantidade de memória auxiliar e total necessária para a execução do algoritmo. </a:t>
             </a:r>
-            <a:endParaRPr b="0" lang="pt-BR" sz="2000" spc="-1" strike="noStrike">
-              <a:solidFill>
-                <a:srgbClr val="2f2b20"/>
-              </a:solidFill>
-              <a:uFill>
-                <a:solidFill>
-                  <a:srgbClr val="ffffff"/>
-                </a:solidFill>
-              </a:uFill>
-              <a:latin typeface="Calibri"/>
+            <a:endParaRPr b="0" lang="en-US" sz="2000" spc="-1" strike="noStrike">
+              <a:solidFill>
+                <a:srgbClr val="000000"/>
+              </a:solidFill>
+              <a:uFill>
+                <a:solidFill>
+                  <a:srgbClr val="ffffff"/>
+                </a:solidFill>
+              </a:uFill>
+              <a:latin typeface="Arial"/>
             </a:endParaRPr>
           </a:p>
           <a:p>
@@ -6280,16 +6200,16 @@
                 <a:spcPts val="400"/>
               </a:spcBef>
             </a:pPr>
-            <a:endParaRPr b="0" lang="pt-BR" sz="2000" spc="-1" strike="noStrike">
-              <a:solidFill>
-                <a:srgbClr val="2f2b20"/>
-              </a:solidFill>
-              <a:uFill>
-                <a:solidFill>
-                  <a:srgbClr val="ffffff"/>
-                </a:solidFill>
-              </a:uFill>
-              <a:latin typeface="Calibri"/>
+            <a:endParaRPr b="0" lang="en-US" sz="2000" spc="-1" strike="noStrike">
+              <a:solidFill>
+                <a:srgbClr val="000000"/>
+              </a:solidFill>
+              <a:uFill>
+                <a:solidFill>
+                  <a:srgbClr val="ffffff"/>
+                </a:solidFill>
+              </a:uFill>
+              <a:latin typeface="Arial"/>
             </a:endParaRPr>
           </a:p>
           <a:p>
@@ -6302,7 +6222,7 @@
               </a:spcBef>
             </a:pPr>
             <a:r>
-              <a:rPr b="0" lang="pt-BR" sz="2000" spc="-1" strike="noStrike">
+              <a:rPr b="0" lang="en-US" sz="2000" spc="-1" strike="noStrike">
                 <a:solidFill>
                   <a:srgbClr val="2f2b20"/>
                 </a:solidFill>
@@ -6315,16 +6235,16 @@
               </a:rPr>
               <a:t>Resumo, o Bucket Sort apresenta problemas quanto as complexidades acima e é :</a:t>
             </a:r>
-            <a:endParaRPr b="0" lang="pt-BR" sz="2000" spc="-1" strike="noStrike">
-              <a:solidFill>
-                <a:srgbClr val="2f2b20"/>
-              </a:solidFill>
-              <a:uFill>
-                <a:solidFill>
-                  <a:srgbClr val="ffffff"/>
-                </a:solidFill>
-              </a:uFill>
-              <a:latin typeface="Calibri"/>
+            <a:endParaRPr b="0" lang="en-US" sz="2000" spc="-1" strike="noStrike">
+              <a:solidFill>
+                <a:srgbClr val="000000"/>
+              </a:solidFill>
+              <a:uFill>
+                <a:solidFill>
+                  <a:srgbClr val="ffffff"/>
+                </a:solidFill>
+              </a:uFill>
+              <a:latin typeface="Arial"/>
             </a:endParaRPr>
           </a:p>
           <a:p>
@@ -6336,16 +6256,16 @@
                 <a:spcPts val="400"/>
               </a:spcBef>
             </a:pPr>
-            <a:endParaRPr b="0" lang="pt-BR" sz="2000" spc="-1" strike="noStrike">
-              <a:solidFill>
-                <a:srgbClr val="2f2b20"/>
-              </a:solidFill>
-              <a:uFill>
-                <a:solidFill>
-                  <a:srgbClr val="ffffff"/>
-                </a:solidFill>
-              </a:uFill>
-              <a:latin typeface="Calibri"/>
+            <a:endParaRPr b="0" lang="en-US" sz="2000" spc="-1" strike="noStrike">
+              <a:solidFill>
+                <a:srgbClr val="000000"/>
+              </a:solidFill>
+              <a:uFill>
+                <a:solidFill>
+                  <a:srgbClr val="ffffff"/>
+                </a:solidFill>
+              </a:uFill>
+              <a:latin typeface="Arial"/>
             </a:endParaRPr>
           </a:p>
           <a:p>
@@ -6358,7 +6278,7 @@
               </a:spcBef>
             </a:pPr>
             <a:r>
-              <a:rPr b="0" lang="pt-BR" sz="2000" spc="-1" strike="noStrike">
+              <a:rPr b="0" lang="en-US" sz="2000" spc="-1" strike="noStrike">
                 <a:solidFill>
                   <a:srgbClr val="2f2b20"/>
                 </a:solidFill>
@@ -6371,16 +6291,16 @@
               </a:rPr>
               <a:t>Bom quando o número de chaves é pequeno e há em média poucos elementos por balde. </a:t>
             </a:r>
-            <a:endParaRPr b="0" lang="pt-BR" sz="2000" spc="-1" strike="noStrike">
-              <a:solidFill>
-                <a:srgbClr val="2f2b20"/>
-              </a:solidFill>
-              <a:uFill>
-                <a:solidFill>
-                  <a:srgbClr val="ffffff"/>
-                </a:solidFill>
-              </a:uFill>
-              <a:latin typeface="Calibri"/>
+            <a:endParaRPr b="0" lang="en-US" sz="2000" spc="-1" strike="noStrike">
+              <a:solidFill>
+                <a:srgbClr val="000000"/>
+              </a:solidFill>
+              <a:uFill>
+                <a:solidFill>
+                  <a:srgbClr val="ffffff"/>
+                </a:solidFill>
+              </a:uFill>
+              <a:latin typeface="Arial"/>
             </a:endParaRPr>
           </a:p>
           <a:p>
@@ -6392,16 +6312,16 @@
                 <a:spcPts val="400"/>
               </a:spcBef>
             </a:pPr>
-            <a:endParaRPr b="0" lang="pt-BR" sz="2000" spc="-1" strike="noStrike">
-              <a:solidFill>
-                <a:srgbClr val="2f2b20"/>
-              </a:solidFill>
-              <a:uFill>
-                <a:solidFill>
-                  <a:srgbClr val="ffffff"/>
-                </a:solidFill>
-              </a:uFill>
-              <a:latin typeface="Calibri"/>
+            <a:endParaRPr b="0" lang="en-US" sz="2000" spc="-1" strike="noStrike">
+              <a:solidFill>
+                <a:srgbClr val="000000"/>
+              </a:solidFill>
+              <a:uFill>
+                <a:solidFill>
+                  <a:srgbClr val="ffffff"/>
+                </a:solidFill>
+              </a:uFill>
+              <a:latin typeface="Arial"/>
             </a:endParaRPr>
           </a:p>
           <a:p>
@@ -6414,7 +6334,7 @@
               </a:spcBef>
             </a:pPr>
             <a:r>
-              <a:rPr b="0" lang="pt-BR" sz="2000" spc="-1" strike="noStrike">
+              <a:rPr b="0" lang="en-US" sz="2000" spc="-1" strike="noStrike">
                 <a:solidFill>
                   <a:srgbClr val="2f2b20"/>
                 </a:solidFill>
@@ -6427,16 +6347,16 @@
               </a:rPr>
               <a:t>E sua estabilidade depende do algoritmo de ordenação utilizado para ordenar os baldes.</a:t>
             </a:r>
-            <a:endParaRPr b="0" lang="pt-BR" sz="2000" spc="-1" strike="noStrike">
-              <a:solidFill>
-                <a:srgbClr val="2f2b20"/>
-              </a:solidFill>
-              <a:uFill>
-                <a:solidFill>
-                  <a:srgbClr val="ffffff"/>
-                </a:solidFill>
-              </a:uFill>
-              <a:latin typeface="Calibri"/>
+            <a:endParaRPr b="0" lang="en-US" sz="2000" spc="-1" strike="noStrike">
+              <a:solidFill>
+                <a:srgbClr val="000000"/>
+              </a:solidFill>
+              <a:uFill>
+                <a:solidFill>
+                  <a:srgbClr val="ffffff"/>
+                </a:solidFill>
+              </a:uFill>
+              <a:latin typeface="Arial"/>
             </a:endParaRPr>
           </a:p>
           <a:p>
@@ -6448,22 +6368,49 @@
                 <a:spcPts val="380"/>
               </a:spcBef>
             </a:pPr>
-            <a:endParaRPr b="0" lang="pt-BR" sz="2000" spc="-1" strike="noStrike">
-              <a:solidFill>
-                <a:srgbClr val="2f2b20"/>
-              </a:solidFill>
-              <a:uFill>
-                <a:solidFill>
-                  <a:srgbClr val="ffffff"/>
-                </a:solidFill>
-              </a:uFill>
-              <a:latin typeface="Calibri"/>
+            <a:endParaRPr b="0" lang="en-US" sz="2000" spc="-1" strike="noStrike">
+              <a:solidFill>
+                <a:srgbClr val="000000"/>
+              </a:solidFill>
+              <a:uFill>
+                <a:solidFill>
+                  <a:srgbClr val="ffffff"/>
+                </a:solidFill>
+              </a:uFill>
+              <a:latin typeface="Arial"/>
             </a:endParaRPr>
           </a:p>
         </p:txBody>
       </p:sp>
     </p:spTree>
   </p:cSld>
+  <p:timing>
+    <p:tnLst>
+      <p:par>
+        <p:cTn id="7" dur="indefinite" restart="never" nodeType="tmRoot">
+          <p:childTnLst>
+            <p:seq>
+              <p:cTn id="8" nodeType="mainSeq"/>
+              <p:prevCondLst>
+                <p:cond delay="0" evt="onPrev">
+                  <p:tgtEl>
+                    <p:sldTgt/>
+                  </p:tgtEl>
+                </p:cond>
+              </p:prevCondLst>
+              <p:nextCondLst>
+                <p:cond delay="0" evt="onNext">
+                  <p:tgtEl>
+                    <p:sldTgt/>
+                  </p:tgtEl>
+                </p:cond>
+              </p:nextCondLst>
+            </p:seq>
+          </p:childTnLst>
+        </p:cTn>
+      </p:par>
+    </p:tnLst>
+  </p:timing>
 </p:sld>
 </file>
 
@@ -6486,14 +6433,14 @@
       </p:grpSpPr>
       <p:sp>
         <p:nvSpPr>
-          <p:cNvPr id="94" name="TextShape 1"/>
-          <p:cNvSpPr txBox="1"/>
+          <p:cNvPr id="88" name="CustomShape 1"/>
+          <p:cNvSpPr/>
           <p:nvPr/>
         </p:nvSpPr>
         <p:spPr>
           <a:xfrm>
             <a:off x="457200" y="274680"/>
-            <a:ext cx="7619760" cy="1142640"/>
+            <a:ext cx="7619400" cy="1142280"/>
           </a:xfrm>
           <a:prstGeom prst="rect">
             <a:avLst/>
@@ -6503,8 +6450,14 @@
             <a:noFill/>
           </a:ln>
         </p:spPr>
-        <p:txBody>
-          <a:bodyPr anchor="ctr"/>
+        <p:style>
+          <a:lnRef idx="0"/>
+          <a:fillRef idx="0"/>
+          <a:effectRef idx="0"/>
+          <a:fontRef idx="minor"/>
+        </p:style>
+        <p:txBody>
+          <a:bodyPr lIns="90000" rIns="90000" tIns="45000" bIns="45000" anchor="ctr"/>
           <a:p>
             <a:pPr>
               <a:lnSpc>
@@ -6512,7 +6465,7 @@
               </a:lnSpc>
             </a:pPr>
             <a:r>
-              <a:rPr b="0" lang="pt-BR" sz="4600" spc="-97" strike="noStrike">
+              <a:rPr b="0" lang="en-US" sz="4600" spc="-94" strike="noStrike">
                 <a:solidFill>
                   <a:srgbClr val="675e47"/>
                 </a:solidFill>
@@ -6523,10 +6476,10 @@
                 </a:uFill>
                 <a:latin typeface="Cambria"/>
               </a:rPr>
-              <a:t>                  </a:t>
-            </a:r>
-            <a:r>
-              <a:rPr b="0" lang="pt-BR" sz="4600" spc="-97" strike="noStrike">
+              <a:t>             </a:t>
+            </a:r>
+            <a:r>
+              <a:rPr b="0" lang="en-US" sz="4600" spc="-94" strike="noStrike">
                 <a:solidFill>
                   <a:srgbClr val="675e47"/>
                 </a:solidFill>
@@ -6537,25 +6490,25 @@
                 </a:uFill>
                 <a:latin typeface="Cambria"/>
               </a:rPr>
-              <a:t>Fluxograma</a:t>
-            </a:r>
-            <a:endParaRPr b="0" lang="pt-BR" sz="4600" spc="-1" strike="noStrike">
-              <a:solidFill>
-                <a:srgbClr val="2f2b20"/>
-              </a:solidFill>
-              <a:uFill>
-                <a:solidFill>
-                  <a:srgbClr val="ffffff"/>
-                </a:solidFill>
-              </a:uFill>
-              <a:latin typeface="Calibri"/>
+              <a:t>Fluxo do programa</a:t>
+            </a:r>
+            <a:endParaRPr b="0" lang="en-US" sz="4600" spc="-1" strike="noStrike">
+              <a:solidFill>
+                <a:srgbClr val="000000"/>
+              </a:solidFill>
+              <a:uFill>
+                <a:solidFill>
+                  <a:srgbClr val="ffffff"/>
+                </a:solidFill>
+              </a:uFill>
+              <a:latin typeface="Arial"/>
             </a:endParaRPr>
           </a:p>
         </p:txBody>
       </p:sp>
       <p:pic>
         <p:nvPicPr>
-          <p:cNvPr id="95" name="" descr=""/>
+          <p:cNvPr id="89" name="" descr=""/>
           <p:cNvPicPr/>
           <p:nvPr/>
         </p:nvPicPr>
@@ -6566,7 +6519,7 @@
         <p:spPr>
           <a:xfrm>
             <a:off x="130320" y="1388160"/>
-            <a:ext cx="8160840" cy="5029200"/>
+            <a:ext cx="8160480" cy="5028840"/>
           </a:xfrm>
           <a:prstGeom prst="rect">
             <a:avLst/>
@@ -6581,6 +6534,33 @@
       </p:pic>
     </p:spTree>
   </p:cSld>
+  <p:timing>
+    <p:tnLst>
+      <p:par>
+        <p:cTn id="9" dur="indefinite" restart="never" nodeType="tmRoot">
+          <p:childTnLst>
+            <p:seq>
+              <p:cTn id="10" nodeType="mainSeq"/>
+              <p:prevCondLst>
+                <p:cond delay="0" evt="onPrev">
+                  <p:tgtEl>
+                    <p:sldTgt/>
+                  </p:tgtEl>
+                </p:cond>
+              </p:prevCondLst>
+              <p:nextCondLst>
+                <p:cond delay="0" evt="onNext">
+                  <p:tgtEl>
+                    <p:sldTgt/>
+                  </p:tgtEl>
+                </p:cond>
+              </p:nextCondLst>
+            </p:seq>
+          </p:childTnLst>
+        </p:cTn>
+      </p:par>
+    </p:tnLst>
+  </p:timing>
 </p:sld>
 </file>
 
@@ -6603,14 +6583,14 @@
       </p:grpSpPr>
       <p:sp>
         <p:nvSpPr>
-          <p:cNvPr id="96" name="TextShape 1"/>
-          <p:cNvSpPr txBox="1"/>
+          <p:cNvPr id="90" name="CustomShape 1"/>
+          <p:cNvSpPr/>
           <p:nvPr/>
         </p:nvSpPr>
         <p:spPr>
           <a:xfrm>
             <a:off x="457200" y="274680"/>
-            <a:ext cx="7619760" cy="1142640"/>
+            <a:ext cx="7619400" cy="1142280"/>
           </a:xfrm>
           <a:prstGeom prst="rect">
             <a:avLst/>
@@ -6620,6 +6600,12 @@
             <a:noFill/>
           </a:ln>
         </p:spPr>
+        <p:style>
+          <a:lnRef idx="0"/>
+          <a:fillRef idx="0"/>
+          <a:effectRef idx="0"/>
+          <a:fontRef idx="minor"/>
+        </p:style>
         <p:txBody>
           <a:bodyPr lIns="0" rIns="0" tIns="0" bIns="0" anchor="ctr"/>
           <a:p>
@@ -6629,7 +6615,7 @@
               </a:lnSpc>
             </a:pPr>
             <a:r>
-              <a:rPr b="0" lang="pt-BR" sz="4600" spc="-97" strike="noStrike">
+              <a:rPr b="0" lang="en-US" sz="4600" spc="-94" strike="noStrike">
                 <a:solidFill>
                   <a:srgbClr val="675e47"/>
                 </a:solidFill>
@@ -6643,7 +6629,7 @@
               <a:t>          </a:t>
             </a:r>
             <a:r>
-              <a:rPr b="0" lang="pt-BR" sz="4600" spc="-97" strike="noStrike">
+              <a:rPr b="0" lang="en-US" sz="4600" spc="-94" strike="noStrike">
                 <a:solidFill>
                   <a:srgbClr val="675e47"/>
                 </a:solidFill>
@@ -6656,23 +6642,23 @@
               </a:rPr>
               <a:t>Vamos para o código!</a:t>
             </a:r>
-            <a:endParaRPr b="0" lang="pt-BR" sz="4600" spc="-1" strike="noStrike">
-              <a:solidFill>
-                <a:srgbClr val="2f2b20"/>
-              </a:solidFill>
-              <a:uFill>
-                <a:solidFill>
-                  <a:srgbClr val="ffffff"/>
-                </a:solidFill>
-              </a:uFill>
-              <a:latin typeface="Calibri"/>
+            <a:endParaRPr b="0" lang="en-US" sz="4600" spc="-1" strike="noStrike">
+              <a:solidFill>
+                <a:srgbClr val="000000"/>
+              </a:solidFill>
+              <a:uFill>
+                <a:solidFill>
+                  <a:srgbClr val="ffffff"/>
+                </a:solidFill>
+              </a:uFill>
+              <a:latin typeface="Arial"/>
             </a:endParaRPr>
           </a:p>
         </p:txBody>
       </p:sp>
       <p:pic>
         <p:nvPicPr>
-          <p:cNvPr id="97" name="" descr=""/>
+          <p:cNvPr id="91" name="" descr=""/>
           <p:cNvPicPr/>
           <p:nvPr/>
         </p:nvPicPr>
@@ -6683,7 +6669,7 @@
         <p:spPr>
           <a:xfrm>
             <a:off x="0" y="1257840"/>
-            <a:ext cx="9143640" cy="5142960"/>
+            <a:ext cx="9143280" cy="5142600"/>
           </a:xfrm>
           <a:prstGeom prst="rect">
             <a:avLst/>
@@ -6695,6 +6681,33 @@
       </p:pic>
     </p:spTree>
   </p:cSld>
+  <p:timing>
+    <p:tnLst>
+      <p:par>
+        <p:cTn id="11" dur="indefinite" restart="never" nodeType="tmRoot">
+          <p:childTnLst>
+            <p:seq>
+              <p:cTn id="12" nodeType="mainSeq"/>
+              <p:prevCondLst>
+                <p:cond delay="0" evt="onPrev">
+                  <p:tgtEl>
+                    <p:sldTgt/>
+                  </p:tgtEl>
+                </p:cond>
+              </p:prevCondLst>
+              <p:nextCondLst>
+                <p:cond delay="0" evt="onNext">
+                  <p:tgtEl>
+                    <p:sldTgt/>
+                  </p:tgtEl>
+                </p:cond>
+              </p:nextCondLst>
+            </p:seq>
+          </p:childTnLst>
+        </p:cTn>
+      </p:par>
+    </p:tnLst>
+  </p:timing>
 </p:sld>
 </file>
 
@@ -6717,14 +6730,14 @@
       </p:grpSpPr>
       <p:sp>
         <p:nvSpPr>
-          <p:cNvPr id="98" name="TextShape 1"/>
-          <p:cNvSpPr txBox="1"/>
+          <p:cNvPr id="92" name="CustomShape 1"/>
+          <p:cNvSpPr/>
           <p:nvPr/>
         </p:nvSpPr>
         <p:spPr>
           <a:xfrm>
             <a:off x="457200" y="274680"/>
-            <a:ext cx="7619760" cy="1142640"/>
+            <a:ext cx="7619400" cy="1142280"/>
           </a:xfrm>
           <a:prstGeom prst="rect">
             <a:avLst/>
@@ -6734,8 +6747,14 @@
             <a:noFill/>
           </a:ln>
         </p:spPr>
-        <p:txBody>
-          <a:bodyPr anchor="ctr"/>
+        <p:style>
+          <a:lnRef idx="0"/>
+          <a:fillRef idx="0"/>
+          <a:effectRef idx="0"/>
+          <a:fontRef idx="minor"/>
+        </p:style>
+        <p:txBody>
+          <a:bodyPr lIns="90000" rIns="90000" tIns="45000" bIns="45000" anchor="ctr"/>
           <a:p>
             <a:pPr>
               <a:lnSpc>
@@ -6743,7 +6762,7 @@
               </a:lnSpc>
             </a:pPr>
             <a:r>
-              <a:rPr b="0" lang="pt-BR" sz="4600" spc="-97" strike="noStrike">
+              <a:rPr b="0" lang="en-US" sz="4600" spc="-94" strike="noStrike">
                 <a:solidFill>
                   <a:srgbClr val="675e47"/>
                 </a:solidFill>
@@ -6757,7 +6776,7 @@
               <a:t>    </a:t>
             </a:r>
             <a:r>
-              <a:rPr b="0" lang="pt-BR" sz="4600" spc="-97" strike="noStrike">
+              <a:rPr b="0" lang="en-US" sz="4600" spc="-94" strike="noStrike">
                 <a:solidFill>
                   <a:srgbClr val="675e47"/>
                 </a:solidFill>
@@ -6770,30 +6789,30 @@
               </a:rPr>
               <a:t>Referências Bibliográficas</a:t>
             </a:r>
-            <a:endParaRPr b="0" lang="pt-BR" sz="4600" spc="-1" strike="noStrike">
-              <a:solidFill>
-                <a:srgbClr val="2f2b20"/>
-              </a:solidFill>
-              <a:uFill>
-                <a:solidFill>
-                  <a:srgbClr val="ffffff"/>
-                </a:solidFill>
-              </a:uFill>
-              <a:latin typeface="Calibri"/>
-            </a:endParaRPr>
-          </a:p>
-        </p:txBody>
-      </p:sp>
-      <p:sp>
-        <p:nvSpPr>
-          <p:cNvPr id="99" name="TextShape 2"/>
-          <p:cNvSpPr txBox="1"/>
+            <a:endParaRPr b="0" lang="en-US" sz="4600" spc="-1" strike="noStrike">
+              <a:solidFill>
+                <a:srgbClr val="000000"/>
+              </a:solidFill>
+              <a:uFill>
+                <a:solidFill>
+                  <a:srgbClr val="ffffff"/>
+                </a:solidFill>
+              </a:uFill>
+              <a:latin typeface="Arial"/>
+            </a:endParaRPr>
+          </a:p>
+        </p:txBody>
+      </p:sp>
+      <p:sp>
+        <p:nvSpPr>
+          <p:cNvPr id="93" name="CustomShape 2"/>
+          <p:cNvSpPr/>
           <p:nvPr/>
         </p:nvSpPr>
         <p:spPr>
           <a:xfrm>
             <a:off x="457200" y="1600200"/>
-            <a:ext cx="7619760" cy="4800240"/>
+            <a:ext cx="7619400" cy="4799880"/>
           </a:xfrm>
           <a:prstGeom prst="rect">
             <a:avLst/>
@@ -6803,8 +6822,14 @@
             <a:noFill/>
           </a:ln>
         </p:spPr>
-        <p:txBody>
-          <a:bodyPr>
+        <p:style>
+          <a:lnRef idx="0"/>
+          <a:fillRef idx="0"/>
+          <a:effectRef idx="0"/>
+          <a:fontRef idx="minor"/>
+        </p:style>
+        <p:txBody>
+          <a:bodyPr lIns="90000" rIns="90000" tIns="45000" bIns="45000">
             <a:normAutofit/>
           </a:bodyPr>
           <a:p>
@@ -6817,9 +6842,9 @@
               </a:spcBef>
             </a:pPr>
             <a:r>
-              <a:rPr b="0" lang="pt-BR" sz="2200" spc="-1" strike="noStrike" u="sng">
-                <a:solidFill>
-                  <a:srgbClr val="d25814"/>
+              <a:rPr b="0" lang="en-US" sz="2200" spc="-1" strike="noStrike" u="sng">
+                <a:solidFill>
+                  <a:srgbClr val="0000ff"/>
                 </a:solidFill>
                 <a:uFill>
                   <a:solidFill>
@@ -6832,9 +6857,9 @@
               <a:t>https://</a:t>
             </a:r>
             <a:r>
-              <a:rPr b="0" lang="pt-BR" sz="2200" spc="-1" strike="noStrike" u="sng">
-                <a:solidFill>
-                  <a:srgbClr val="d25814"/>
+              <a:rPr b="0" lang="en-US" sz="2200" spc="-1" strike="noStrike" u="sng">
+                <a:solidFill>
+                  <a:srgbClr val="0000ff"/>
                 </a:solidFill>
                 <a:uFill>
                   <a:solidFill>
@@ -6846,16 +6871,16 @@
               </a:rPr>
               <a:t>pt.wikipedia.org/wiki/Bucket_sort</a:t>
             </a:r>
-            <a:endParaRPr b="0" lang="pt-BR" sz="2200" spc="-1" strike="noStrike">
-              <a:solidFill>
-                <a:srgbClr val="2f2b20"/>
-              </a:solidFill>
-              <a:uFill>
-                <a:solidFill>
-                  <a:srgbClr val="ffffff"/>
-                </a:solidFill>
-              </a:uFill>
-              <a:latin typeface="Calibri"/>
+            <a:endParaRPr b="0" lang="en-US" sz="2200" spc="-1" strike="noStrike">
+              <a:solidFill>
+                <a:srgbClr val="000000"/>
+              </a:solidFill>
+              <a:uFill>
+                <a:solidFill>
+                  <a:srgbClr val="ffffff"/>
+                </a:solidFill>
+              </a:uFill>
+              <a:latin typeface="Arial"/>
             </a:endParaRPr>
           </a:p>
           <a:p>
@@ -6868,9 +6893,9 @@
               </a:spcBef>
             </a:pPr>
             <a:r>
-              <a:rPr b="0" lang="pt-BR" sz="2200" spc="-1" strike="noStrike" u="sng">
-                <a:solidFill>
-                  <a:srgbClr val="d25814"/>
+              <a:rPr b="0" lang="en-US" sz="2200" spc="-1" strike="noStrike" u="sng">
+                <a:solidFill>
+                  <a:srgbClr val="0000ff"/>
                 </a:solidFill>
                 <a:uFill>
                   <a:solidFill>
@@ -6883,9 +6908,9 @@
               <a:t>http://www.geeksforgeeks.org/bucket-sort-2</a:t>
             </a:r>
             <a:r>
-              <a:rPr b="0" lang="pt-BR" sz="2200" spc="-1" strike="noStrike" u="sng">
-                <a:solidFill>
-                  <a:srgbClr val="d25814"/>
+              <a:rPr b="0" lang="en-US" sz="2200" spc="-1" strike="noStrike" u="sng">
+                <a:solidFill>
+                  <a:srgbClr val="0000ff"/>
                 </a:solidFill>
                 <a:uFill>
                   <a:solidFill>
@@ -6897,16 +6922,16 @@
               </a:rPr>
               <a:t>/</a:t>
             </a:r>
-            <a:endParaRPr b="0" lang="pt-BR" sz="2200" spc="-1" strike="noStrike">
-              <a:solidFill>
-                <a:srgbClr val="2f2b20"/>
-              </a:solidFill>
-              <a:uFill>
-                <a:solidFill>
-                  <a:srgbClr val="ffffff"/>
-                </a:solidFill>
-              </a:uFill>
-              <a:latin typeface="Calibri"/>
+            <a:endParaRPr b="0" lang="en-US" sz="2200" spc="-1" strike="noStrike">
+              <a:solidFill>
+                <a:srgbClr val="000000"/>
+              </a:solidFill>
+              <a:uFill>
+                <a:solidFill>
+                  <a:srgbClr val="ffffff"/>
+                </a:solidFill>
+              </a:uFill>
+              <a:latin typeface="Arial"/>
             </a:endParaRPr>
           </a:p>
           <a:p>
@@ -6919,9 +6944,9 @@
               </a:spcBef>
             </a:pPr>
             <a:r>
-              <a:rPr b="0" lang="pt-BR" sz="2200" spc="-1" strike="noStrike" u="sng">
-                <a:solidFill>
-                  <a:srgbClr val="d25814"/>
+              <a:rPr b="0" lang="en-US" sz="2200" spc="-1" strike="noStrike" u="sng">
+                <a:solidFill>
+                  <a:srgbClr val="0000ff"/>
                 </a:solidFill>
                 <a:uFill>
                   <a:solidFill>
@@ -6934,9 +6959,9 @@
               <a:t>http://sheilaalmeida.pro.br/dl/1-4-LMDM_MDA_fea2b</a:t>
             </a:r>
             <a:r>
-              <a:rPr b="0" lang="pt-BR" sz="2200" spc="-1" strike="noStrike" u="sng">
-                <a:solidFill>
-                  <a:srgbClr val="d25814"/>
+              <a:rPr b="0" lang="en-US" sz="2200" spc="-1" strike="noStrike" u="sng">
+                <a:solidFill>
+                  <a:srgbClr val="0000ff"/>
                 </a:solidFill>
                 <a:uFill>
                   <a:solidFill>
@@ -6948,16 +6973,16 @@
               </a:rPr>
               <a:t>_</a:t>
             </a:r>
-            <a:endParaRPr b="0" lang="pt-BR" sz="2200" spc="-1" strike="noStrike">
-              <a:solidFill>
-                <a:srgbClr val="2f2b20"/>
-              </a:solidFill>
-              <a:uFill>
-                <a:solidFill>
-                  <a:srgbClr val="ffffff"/>
-                </a:solidFill>
-              </a:uFill>
-              <a:latin typeface="Calibri"/>
+            <a:endParaRPr b="0" lang="en-US" sz="2200" spc="-1" strike="noStrike">
+              <a:solidFill>
+                <a:srgbClr val="000000"/>
+              </a:solidFill>
+              <a:uFill>
+                <a:solidFill>
+                  <a:srgbClr val="ffffff"/>
+                </a:solidFill>
+              </a:uFill>
+              <a:latin typeface="Arial"/>
             </a:endParaRPr>
           </a:p>
           <a:p>
@@ -6970,9 +6995,9 @@
               </a:spcBef>
             </a:pPr>
             <a:r>
-              <a:rPr b="0" lang="pt-BR" sz="2200" spc="-1" strike="noStrike" u="sng">
-                <a:solidFill>
-                  <a:srgbClr val="d25814"/>
+              <a:rPr b="0" lang="en-US" sz="2200" spc="-1" strike="noStrike" u="sng">
+                <a:solidFill>
+                  <a:srgbClr val="0000ff"/>
                 </a:solidFill>
                 <a:uFill>
                   <a:solidFill>
@@ -6985,9 +7010,9 @@
               <a:t>http://</a:t>
             </a:r>
             <a:r>
-              <a:rPr b="0" lang="pt-BR" sz="2200" spc="-1" strike="noStrike" u="sng">
-                <a:solidFill>
-                  <a:srgbClr val="d25814"/>
+              <a:rPr b="0" lang="en-US" sz="2200" spc="-1" strike="noStrike" u="sng">
+                <a:solidFill>
+                  <a:srgbClr val="0000ff"/>
                 </a:solidFill>
                 <a:uFill>
                   <a:solidFill>
@@ -6999,16 +7024,16 @@
               </a:rPr>
               <a:t>www.faccamp.br/osvaldo/SequenciasConjuntos.pdf</a:t>
             </a:r>
-            <a:endParaRPr b="0" lang="pt-BR" sz="2200" spc="-1" strike="noStrike">
-              <a:solidFill>
-                <a:srgbClr val="2f2b20"/>
-              </a:solidFill>
-              <a:uFill>
-                <a:solidFill>
-                  <a:srgbClr val="ffffff"/>
-                </a:solidFill>
-              </a:uFill>
-              <a:latin typeface="Calibri"/>
+            <a:endParaRPr b="0" lang="en-US" sz="2200" spc="-1" strike="noStrike">
+              <a:solidFill>
+                <a:srgbClr val="000000"/>
+              </a:solidFill>
+              <a:uFill>
+                <a:solidFill>
+                  <a:srgbClr val="ffffff"/>
+                </a:solidFill>
+              </a:uFill>
+              <a:latin typeface="Arial"/>
             </a:endParaRPr>
           </a:p>
           <a:p>
@@ -7021,9 +7046,9 @@
               </a:spcBef>
             </a:pPr>
             <a:r>
-              <a:rPr b="0" lang="pt-BR" sz="2200" spc="-1" strike="noStrike" u="sng">
-                <a:solidFill>
-                  <a:srgbClr val="d25814"/>
+              <a:rPr b="0" lang="en-US" sz="2200" spc="-1" strike="noStrike" u="sng">
+                <a:solidFill>
+                  <a:srgbClr val="0000ff"/>
                 </a:solidFill>
                 <a:uFill>
                   <a:solidFill>
@@ -7036,9 +7061,9 @@
               <a:t>https</a:t>
             </a:r>
             <a:r>
-              <a:rPr b="0" lang="pt-BR" sz="2200" spc="-1" strike="noStrike" u="sng">
-                <a:solidFill>
-                  <a:srgbClr val="d25814"/>
+              <a:rPr b="0" lang="en-US" sz="2200" spc="-1" strike="noStrike" u="sng">
+                <a:solidFill>
+                  <a:srgbClr val="0000ff"/>
                 </a:solidFill>
                 <a:uFill>
                   <a:solidFill>
@@ -7051,9 +7076,9 @@
               <a:t>://www.ime.usp.br/~</a:t>
             </a:r>
             <a:r>
-              <a:rPr b="0" lang="pt-BR" sz="2200" spc="-1" strike="noStrike" u="sng">
-                <a:solidFill>
-                  <a:srgbClr val="d25814"/>
+              <a:rPr b="0" lang="en-US" sz="2200" spc="-1" strike="noStrike" u="sng">
+                <a:solidFill>
+                  <a:srgbClr val="0000ff"/>
                 </a:solidFill>
                 <a:uFill>
                   <a:solidFill>
@@ -7065,16 +7090,16 @@
               </a:rPr>
               <a:t>song/mac5710/slides/01complex.pdf</a:t>
             </a:r>
-            <a:endParaRPr b="0" lang="pt-BR" sz="2200" spc="-1" strike="noStrike">
-              <a:solidFill>
-                <a:srgbClr val="2f2b20"/>
-              </a:solidFill>
-              <a:uFill>
-                <a:solidFill>
-                  <a:srgbClr val="ffffff"/>
-                </a:solidFill>
-              </a:uFill>
-              <a:latin typeface="Calibri"/>
+            <a:endParaRPr b="0" lang="en-US" sz="2200" spc="-1" strike="noStrike">
+              <a:solidFill>
+                <a:srgbClr val="000000"/>
+              </a:solidFill>
+              <a:uFill>
+                <a:solidFill>
+                  <a:srgbClr val="ffffff"/>
+                </a:solidFill>
+              </a:uFill>
+              <a:latin typeface="Arial"/>
             </a:endParaRPr>
           </a:p>
           <a:p>
@@ -7086,58 +7111,16 @@
                 <a:spcPts val="439"/>
               </a:spcBef>
             </a:pPr>
-            <a:endParaRPr b="0" lang="pt-BR" sz="2200" spc="-1" strike="noStrike">
-              <a:solidFill>
-                <a:srgbClr val="2f2b20"/>
-              </a:solidFill>
-              <a:uFill>
-                <a:solidFill>
-                  <a:srgbClr val="ffffff"/>
-                </a:solidFill>
-              </a:uFill>
-              <a:latin typeface="Calibri"/>
-            </a:endParaRPr>
-          </a:p>
-          <a:p>
-            <a:pPr>
-              <a:lnSpc>
-                <a:spcPct val="100000"/>
-              </a:lnSpc>
-              <a:spcBef>
-                <a:spcPts val="439"/>
-              </a:spcBef>
-            </a:pPr>
-            <a:endParaRPr b="0" lang="pt-BR" sz="2200" spc="-1" strike="noStrike">
-              <a:solidFill>
-                <a:srgbClr val="2f2b20"/>
-              </a:solidFill>
-              <a:uFill>
-                <a:solidFill>
-                  <a:srgbClr val="ffffff"/>
-                </a:solidFill>
-              </a:uFill>
-              <a:latin typeface="Calibri"/>
-            </a:endParaRPr>
-          </a:p>
-          <a:p>
-            <a:pPr>
-              <a:lnSpc>
-                <a:spcPct val="100000"/>
-              </a:lnSpc>
-              <a:spcBef>
-                <a:spcPts val="439"/>
-              </a:spcBef>
-            </a:pPr>
-            <a:endParaRPr b="0" lang="pt-BR" sz="2200" spc="-1" strike="noStrike">
-              <a:solidFill>
-                <a:srgbClr val="2f2b20"/>
-              </a:solidFill>
-              <a:uFill>
-                <a:solidFill>
-                  <a:srgbClr val="ffffff"/>
-                </a:solidFill>
-              </a:uFill>
-              <a:latin typeface="Calibri"/>
+            <a:endParaRPr b="0" lang="en-US" sz="2200" spc="-1" strike="noStrike">
+              <a:solidFill>
+                <a:srgbClr val="000000"/>
+              </a:solidFill>
+              <a:uFill>
+                <a:solidFill>
+                  <a:srgbClr val="ffffff"/>
+                </a:solidFill>
+              </a:uFill>
+              <a:latin typeface="Arial"/>
             </a:endParaRPr>
           </a:p>
           <a:p>
@@ -7149,30 +7132,16 @@
                 <a:spcPts val="439"/>
               </a:spcBef>
             </a:pPr>
-            <a:r>
-              <a:rPr b="0" lang="pt-BR" sz="2200" spc="-1" strike="noStrike">
-                <a:solidFill>
-                  <a:srgbClr val="2f2b20"/>
-                </a:solidFill>
-                <a:uFill>
-                  <a:solidFill>
-                    <a:srgbClr val="ffffff"/>
-                  </a:solidFill>
-                </a:uFill>
-                <a:latin typeface="Calibri"/>
-              </a:rPr>
-              <a:t>Dupla:</a:t>
-            </a:r>
-            <a:endParaRPr b="0" lang="pt-BR" sz="2200" spc="-1" strike="noStrike">
-              <a:solidFill>
-                <a:srgbClr val="2f2b20"/>
-              </a:solidFill>
-              <a:uFill>
-                <a:solidFill>
-                  <a:srgbClr val="ffffff"/>
-                </a:solidFill>
-              </a:uFill>
-              <a:latin typeface="Calibri"/>
+            <a:endParaRPr b="0" lang="en-US" sz="2200" spc="-1" strike="noStrike">
+              <a:solidFill>
+                <a:srgbClr val="000000"/>
+              </a:solidFill>
+              <a:uFill>
+                <a:solidFill>
+                  <a:srgbClr val="ffffff"/>
+                </a:solidFill>
+              </a:uFill>
+              <a:latin typeface="Arial"/>
             </a:endParaRPr>
           </a:p>
           <a:p>
@@ -7184,30 +7153,16 @@
                 <a:spcPts val="439"/>
               </a:spcBef>
             </a:pPr>
-            <a:r>
-              <a:rPr b="0" lang="pt-BR" sz="2200" spc="-1" strike="noStrike">
-                <a:solidFill>
-                  <a:srgbClr val="2f2b20"/>
-                </a:solidFill>
-                <a:uFill>
-                  <a:solidFill>
-                    <a:srgbClr val="ffffff"/>
-                  </a:solidFill>
-                </a:uFill>
-                <a:latin typeface="Calibri"/>
-              </a:rPr>
-              <a:t>Valdecir da Silva Pereira</a:t>
-            </a:r>
-            <a:endParaRPr b="0" lang="pt-BR" sz="2200" spc="-1" strike="noStrike">
-              <a:solidFill>
-                <a:srgbClr val="2f2b20"/>
-              </a:solidFill>
-              <a:uFill>
-                <a:solidFill>
-                  <a:srgbClr val="ffffff"/>
-                </a:solidFill>
-              </a:uFill>
-              <a:latin typeface="Calibri"/>
+            <a:endParaRPr b="0" lang="en-US" sz="2200" spc="-1" strike="noStrike">
+              <a:solidFill>
+                <a:srgbClr val="000000"/>
+              </a:solidFill>
+              <a:uFill>
+                <a:solidFill>
+                  <a:srgbClr val="ffffff"/>
+                </a:solidFill>
+              </a:uFill>
+              <a:latin typeface="Arial"/>
             </a:endParaRPr>
           </a:p>
           <a:p>
@@ -7220,7 +7175,7 @@
               </a:spcBef>
             </a:pPr>
             <a:r>
-              <a:rPr b="0" lang="pt-BR" sz="2200" spc="-1" strike="noStrike">
+              <a:rPr b="0" lang="en-US" sz="2200" spc="-1" strike="noStrike">
                 <a:solidFill>
                   <a:srgbClr val="2f2b20"/>
                 </a:solidFill>
@@ -7231,18 +7186,18 @@
                 </a:uFill>
                 <a:latin typeface="Calibri"/>
               </a:rPr>
-              <a:t>Iago Fonseca de Santana</a:t>
-            </a:r>
-            <a:endParaRPr b="0" lang="pt-BR" sz="2200" spc="-1" strike="noStrike">
-              <a:solidFill>
-                <a:srgbClr val="2f2b20"/>
-              </a:solidFill>
-              <a:uFill>
-                <a:solidFill>
-                  <a:srgbClr val="ffffff"/>
-                </a:solidFill>
-              </a:uFill>
-              <a:latin typeface="Calibri"/>
+              <a:t>Dupla:</a:t>
+            </a:r>
+            <a:endParaRPr b="0" lang="en-US" sz="2200" spc="-1" strike="noStrike">
+              <a:solidFill>
+                <a:srgbClr val="000000"/>
+              </a:solidFill>
+              <a:uFill>
+                <a:solidFill>
+                  <a:srgbClr val="ffffff"/>
+                </a:solidFill>
+              </a:uFill>
+              <a:latin typeface="Arial"/>
             </a:endParaRPr>
           </a:p>
           <a:p>
@@ -7254,22 +7209,119 @@
                 <a:spcPts val="439"/>
               </a:spcBef>
             </a:pPr>
-            <a:endParaRPr b="0" lang="pt-BR" sz="2200" spc="-1" strike="noStrike">
-              <a:solidFill>
-                <a:srgbClr val="2f2b20"/>
-              </a:solidFill>
-              <a:uFill>
-                <a:solidFill>
-                  <a:srgbClr val="ffffff"/>
-                </a:solidFill>
-              </a:uFill>
-              <a:latin typeface="Calibri"/>
+            <a:r>
+              <a:rPr b="0" lang="en-US" sz="2200" spc="-1" strike="noStrike">
+                <a:solidFill>
+                  <a:srgbClr val="2f2b20"/>
+                </a:solidFill>
+                <a:uFill>
+                  <a:solidFill>
+                    <a:srgbClr val="ffffff"/>
+                  </a:solidFill>
+                </a:uFill>
+                <a:latin typeface="Calibri"/>
+              </a:rPr>
+              <a:t>Valdecir da Silva Pereira</a:t>
+            </a:r>
+            <a:endParaRPr b="0" lang="en-US" sz="2200" spc="-1" strike="noStrike">
+              <a:solidFill>
+                <a:srgbClr val="000000"/>
+              </a:solidFill>
+              <a:uFill>
+                <a:solidFill>
+                  <a:srgbClr val="ffffff"/>
+                </a:solidFill>
+              </a:uFill>
+              <a:latin typeface="Arial"/>
+            </a:endParaRPr>
+          </a:p>
+          <a:p>
+            <a:pPr marL="114480">
+              <a:lnSpc>
+                <a:spcPct val="100000"/>
+              </a:lnSpc>
+              <a:spcBef>
+                <a:spcPts val="439"/>
+              </a:spcBef>
+            </a:pPr>
+            <a:r>
+              <a:rPr b="0" lang="en-US" sz="2200" spc="-1" strike="noStrike">
+                <a:solidFill>
+                  <a:srgbClr val="2f2b20"/>
+                </a:solidFill>
+                <a:uFill>
+                  <a:solidFill>
+                    <a:srgbClr val="ffffff"/>
+                  </a:solidFill>
+                </a:uFill>
+                <a:latin typeface="Calibri"/>
+              </a:rPr>
+              <a:t>Iago Fonseca de Santana</a:t>
+            </a:r>
+            <a:endParaRPr b="0" lang="en-US" sz="2200" spc="-1" strike="noStrike">
+              <a:solidFill>
+                <a:srgbClr val="000000"/>
+              </a:solidFill>
+              <a:uFill>
+                <a:solidFill>
+                  <a:srgbClr val="ffffff"/>
+                </a:solidFill>
+              </a:uFill>
+              <a:latin typeface="Arial"/>
+            </a:endParaRPr>
+          </a:p>
+          <a:p>
+            <a:pPr marL="114480">
+              <a:lnSpc>
+                <a:spcPct val="100000"/>
+              </a:lnSpc>
+              <a:spcBef>
+                <a:spcPts val="439"/>
+              </a:spcBef>
+            </a:pPr>
+            <a:endParaRPr b="0" lang="en-US" sz="2200" spc="-1" strike="noStrike">
+              <a:solidFill>
+                <a:srgbClr val="000000"/>
+              </a:solidFill>
+              <a:uFill>
+                <a:solidFill>
+                  <a:srgbClr val="ffffff"/>
+                </a:solidFill>
+              </a:uFill>
+              <a:latin typeface="Arial"/>
             </a:endParaRPr>
           </a:p>
         </p:txBody>
       </p:sp>
     </p:spTree>
   </p:cSld>
+  <p:timing>
+    <p:tnLst>
+      <p:par>
+        <p:cTn id="13" dur="indefinite" restart="never" nodeType="tmRoot">
+          <p:childTnLst>
+            <p:seq>
+              <p:cTn id="14" nodeType="mainSeq"/>
+              <p:prevCondLst>
+                <p:cond delay="0" evt="onPrev">
+                  <p:tgtEl>
+                    <p:sldTgt/>
+                  </p:tgtEl>
+                </p:cond>
+              </p:prevCondLst>
+              <p:nextCondLst>
+                <p:cond delay="0" evt="onNext">
+                  <p:tgtEl>
+                    <p:sldTgt/>
+                  </p:tgtEl>
+                </p:cond>
+              </p:nextCondLst>
+            </p:seq>
+          </p:childTnLst>
+        </p:cTn>
+      </p:par>
+    </p:tnLst>
+  </p:timing>
 </p:sld>
 </file>
 
@@ -7292,14 +7344,14 @@
       </p:grpSpPr>
       <p:sp>
         <p:nvSpPr>
-          <p:cNvPr id="100" name="TextShape 1"/>
-          <p:cNvSpPr txBox="1"/>
+          <p:cNvPr id="94" name="CustomShape 1"/>
+          <p:cNvSpPr/>
           <p:nvPr/>
         </p:nvSpPr>
         <p:spPr>
           <a:xfrm>
             <a:off x="457200" y="274680"/>
-            <a:ext cx="7619760" cy="1142640"/>
+            <a:ext cx="7619400" cy="1142280"/>
           </a:xfrm>
           <a:prstGeom prst="rect">
             <a:avLst/>
@@ -7309,6 +7361,12 @@
             <a:noFill/>
           </a:ln>
         </p:spPr>
+        <p:style>
+          <a:lnRef idx="0"/>
+          <a:fillRef idx="0"/>
+          <a:effectRef idx="0"/>
+          <a:fontRef idx="minor"/>
+        </p:style>
         <p:txBody>
           <a:bodyPr lIns="0" rIns="0" tIns="0" bIns="0" anchor="ctr"/>
           <a:p>
@@ -7318,7 +7376,7 @@
               </a:lnSpc>
             </a:pPr>
             <a:r>
-              <a:rPr b="0" lang="pt-BR" sz="4600" spc="-97" strike="noStrike">
+              <a:rPr b="0" lang="en-US" sz="4600" spc="-94" strike="noStrike">
                 <a:solidFill>
                   <a:srgbClr val="675e47"/>
                 </a:solidFill>
@@ -7332,7 +7390,7 @@
               <a:t>             </a:t>
             </a:r>
             <a:r>
-              <a:rPr b="0" lang="pt-BR" sz="4600" spc="-97" strike="noStrike">
+              <a:rPr b="0" lang="en-US" sz="4600" spc="-94" strike="noStrike">
                 <a:solidFill>
                   <a:srgbClr val="675e47"/>
                 </a:solidFill>
@@ -7345,22 +7403,49 @@
               </a:rPr>
               <a:t>MUITO OBRIGADO!</a:t>
             </a:r>
-            <a:endParaRPr b="0" lang="pt-BR" sz="4600" spc="-1" strike="noStrike">
-              <a:solidFill>
-                <a:srgbClr val="2f2b20"/>
-              </a:solidFill>
-              <a:uFill>
-                <a:solidFill>
-                  <a:srgbClr val="ffffff"/>
-                </a:solidFill>
-              </a:uFill>
-              <a:latin typeface="Calibri"/>
+            <a:endParaRPr b="0" lang="en-US" sz="4600" spc="-1" strike="noStrike">
+              <a:solidFill>
+                <a:srgbClr val="000000"/>
+              </a:solidFill>
+              <a:uFill>
+                <a:solidFill>
+                  <a:srgbClr val="ffffff"/>
+                </a:solidFill>
+              </a:uFill>
+              <a:latin typeface="Arial"/>
             </a:endParaRPr>
           </a:p>
         </p:txBody>
       </p:sp>
     </p:spTree>
   </p:cSld>
+  <p:timing>
+    <p:tnLst>
+      <p:par>
+        <p:cTn id="15" dur="indefinite" restart="never" nodeType="tmRoot">
+          <p:childTnLst>
+            <p:seq>
+              <p:cTn id="16" nodeType="mainSeq"/>
+              <p:prevCondLst>
+                <p:cond delay="0" evt="onPrev">
+                  <p:tgtEl>
+                    <p:sldTgt/>
+                  </p:tgtEl>
+                </p:cond>
+              </p:prevCondLst>
+              <p:nextCondLst>
+                <p:cond delay="0" evt="onNext">
+                  <p:tgtEl>
+                    <p:sldTgt/>
+                  </p:tgtEl>
+                </p:cond>
+              </p:nextCondLst>
+            </p:seq>
+          </p:childTnLst>
+        </p:cTn>
+      </p:par>
+    </p:tnLst>
+  </p:timing>
 </p:sld>
 </file>
 
@@ -7383,14 +7468,14 @@
       </p:grpSpPr>
       <p:sp>
         <p:nvSpPr>
-          <p:cNvPr id="101" name="TextShape 1"/>
-          <p:cNvSpPr txBox="1"/>
+          <p:cNvPr id="95" name="CustomShape 1"/>
+          <p:cNvSpPr/>
           <p:nvPr/>
         </p:nvSpPr>
         <p:spPr>
           <a:xfrm>
             <a:off x="457200" y="274680"/>
-            <a:ext cx="7619760" cy="1142640"/>
+            <a:ext cx="7619400" cy="1142280"/>
           </a:xfrm>
           <a:prstGeom prst="rect">
             <a:avLst/>
@@ -7400,8 +7485,14 @@
             <a:noFill/>
           </a:ln>
         </p:spPr>
-        <p:txBody>
-          <a:bodyPr anchor="ctr">
+        <p:style>
+          <a:lnRef idx="0"/>
+          <a:fillRef idx="0"/>
+          <a:effectRef idx="0"/>
+          <a:fontRef idx="minor"/>
+        </p:style>
+        <p:txBody>
+          <a:bodyPr lIns="90000" rIns="90000" tIns="45000" bIns="45000" anchor="ctr">
             <a:normAutofit/>
           </a:bodyPr>
           <a:p>
@@ -7411,7 +7502,7 @@
               </a:lnSpc>
             </a:pPr>
             <a:r>
-              <a:rPr b="0" lang="pt-BR" sz="4600" spc="-97" strike="noStrike">
+              <a:rPr b="0" lang="en-US" sz="4600" spc="-94" strike="noStrike">
                 <a:solidFill>
                   <a:srgbClr val="675e47"/>
                 </a:solidFill>
@@ -7424,30 +7515,30 @@
               </a:rPr>
               <a:t>Exemplo ilustativo funcionamento</a:t>
             </a:r>
-            <a:endParaRPr b="0" lang="pt-BR" sz="4600" spc="-1" strike="noStrike">
-              <a:solidFill>
-                <a:srgbClr val="2f2b20"/>
-              </a:solidFill>
-              <a:uFill>
-                <a:solidFill>
-                  <a:srgbClr val="ffffff"/>
-                </a:solidFill>
-              </a:uFill>
-              <a:latin typeface="Calibri"/>
-            </a:endParaRPr>
-          </a:p>
-        </p:txBody>
-      </p:sp>
-      <p:sp>
-        <p:nvSpPr>
-          <p:cNvPr id="102" name="TextShape 2"/>
-          <p:cNvSpPr txBox="1"/>
+            <a:endParaRPr b="0" lang="en-US" sz="4600" spc="-1" strike="noStrike">
+              <a:solidFill>
+                <a:srgbClr val="000000"/>
+              </a:solidFill>
+              <a:uFill>
+                <a:solidFill>
+                  <a:srgbClr val="ffffff"/>
+                </a:solidFill>
+              </a:uFill>
+              <a:latin typeface="Arial"/>
+            </a:endParaRPr>
+          </a:p>
+        </p:txBody>
+      </p:sp>
+      <p:sp>
+        <p:nvSpPr>
+          <p:cNvPr id="96" name="CustomShape 2"/>
+          <p:cNvSpPr/>
           <p:nvPr/>
         </p:nvSpPr>
         <p:spPr>
           <a:xfrm>
             <a:off x="395640" y="1412640"/>
-            <a:ext cx="8229240" cy="4525560"/>
+            <a:ext cx="8228880" cy="4525200"/>
           </a:xfrm>
           <a:prstGeom prst="rect">
             <a:avLst/>
@@ -7457,12 +7548,18 @@
             <a:noFill/>
           </a:ln>
         </p:spPr>
-        <p:txBody>
-          <a:bodyPr>
+        <p:style>
+          <a:lnRef idx="0"/>
+          <a:fillRef idx="0"/>
+          <a:effectRef idx="0"/>
+          <a:fontRef idx="minor"/>
+        </p:style>
+        <p:txBody>
+          <a:bodyPr lIns="90000" rIns="90000" tIns="45000" bIns="45000">
             <a:normAutofit/>
           </a:bodyPr>
           <a:p>
-            <a:pPr marL="343080" indent="-228240">
+            <a:pPr marL="343080" indent="-227880">
               <a:lnSpc>
                 <a:spcPct val="100000"/>
               </a:lnSpc>
@@ -7476,7 +7573,7 @@
               <a:buChar char="•"/>
             </a:pPr>
             <a:r>
-              <a:rPr b="0" lang="pt-BR" sz="3800" spc="-1" strike="noStrike">
+              <a:rPr b="0" lang="en-US" sz="3800" spc="-1" strike="noStrike">
                 <a:solidFill>
                   <a:srgbClr val="2f2b20"/>
                 </a:solidFill>
@@ -7489,16 +7586,16 @@
               </a:rPr>
               <a:t>Imagine o seguinte vetor  de 14 posições abaixo:</a:t>
             </a:r>
-            <a:endParaRPr b="0" lang="pt-BR" sz="3800" spc="-1" strike="noStrike">
-              <a:solidFill>
-                <a:srgbClr val="2f2b20"/>
-              </a:solidFill>
-              <a:uFill>
-                <a:solidFill>
-                  <a:srgbClr val="ffffff"/>
-                </a:solidFill>
-              </a:uFill>
-              <a:latin typeface="Calibri"/>
+            <a:endParaRPr b="0" lang="en-US" sz="3800" spc="-1" strike="noStrike">
+              <a:solidFill>
+                <a:srgbClr val="000000"/>
+              </a:solidFill>
+              <a:uFill>
+                <a:solidFill>
+                  <a:srgbClr val="ffffff"/>
+                </a:solidFill>
+              </a:uFill>
+              <a:latin typeface="Arial"/>
             </a:endParaRPr>
           </a:p>
           <a:p>
@@ -7511,7 +7608,7 @@
               </a:spcBef>
             </a:pPr>
             <a:r>
-              <a:rPr b="0" lang="pt-BR" sz="2800" spc="-1" strike="noStrike">
+              <a:rPr b="0" lang="en-US" sz="2800" spc="-1" strike="noStrike">
                 <a:solidFill>
                   <a:srgbClr val="2f2b20"/>
                 </a:solidFill>
@@ -7524,16 +7621,16 @@
               </a:rPr>
               <a:t>                 </a:t>
             </a:r>
-            <a:endParaRPr b="0" lang="pt-BR" sz="2800" spc="-1" strike="noStrike">
-              <a:solidFill>
-                <a:srgbClr val="2f2b20"/>
-              </a:solidFill>
-              <a:uFill>
-                <a:solidFill>
-                  <a:srgbClr val="ffffff"/>
-                </a:solidFill>
-              </a:uFill>
-              <a:latin typeface="Calibri"/>
+            <a:endParaRPr b="0" lang="en-US" sz="2800" spc="-1" strike="noStrike">
+              <a:solidFill>
+                <a:srgbClr val="000000"/>
+              </a:solidFill>
+              <a:uFill>
+                <a:solidFill>
+                  <a:srgbClr val="ffffff"/>
+                </a:solidFill>
+              </a:uFill>
+              <a:latin typeface="Arial"/>
             </a:endParaRPr>
           </a:p>
           <a:p>
@@ -7546,7 +7643,7 @@
               </a:spcBef>
             </a:pPr>
             <a:r>
-              <a:rPr b="0" lang="pt-BR" sz="2800" spc="-1" strike="noStrike">
+              <a:rPr b="0" lang="en-US" sz="2800" spc="-1" strike="noStrike">
                 <a:solidFill>
                   <a:srgbClr val="2f2b20"/>
                 </a:solidFill>
@@ -7560,7 +7657,7 @@
               <a:t>                       </a:t>
             </a:r>
             <a:r>
-              <a:rPr b="0" lang="pt-BR" sz="2800" spc="-1" strike="noStrike">
+              <a:rPr b="0" lang="en-US" sz="2800" spc="-1" strike="noStrike">
                 <a:solidFill>
                   <a:srgbClr val="2f2b20"/>
                 </a:solidFill>
@@ -7573,16 +7670,16 @@
               </a:rPr>
               <a:t>0         1           2        3       4         5        6       7         8        9       10      11     12       13</a:t>
             </a:r>
-            <a:endParaRPr b="0" lang="pt-BR" sz="2800" spc="-1" strike="noStrike">
-              <a:solidFill>
-                <a:srgbClr val="2f2b20"/>
-              </a:solidFill>
-              <a:uFill>
-                <a:solidFill>
-                  <a:srgbClr val="ffffff"/>
-                </a:solidFill>
-              </a:uFill>
-              <a:latin typeface="Calibri"/>
+            <a:endParaRPr b="0" lang="en-US" sz="2800" spc="-1" strike="noStrike">
+              <a:solidFill>
+                <a:srgbClr val="000000"/>
+              </a:solidFill>
+              <a:uFill>
+                <a:solidFill>
+                  <a:srgbClr val="ffffff"/>
+                </a:solidFill>
+              </a:uFill>
+              <a:latin typeface="Arial"/>
             </a:endParaRPr>
           </a:p>
           <a:p>
@@ -7594,20 +7691,20 @@
                 <a:spcPts val="561"/>
               </a:spcBef>
             </a:pPr>
-            <a:endParaRPr b="0" lang="pt-BR" sz="2800" spc="-1" strike="noStrike">
-              <a:solidFill>
-                <a:srgbClr val="2f2b20"/>
-              </a:solidFill>
-              <a:uFill>
-                <a:solidFill>
-                  <a:srgbClr val="ffffff"/>
-                </a:solidFill>
-              </a:uFill>
-              <a:latin typeface="Calibri"/>
-            </a:endParaRPr>
-          </a:p>
-          <a:p>
-            <a:pPr>
+            <a:endParaRPr b="0" lang="en-US" sz="2800" spc="-1" strike="noStrike">
+              <a:solidFill>
+                <a:srgbClr val="000000"/>
+              </a:solidFill>
+              <a:uFill>
+                <a:solidFill>
+                  <a:srgbClr val="ffffff"/>
+                </a:solidFill>
+              </a:uFill>
+              <a:latin typeface="Arial"/>
+            </a:endParaRPr>
+          </a:p>
+          <a:p>
+            <a:pPr marL="114480">
               <a:lnSpc>
                 <a:spcPct val="100000"/>
               </a:lnSpc>
@@ -7616,7 +7713,7 @@
               </a:spcBef>
             </a:pPr>
             <a:r>
-              <a:rPr b="0" lang="pt-BR" sz="2800" spc="-1" strike="noStrike">
+              <a:rPr b="0" lang="en-US" sz="2800" spc="-1" strike="noStrike">
                 <a:solidFill>
                   <a:srgbClr val="2f2b20"/>
                 </a:solidFill>
@@ -7629,20 +7726,20 @@
               </a:rPr>
               <a:t>      </a:t>
             </a:r>
-            <a:endParaRPr b="0" lang="pt-BR" sz="2800" spc="-1" strike="noStrike">
-              <a:solidFill>
-                <a:srgbClr val="2f2b20"/>
-              </a:solidFill>
-              <a:uFill>
-                <a:solidFill>
-                  <a:srgbClr val="ffffff"/>
-                </a:solidFill>
-              </a:uFill>
-              <a:latin typeface="Calibri"/>
-            </a:endParaRPr>
-          </a:p>
-          <a:p>
-            <a:pPr>
+            <a:endParaRPr b="0" lang="en-US" sz="2800" spc="-1" strike="noStrike">
+              <a:solidFill>
+                <a:srgbClr val="000000"/>
+              </a:solidFill>
+              <a:uFill>
+                <a:solidFill>
+                  <a:srgbClr val="ffffff"/>
+                </a:solidFill>
+              </a:uFill>
+              <a:latin typeface="Arial"/>
+            </a:endParaRPr>
+          </a:p>
+          <a:p>
+            <a:pPr marL="114480">
               <a:lnSpc>
                 <a:spcPct val="100000"/>
               </a:lnSpc>
@@ -7650,20 +7747,20 @@
                 <a:spcPts val="439"/>
               </a:spcBef>
             </a:pPr>
-            <a:endParaRPr b="0" lang="pt-BR" sz="2800" spc="-1" strike="noStrike">
-              <a:solidFill>
-                <a:srgbClr val="2f2b20"/>
-              </a:solidFill>
-              <a:uFill>
-                <a:solidFill>
-                  <a:srgbClr val="ffffff"/>
-                </a:solidFill>
-              </a:uFill>
-              <a:latin typeface="Calibri"/>
-            </a:endParaRPr>
-          </a:p>
-          <a:p>
-            <a:pPr>
+            <a:endParaRPr b="0" lang="en-US" sz="2800" spc="-1" strike="noStrike">
+              <a:solidFill>
+                <a:srgbClr val="000000"/>
+              </a:solidFill>
+              <a:uFill>
+                <a:solidFill>
+                  <a:srgbClr val="ffffff"/>
+                </a:solidFill>
+              </a:uFill>
+              <a:latin typeface="Arial"/>
+            </a:endParaRPr>
+          </a:p>
+          <a:p>
+            <a:pPr marL="114480">
               <a:lnSpc>
                 <a:spcPct val="100000"/>
               </a:lnSpc>
@@ -7671,20 +7768,20 @@
                 <a:spcPts val="581"/>
               </a:spcBef>
             </a:pPr>
-            <a:endParaRPr b="0" lang="pt-BR" sz="2800" spc="-1" strike="noStrike">
-              <a:solidFill>
-                <a:srgbClr val="2f2b20"/>
-              </a:solidFill>
-              <a:uFill>
-                <a:solidFill>
-                  <a:srgbClr val="ffffff"/>
-                </a:solidFill>
-              </a:uFill>
-              <a:latin typeface="Calibri"/>
-            </a:endParaRPr>
-          </a:p>
-          <a:p>
-            <a:pPr>
+            <a:endParaRPr b="0" lang="en-US" sz="2800" spc="-1" strike="noStrike">
+              <a:solidFill>
+                <a:srgbClr val="000000"/>
+              </a:solidFill>
+              <a:uFill>
+                <a:solidFill>
+                  <a:srgbClr val="ffffff"/>
+                </a:solidFill>
+              </a:uFill>
+              <a:latin typeface="Arial"/>
+            </a:endParaRPr>
+          </a:p>
+          <a:p>
+            <a:pPr marL="114480">
               <a:lnSpc>
                 <a:spcPct val="100000"/>
               </a:lnSpc>
@@ -7693,7 +7790,7 @@
               </a:spcBef>
             </a:pPr>
             <a:r>
-              <a:rPr b="0" lang="pt-BR" sz="3800" spc="-1" strike="noStrike">
+              <a:rPr b="0" lang="en-US" sz="3800" spc="-1" strike="noStrike">
                 <a:solidFill>
                   <a:srgbClr val="2f2b20"/>
                 </a:solidFill>
@@ -7706,20 +7803,20 @@
               </a:rPr>
               <a:t>Utilizando o bucket sort teriamos a organização destes valores em “Baldes” </a:t>
             </a:r>
-            <a:endParaRPr b="0" lang="pt-BR" sz="3800" spc="-1" strike="noStrike">
-              <a:solidFill>
-                <a:srgbClr val="2f2b20"/>
-              </a:solidFill>
-              <a:uFill>
-                <a:solidFill>
-                  <a:srgbClr val="ffffff"/>
-                </a:solidFill>
-              </a:uFill>
-              <a:latin typeface="Calibri"/>
-            </a:endParaRPr>
-          </a:p>
-          <a:p>
-            <a:pPr>
+            <a:endParaRPr b="0" lang="en-US" sz="3800" spc="-1" strike="noStrike">
+              <a:solidFill>
+                <a:srgbClr val="000000"/>
+              </a:solidFill>
+              <a:uFill>
+                <a:solidFill>
+                  <a:srgbClr val="ffffff"/>
+                </a:solidFill>
+              </a:uFill>
+              <a:latin typeface="Arial"/>
+            </a:endParaRPr>
+          </a:p>
+          <a:p>
+            <a:pPr marL="114480">
               <a:lnSpc>
                 <a:spcPct val="100000"/>
               </a:lnSpc>
@@ -7727,20 +7824,20 @@
                 <a:spcPts val="760"/>
               </a:spcBef>
             </a:pPr>
-            <a:endParaRPr b="0" lang="pt-BR" sz="3800" spc="-1" strike="noStrike">
-              <a:solidFill>
-                <a:srgbClr val="2f2b20"/>
-              </a:solidFill>
-              <a:uFill>
-                <a:solidFill>
-                  <a:srgbClr val="ffffff"/>
-                </a:solidFill>
-              </a:uFill>
-              <a:latin typeface="Calibri"/>
-            </a:endParaRPr>
-          </a:p>
-          <a:p>
-            <a:pPr>
+            <a:endParaRPr b="0" lang="en-US" sz="3800" spc="-1" strike="noStrike">
+              <a:solidFill>
+                <a:srgbClr val="000000"/>
+              </a:solidFill>
+              <a:uFill>
+                <a:solidFill>
+                  <a:srgbClr val="ffffff"/>
+                </a:solidFill>
+              </a:uFill>
+              <a:latin typeface="Arial"/>
+            </a:endParaRPr>
+          </a:p>
+          <a:p>
+            <a:pPr marL="114480">
               <a:lnSpc>
                 <a:spcPct val="100000"/>
               </a:lnSpc>
@@ -7749,7 +7846,7 @@
               </a:spcBef>
             </a:pPr>
             <a:r>
-              <a:rPr b="0" lang="pt-BR" sz="3800" spc="-1" strike="noStrike">
+              <a:rPr b="0" lang="en-US" sz="3800" spc="-1" strike="noStrike">
                 <a:solidFill>
                   <a:srgbClr val="2f2b20"/>
                 </a:solidFill>
@@ -7763,7 +7860,7 @@
               <a:t>Primeiramente, para se descobrir quantos baldes haverão, deve-se pegar o maior elemento do vetor,  no caso 22 e dividi-lo por 2. Teremos então </a:t>
             </a:r>
             <a:r>
-              <a:rPr b="0" lang="pt-BR" sz="3800" spc="-1" strike="noStrike">
+              <a:rPr b="0" lang="en-US" sz="3800" spc="-1" strike="noStrike">
                 <a:solidFill>
                   <a:srgbClr val="ff0000"/>
                 </a:solidFill>
@@ -7776,20 +7873,20 @@
               </a:rPr>
               <a:t>11 baldes.</a:t>
             </a:r>
-            <a:endParaRPr b="0" lang="pt-BR" sz="3800" spc="-1" strike="noStrike">
-              <a:solidFill>
-                <a:srgbClr val="2f2b20"/>
-              </a:solidFill>
-              <a:uFill>
-                <a:solidFill>
-                  <a:srgbClr val="ffffff"/>
-                </a:solidFill>
-              </a:uFill>
-              <a:latin typeface="Calibri"/>
-            </a:endParaRPr>
-          </a:p>
-          <a:p>
-            <a:pPr>
+            <a:endParaRPr b="0" lang="en-US" sz="3800" spc="-1" strike="noStrike">
+              <a:solidFill>
+                <a:srgbClr val="000000"/>
+              </a:solidFill>
+              <a:uFill>
+                <a:solidFill>
+                  <a:srgbClr val="ffffff"/>
+                </a:solidFill>
+              </a:uFill>
+              <a:latin typeface="Arial"/>
+            </a:endParaRPr>
+          </a:p>
+          <a:p>
+            <a:pPr marL="114480">
               <a:lnSpc>
                 <a:spcPct val="100000"/>
               </a:lnSpc>
@@ -7798,7 +7895,7 @@
               </a:spcBef>
             </a:pPr>
             <a:r>
-              <a:rPr b="0" lang="pt-BR" sz="3800" spc="-1" strike="noStrike">
+              <a:rPr b="0" lang="en-US" sz="3800" spc="-1" strike="noStrike">
                 <a:solidFill>
                   <a:srgbClr val="2f2b20"/>
                 </a:solidFill>
@@ -7811,20 +7908,20 @@
               </a:rPr>
               <a:t>  </a:t>
             </a:r>
-            <a:endParaRPr b="0" lang="pt-BR" sz="3800" spc="-1" strike="noStrike">
-              <a:solidFill>
-                <a:srgbClr val="2f2b20"/>
-              </a:solidFill>
-              <a:uFill>
-                <a:solidFill>
-                  <a:srgbClr val="ffffff"/>
-                </a:solidFill>
-              </a:uFill>
-              <a:latin typeface="Calibri"/>
-            </a:endParaRPr>
-          </a:p>
-          <a:p>
-            <a:pPr>
+            <a:endParaRPr b="0" lang="en-US" sz="3800" spc="-1" strike="noStrike">
+              <a:solidFill>
+                <a:srgbClr val="000000"/>
+              </a:solidFill>
+              <a:uFill>
+                <a:solidFill>
+                  <a:srgbClr val="ffffff"/>
+                </a:solidFill>
+              </a:uFill>
+              <a:latin typeface="Arial"/>
+            </a:endParaRPr>
+          </a:p>
+          <a:p>
+            <a:pPr marL="114480">
               <a:lnSpc>
                 <a:spcPct val="100000"/>
               </a:lnSpc>
@@ -7833,7 +7930,7 @@
               </a:spcBef>
             </a:pPr>
             <a:r>
-              <a:rPr b="0" lang="pt-BR" sz="3800" spc="-1" strike="noStrike">
+              <a:rPr b="0" lang="en-US" sz="3800" spc="-1" strike="noStrike">
                 <a:solidFill>
                   <a:srgbClr val="2f2b20"/>
                 </a:solidFill>
@@ -7846,20 +7943,20 @@
               </a:rPr>
               <a:t>Para descobrir o tamanho que cada balde comporta, ou seja, quantos elementos cabem em um mesmo balde, basta  pegar o maior elemento, no caso 22 e dividir </a:t>
             </a:r>
-            <a:endParaRPr b="0" lang="pt-BR" sz="3800" spc="-1" strike="noStrike">
-              <a:solidFill>
-                <a:srgbClr val="2f2b20"/>
-              </a:solidFill>
-              <a:uFill>
-                <a:solidFill>
-                  <a:srgbClr val="ffffff"/>
-                </a:solidFill>
-              </a:uFill>
-              <a:latin typeface="Calibri"/>
-            </a:endParaRPr>
-          </a:p>
-          <a:p>
-            <a:pPr>
+            <a:endParaRPr b="0" lang="en-US" sz="3800" spc="-1" strike="noStrike">
+              <a:solidFill>
+                <a:srgbClr val="000000"/>
+              </a:solidFill>
+              <a:uFill>
+                <a:solidFill>
+                  <a:srgbClr val="ffffff"/>
+                </a:solidFill>
+              </a:uFill>
+              <a:latin typeface="Arial"/>
+            </a:endParaRPr>
+          </a:p>
+          <a:p>
+            <a:pPr marL="114480">
               <a:lnSpc>
                 <a:spcPct val="100000"/>
               </a:lnSpc>
@@ -7868,7 +7965,7 @@
               </a:spcBef>
             </a:pPr>
             <a:r>
-              <a:rPr b="0" lang="pt-BR" sz="3800" spc="-1" strike="noStrike">
+              <a:rPr b="0" lang="en-US" sz="3800" spc="-1" strike="noStrike">
                 <a:solidFill>
                   <a:srgbClr val="2f2b20"/>
                 </a:solidFill>
@@ -7882,7 +7979,7 @@
               <a:t>pelo tamanho do vetor,  ou seja 14. Após a divisão, e arredondamento (se necessário) temos </a:t>
             </a:r>
             <a:r>
-              <a:rPr b="0" lang="pt-BR" sz="3800" spc="-1" strike="noStrike">
+              <a:rPr b="0" lang="en-US" sz="3800" spc="-1" strike="noStrike">
                 <a:solidFill>
                   <a:srgbClr val="ff0000"/>
                 </a:solidFill>
@@ -7896,7 +7993,7 @@
               <a:t>2</a:t>
             </a:r>
             <a:r>
-              <a:rPr b="0" lang="pt-BR" sz="3800" spc="-1" strike="noStrike">
+              <a:rPr b="0" lang="en-US" sz="3800" spc="-1" strike="noStrike">
                 <a:solidFill>
                   <a:srgbClr val="2f2b20"/>
                 </a:solidFill>
@@ -7909,20 +8006,20 @@
               </a:rPr>
               <a:t>.</a:t>
             </a:r>
-            <a:endParaRPr b="0" lang="pt-BR" sz="3800" spc="-1" strike="noStrike">
-              <a:solidFill>
-                <a:srgbClr val="2f2b20"/>
-              </a:solidFill>
-              <a:uFill>
-                <a:solidFill>
-                  <a:srgbClr val="ffffff"/>
-                </a:solidFill>
-              </a:uFill>
-              <a:latin typeface="Calibri"/>
-            </a:endParaRPr>
-          </a:p>
-          <a:p>
-            <a:pPr>
+            <a:endParaRPr b="0" lang="en-US" sz="3800" spc="-1" strike="noStrike">
+              <a:solidFill>
+                <a:srgbClr val="000000"/>
+              </a:solidFill>
+              <a:uFill>
+                <a:solidFill>
+                  <a:srgbClr val="ffffff"/>
+                </a:solidFill>
+              </a:uFill>
+              <a:latin typeface="Arial"/>
+            </a:endParaRPr>
+          </a:p>
+          <a:p>
+            <a:pPr marL="114480">
               <a:lnSpc>
                 <a:spcPct val="100000"/>
               </a:lnSpc>
@@ -7931,7 +8028,7 @@
               </a:spcBef>
             </a:pPr>
             <a:r>
-              <a:rPr b="0" lang="pt-BR" sz="2200" spc="-1" strike="noStrike">
+              <a:rPr b="0" lang="en-US" sz="2200" spc="-1" strike="noStrike">
                 <a:solidFill>
                   <a:srgbClr val="2f2b20"/>
                 </a:solidFill>
@@ -7944,20 +8041,20 @@
               </a:rPr>
               <a:t>  </a:t>
             </a:r>
-            <a:endParaRPr b="0" lang="pt-BR" sz="2200" spc="-1" strike="noStrike">
-              <a:solidFill>
-                <a:srgbClr val="2f2b20"/>
-              </a:solidFill>
-              <a:uFill>
-                <a:solidFill>
-                  <a:srgbClr val="ffffff"/>
-                </a:solidFill>
-              </a:uFill>
-              <a:latin typeface="Calibri"/>
-            </a:endParaRPr>
-          </a:p>
-          <a:p>
-            <a:pPr>
+            <a:endParaRPr b="0" lang="en-US" sz="2200" spc="-1" strike="noStrike">
+              <a:solidFill>
+                <a:srgbClr val="000000"/>
+              </a:solidFill>
+              <a:uFill>
+                <a:solidFill>
+                  <a:srgbClr val="ffffff"/>
+                </a:solidFill>
+              </a:uFill>
+              <a:latin typeface="Arial"/>
+            </a:endParaRPr>
+          </a:p>
+          <a:p>
+            <a:pPr marL="114480">
               <a:lnSpc>
                 <a:spcPct val="100000"/>
               </a:lnSpc>
@@ -7965,20 +8062,20 @@
                 <a:spcPts val="439"/>
               </a:spcBef>
             </a:pPr>
-            <a:endParaRPr b="0" lang="pt-BR" sz="2200" spc="-1" strike="noStrike">
-              <a:solidFill>
-                <a:srgbClr val="2f2b20"/>
-              </a:solidFill>
-              <a:uFill>
-                <a:solidFill>
-                  <a:srgbClr val="ffffff"/>
-                </a:solidFill>
-              </a:uFill>
-              <a:latin typeface="Calibri"/>
-            </a:endParaRPr>
-          </a:p>
-          <a:p>
-            <a:pPr>
+            <a:endParaRPr b="0" lang="en-US" sz="2200" spc="-1" strike="noStrike">
+              <a:solidFill>
+                <a:srgbClr val="000000"/>
+              </a:solidFill>
+              <a:uFill>
+                <a:solidFill>
+                  <a:srgbClr val="ffffff"/>
+                </a:solidFill>
+              </a:uFill>
+              <a:latin typeface="Arial"/>
+            </a:endParaRPr>
+          </a:p>
+          <a:p>
+            <a:pPr marL="114480">
               <a:lnSpc>
                 <a:spcPct val="100000"/>
               </a:lnSpc>
@@ -7986,20 +8083,20 @@
                 <a:spcPts val="439"/>
               </a:spcBef>
             </a:pPr>
-            <a:endParaRPr b="0" lang="pt-BR" sz="2200" spc="-1" strike="noStrike">
-              <a:solidFill>
-                <a:srgbClr val="2f2b20"/>
-              </a:solidFill>
-              <a:uFill>
-                <a:solidFill>
-                  <a:srgbClr val="ffffff"/>
-                </a:solidFill>
-              </a:uFill>
-              <a:latin typeface="Calibri"/>
-            </a:endParaRPr>
-          </a:p>
-          <a:p>
-            <a:pPr>
+            <a:endParaRPr b="0" lang="en-US" sz="2200" spc="-1" strike="noStrike">
+              <a:solidFill>
+                <a:srgbClr val="000000"/>
+              </a:solidFill>
+              <a:uFill>
+                <a:solidFill>
+                  <a:srgbClr val="ffffff"/>
+                </a:solidFill>
+              </a:uFill>
+              <a:latin typeface="Arial"/>
+            </a:endParaRPr>
+          </a:p>
+          <a:p>
+            <a:pPr marL="114480">
               <a:lnSpc>
                 <a:spcPct val="100000"/>
               </a:lnSpc>
@@ -8008,7 +8105,7 @@
               </a:spcBef>
             </a:pPr>
             <a:r>
-              <a:rPr b="0" lang="pt-BR" sz="3600" spc="-1" strike="noStrike">
+              <a:rPr b="0" lang="en-US" sz="3600" spc="-1" strike="noStrike">
                 <a:solidFill>
                   <a:srgbClr val="2f2b20"/>
                 </a:solidFill>
@@ -8021,20 +8118,20 @@
               </a:rPr>
               <a:t> </a:t>
             </a:r>
-            <a:endParaRPr b="0" lang="pt-BR" sz="3600" spc="-1" strike="noStrike">
-              <a:solidFill>
-                <a:srgbClr val="2f2b20"/>
-              </a:solidFill>
-              <a:uFill>
-                <a:solidFill>
-                  <a:srgbClr val="ffffff"/>
-                </a:solidFill>
-              </a:uFill>
-              <a:latin typeface="Calibri"/>
-            </a:endParaRPr>
-          </a:p>
-          <a:p>
-            <a:pPr>
+            <a:endParaRPr b="0" lang="en-US" sz="3600" spc="-1" strike="noStrike">
+              <a:solidFill>
+                <a:srgbClr val="000000"/>
+              </a:solidFill>
+              <a:uFill>
+                <a:solidFill>
+                  <a:srgbClr val="ffffff"/>
+                </a:solidFill>
+              </a:uFill>
+              <a:latin typeface="Arial"/>
+            </a:endParaRPr>
+          </a:p>
+          <a:p>
+            <a:pPr marL="114480">
               <a:lnSpc>
                 <a:spcPct val="100000"/>
               </a:lnSpc>
@@ -8042,20 +8139,20 @@
                 <a:spcPts val="720"/>
               </a:spcBef>
             </a:pPr>
-            <a:endParaRPr b="0" lang="pt-BR" sz="3600" spc="-1" strike="noStrike">
-              <a:solidFill>
-                <a:srgbClr val="2f2b20"/>
-              </a:solidFill>
-              <a:uFill>
-                <a:solidFill>
-                  <a:srgbClr val="ffffff"/>
-                </a:solidFill>
-              </a:uFill>
-              <a:latin typeface="Calibri"/>
-            </a:endParaRPr>
-          </a:p>
-          <a:p>
-            <a:pPr>
+            <a:endParaRPr b="0" lang="en-US" sz="3600" spc="-1" strike="noStrike">
+              <a:solidFill>
+                <a:srgbClr val="000000"/>
+              </a:solidFill>
+              <a:uFill>
+                <a:solidFill>
+                  <a:srgbClr val="ffffff"/>
+                </a:solidFill>
+              </a:uFill>
+              <a:latin typeface="Arial"/>
+            </a:endParaRPr>
+          </a:p>
+          <a:p>
+            <a:pPr marL="114480">
               <a:lnSpc>
                 <a:spcPct val="100000"/>
               </a:lnSpc>
@@ -8063,30 +8160,30 @@
                 <a:spcPts val="720"/>
               </a:spcBef>
             </a:pPr>
-            <a:endParaRPr b="0" lang="pt-BR" sz="3600" spc="-1" strike="noStrike">
-              <a:solidFill>
-                <a:srgbClr val="2f2b20"/>
-              </a:solidFill>
-              <a:uFill>
-                <a:solidFill>
-                  <a:srgbClr val="ffffff"/>
-                </a:solidFill>
-              </a:uFill>
-              <a:latin typeface="Calibri"/>
-            </a:endParaRPr>
-          </a:p>
-        </p:txBody>
-      </p:sp>
-      <p:sp>
-        <p:nvSpPr>
-          <p:cNvPr id="103" name="CustomShape 3"/>
+            <a:endParaRPr b="0" lang="en-US" sz="3600" spc="-1" strike="noStrike">
+              <a:solidFill>
+                <a:srgbClr val="000000"/>
+              </a:solidFill>
+              <a:uFill>
+                <a:solidFill>
+                  <a:srgbClr val="ffffff"/>
+                </a:solidFill>
+              </a:uFill>
+              <a:latin typeface="Arial"/>
+            </a:endParaRPr>
+          </a:p>
+        </p:txBody>
+      </p:sp>
+      <p:sp>
+        <p:nvSpPr>
+          <p:cNvPr id="97" name="CustomShape 3"/>
           <p:cNvSpPr/>
           <p:nvPr/>
         </p:nvSpPr>
         <p:spPr>
           <a:xfrm>
             <a:off x="795960" y="2205000"/>
-            <a:ext cx="6800040" cy="359640"/>
+            <a:ext cx="6799680" cy="359280"/>
           </a:xfrm>
           <a:prstGeom prst="round1Rect">
             <a:avLst>
@@ -8128,6 +8225,7 @@
                   </a:solidFill>
                 </a:uFill>
                 <a:latin typeface="Calibri"/>
+                <a:ea typeface="DejaVu Sans"/>
               </a:rPr>
               <a:t>5     20     17    8     1    11     9   22    13    4    12   10    6     21</a:t>
             </a:r>
